--- a/apresentacao/slide/PROJETO INTEGRADOR I.pptx
+++ b/apresentacao/slide/PROJETO INTEGRADOR I.pptx
@@ -5,46 +5,50 @@
     <p:sldMasterId id="2147483648" r:id="rId1"/>
   </p:sldMasterIdLst>
   <p:sldIdLst>
-    <p:sldId id="256" r:id="rId3"/>
-    <p:sldId id="257" r:id="rId4"/>
-    <p:sldId id="258" r:id="rId5"/>
-    <p:sldId id="259" r:id="rId6"/>
-    <p:sldId id="260" r:id="rId7"/>
-    <p:sldId id="261" r:id="rId8"/>
-    <p:sldId id="262" r:id="rId9"/>
-    <p:sldId id="263" r:id="rId10"/>
-    <p:sldId id="264" r:id="rId11"/>
-    <p:sldId id="265" r:id="rId12"/>
-    <p:sldId id="266" r:id="rId13"/>
-    <p:sldId id="267" r:id="rId14"/>
-    <p:sldId id="268" r:id="rId15"/>
-    <p:sldId id="269" r:id="rId16"/>
-    <p:sldId id="270" r:id="rId17"/>
-    <p:sldId id="271" r:id="rId18"/>
-    <p:sldId id="272" r:id="rId19"/>
-    <p:sldId id="273" r:id="rId20"/>
-    <p:sldId id="274" r:id="rId21"/>
-    <p:sldId id="275" r:id="rId22"/>
-    <p:sldId id="276" r:id="rId23"/>
-    <p:sldId id="277" r:id="rId24"/>
+    <p:sldId id="256" r:id="rId2"/>
+    <p:sldId id="257" r:id="rId3"/>
+    <p:sldId id="258" r:id="rId4"/>
+    <p:sldId id="259" r:id="rId5"/>
+    <p:sldId id="260" r:id="rId6"/>
+    <p:sldId id="261" r:id="rId7"/>
+    <p:sldId id="262" r:id="rId8"/>
+    <p:sldId id="263" r:id="rId9"/>
+    <p:sldId id="264" r:id="rId10"/>
+    <p:sldId id="265" r:id="rId11"/>
+    <p:sldId id="266" r:id="rId12"/>
+    <p:sldId id="267" r:id="rId13"/>
+    <p:sldId id="268" r:id="rId14"/>
+    <p:sldId id="269" r:id="rId15"/>
+    <p:sldId id="270" r:id="rId16"/>
+    <p:sldId id="271" r:id="rId17"/>
+    <p:sldId id="272" r:id="rId18"/>
+    <p:sldId id="273" r:id="rId19"/>
+    <p:sldId id="274" r:id="rId20"/>
+    <p:sldId id="275" r:id="rId21"/>
+    <p:sldId id="276" r:id="rId22"/>
+    <p:sldId id="277" r:id="rId23"/>
   </p:sldIdLst>
   <p:sldSz cx="18288000" cy="10287000"/>
   <p:notesSz cx="6858000" cy="9144000"/>
   <p:embeddedFontLst>
     <p:embeddedFont>
-      <p:font typeface="Montserrat Bold" panose="00000800000000000000"/>
-      <p:bold r:id="rId28"/>
+      <p:font typeface="Montserrat Bold" charset="0"/>
+      <p:regular r:id="rId24"/>
     </p:embeddedFont>
     <p:embeddedFont>
-      <p:font typeface="Poppins" panose="00000500000000000000"/>
-      <p:regular r:id="rId29"/>
+      <p:font typeface="Poppins Bold" charset="0"/>
+      <p:regular r:id="rId25"/>
     </p:embeddedFont>
     <p:embeddedFont>
-      <p:font typeface="Calibri" panose="020F0502020204030204" charset="0"/>
+      <p:font typeface="Calibri" pitchFamily="34" charset="0"/>
+      <p:regular r:id="rId26"/>
+      <p:bold r:id="rId27"/>
+      <p:italic r:id="rId28"/>
+      <p:boldItalic r:id="rId29"/>
+    </p:embeddedFont>
+    <p:embeddedFont>
+      <p:font typeface="Poppins" charset="0"/>
       <p:regular r:id="rId30"/>
-      <p:bold r:id="rId31"/>
-      <p:italic r:id="rId32"/>
-      <p:boldItalic r:id="rId33"/>
     </p:embeddedFont>
   </p:embeddedFontLst>
   <p:defaultTextStyle>
@@ -142,22 +146,6 @@
       </a:defRPr>
     </a:lvl9pPr>
   </p:defaultTextStyle>
-  <p:extLst>
-    <p:ext uri="{EFAFB233-063F-42B5-8137-9DF3F51BA10A}">
-      <p15:sldGuideLst xmlns:p15="http://schemas.microsoft.com/office/powerpoint/2012/main">
-        <p15:guide id="1" orient="horz" pos="2160" userDrawn="1">
-          <p15:clr>
-            <a:srgbClr val="A4A3A4"/>
-          </p15:clr>
-        </p15:guide>
-        <p15:guide id="2" pos="2880" userDrawn="1">
-          <p15:clr>
-            <a:srgbClr val="A4A3A4"/>
-          </p15:clr>
-        </p15:guide>
-      </p15:sldGuideLst>
-    </p:ext>
-  </p:extLst>
 </p:presentation>
 </file>
 
@@ -342,6 +330,8 @@
           <a:p>
             <a:fld id="{1D8BD707-D9CF-40AE-B4C6-C98DA3205C09}" type="datetimeFigureOut">
               <a:rPr lang="en-US" smtClean="0"/>
+              <a:pPr/>
+              <a:t>11/28/2025</a:t>
             </a:fld>
             <a:endParaRPr lang="en-US"/>
           </a:p>
@@ -383,6 +373,8 @@
           <a:p>
             <a:fld id="{B6F15528-21DE-4FAA-801E-634DDDAF4B2B}" type="slidenum">
               <a:rPr lang="en-US" smtClean="0"/>
+              <a:pPr/>
+              <a:t>‹nº›</a:t>
             </a:fld>
             <a:endParaRPr lang="en-US"/>
           </a:p>
@@ -456,7 +448,6 @@
               <a:rPr lang="en-US" smtClean="0"/>
               <a:t>Click to edit Master text styles</a:t>
             </a:r>
-            <a:endParaRPr lang="en-US" smtClean="0"/>
           </a:p>
           <a:p>
             <a:pPr lvl="1"/>
@@ -464,7 +455,6 @@
               <a:rPr lang="en-US" smtClean="0"/>
               <a:t>Second level</a:t>
             </a:r>
-            <a:endParaRPr lang="en-US" smtClean="0"/>
           </a:p>
           <a:p>
             <a:pPr lvl="2"/>
@@ -472,7 +462,6 @@
               <a:rPr lang="en-US" smtClean="0"/>
               <a:t>Third level</a:t>
             </a:r>
-            <a:endParaRPr lang="en-US" smtClean="0"/>
           </a:p>
           <a:p>
             <a:pPr lvl="3"/>
@@ -480,7 +469,6 @@
               <a:rPr lang="en-US" smtClean="0"/>
               <a:t>Fourth level</a:t>
             </a:r>
-            <a:endParaRPr lang="en-US" smtClean="0"/>
           </a:p>
           <a:p>
             <a:pPr lvl="4"/>
@@ -509,6 +497,8 @@
           <a:p>
             <a:fld id="{1D8BD707-D9CF-40AE-B4C6-C98DA3205C09}" type="datetimeFigureOut">
               <a:rPr lang="en-US" smtClean="0"/>
+              <a:pPr/>
+              <a:t>11/28/2025</a:t>
             </a:fld>
             <a:endParaRPr lang="en-US"/>
           </a:p>
@@ -550,6 +540,8 @@
           <a:p>
             <a:fld id="{B6F15528-21DE-4FAA-801E-634DDDAF4B2B}" type="slidenum">
               <a:rPr lang="en-US" smtClean="0"/>
+              <a:pPr/>
+              <a:t>‹nº›</a:t>
             </a:fld>
             <a:endParaRPr lang="en-US"/>
           </a:p>
@@ -633,7 +625,6 @@
               <a:rPr lang="en-US" smtClean="0"/>
               <a:t>Click to edit Master text styles</a:t>
             </a:r>
-            <a:endParaRPr lang="en-US" smtClean="0"/>
           </a:p>
           <a:p>
             <a:pPr lvl="1"/>
@@ -641,7 +632,6 @@
               <a:rPr lang="en-US" smtClean="0"/>
               <a:t>Second level</a:t>
             </a:r>
-            <a:endParaRPr lang="en-US" smtClean="0"/>
           </a:p>
           <a:p>
             <a:pPr lvl="2"/>
@@ -649,7 +639,6 @@
               <a:rPr lang="en-US" smtClean="0"/>
               <a:t>Third level</a:t>
             </a:r>
-            <a:endParaRPr lang="en-US" smtClean="0"/>
           </a:p>
           <a:p>
             <a:pPr lvl="3"/>
@@ -657,7 +646,6 @@
               <a:rPr lang="en-US" smtClean="0"/>
               <a:t>Fourth level</a:t>
             </a:r>
-            <a:endParaRPr lang="en-US" smtClean="0"/>
           </a:p>
           <a:p>
             <a:pPr lvl="4"/>
@@ -686,6 +674,8 @@
           <a:p>
             <a:fld id="{1D8BD707-D9CF-40AE-B4C6-C98DA3205C09}" type="datetimeFigureOut">
               <a:rPr lang="en-US" smtClean="0"/>
+              <a:pPr/>
+              <a:t>11/28/2025</a:t>
             </a:fld>
             <a:endParaRPr lang="en-US"/>
           </a:p>
@@ -727,6 +717,8 @@
           <a:p>
             <a:fld id="{B6F15528-21DE-4FAA-801E-634DDDAF4B2B}" type="slidenum">
               <a:rPr lang="en-US" smtClean="0"/>
+              <a:pPr/>
+              <a:t>‹nº›</a:t>
             </a:fld>
             <a:endParaRPr lang="en-US"/>
           </a:p>
@@ -800,7 +792,6 @@
               <a:rPr lang="en-US" smtClean="0"/>
               <a:t>Click to edit Master text styles</a:t>
             </a:r>
-            <a:endParaRPr lang="en-US" smtClean="0"/>
           </a:p>
           <a:p>
             <a:pPr lvl="1"/>
@@ -808,7 +799,6 @@
               <a:rPr lang="en-US" smtClean="0"/>
               <a:t>Second level</a:t>
             </a:r>
-            <a:endParaRPr lang="en-US" smtClean="0"/>
           </a:p>
           <a:p>
             <a:pPr lvl="2"/>
@@ -816,7 +806,6 @@
               <a:rPr lang="en-US" smtClean="0"/>
               <a:t>Third level</a:t>
             </a:r>
-            <a:endParaRPr lang="en-US" smtClean="0"/>
           </a:p>
           <a:p>
             <a:pPr lvl="3"/>
@@ -824,7 +813,6 @@
               <a:rPr lang="en-US" smtClean="0"/>
               <a:t>Fourth level</a:t>
             </a:r>
-            <a:endParaRPr lang="en-US" smtClean="0"/>
           </a:p>
           <a:p>
             <a:pPr lvl="4"/>
@@ -853,6 +841,8 @@
           <a:p>
             <a:fld id="{1D8BD707-D9CF-40AE-B4C6-C98DA3205C09}" type="datetimeFigureOut">
               <a:rPr lang="en-US" smtClean="0"/>
+              <a:pPr/>
+              <a:t>11/28/2025</a:t>
             </a:fld>
             <a:endParaRPr lang="en-US"/>
           </a:p>
@@ -894,6 +884,8 @@
           <a:p>
             <a:fld id="{B6F15528-21DE-4FAA-801E-634DDDAF4B2B}" type="slidenum">
               <a:rPr lang="en-US" smtClean="0"/>
+              <a:pPr/>
+              <a:t>‹nº›</a:t>
             </a:fld>
             <a:endParaRPr lang="en-US"/>
           </a:p>
@@ -1072,7 +1064,6 @@
               <a:rPr lang="en-US" smtClean="0"/>
               <a:t>Click to edit Master text styles</a:t>
             </a:r>
-            <a:endParaRPr lang="en-US" smtClean="0"/>
           </a:p>
         </p:txBody>
       </p:sp>
@@ -1093,6 +1084,8 @@
           <a:p>
             <a:fld id="{1D8BD707-D9CF-40AE-B4C6-C98DA3205C09}" type="datetimeFigureOut">
               <a:rPr lang="en-US" smtClean="0"/>
+              <a:pPr/>
+              <a:t>11/28/2025</a:t>
             </a:fld>
             <a:endParaRPr lang="en-US"/>
           </a:p>
@@ -1134,6 +1127,8 @@
           <a:p>
             <a:fld id="{B6F15528-21DE-4FAA-801E-634DDDAF4B2B}" type="slidenum">
               <a:rPr lang="en-US" smtClean="0"/>
+              <a:pPr/>
+              <a:t>‹nº›</a:t>
             </a:fld>
             <a:endParaRPr lang="en-US"/>
           </a:p>
@@ -1240,7 +1235,6 @@
               <a:rPr lang="en-US" smtClean="0"/>
               <a:t>Click to edit Master text styles</a:t>
             </a:r>
-            <a:endParaRPr lang="en-US" smtClean="0"/>
           </a:p>
           <a:p>
             <a:pPr lvl="1"/>
@@ -1248,7 +1242,6 @@
               <a:rPr lang="en-US" smtClean="0"/>
               <a:t>Second level</a:t>
             </a:r>
-            <a:endParaRPr lang="en-US" smtClean="0"/>
           </a:p>
           <a:p>
             <a:pPr lvl="2"/>
@@ -1256,7 +1249,6 @@
               <a:rPr lang="en-US" smtClean="0"/>
               <a:t>Third level</a:t>
             </a:r>
-            <a:endParaRPr lang="en-US" smtClean="0"/>
           </a:p>
           <a:p>
             <a:pPr lvl="3"/>
@@ -1264,7 +1256,6 @@
               <a:rPr lang="en-US" smtClean="0"/>
               <a:t>Fourth level</a:t>
             </a:r>
-            <a:endParaRPr lang="en-US" smtClean="0"/>
           </a:p>
           <a:p>
             <a:pPr lvl="4"/>
@@ -1329,7 +1320,6 @@
               <a:rPr lang="en-US" smtClean="0"/>
               <a:t>Click to edit Master text styles</a:t>
             </a:r>
-            <a:endParaRPr lang="en-US" smtClean="0"/>
           </a:p>
           <a:p>
             <a:pPr lvl="1"/>
@@ -1337,7 +1327,6 @@
               <a:rPr lang="en-US" smtClean="0"/>
               <a:t>Second level</a:t>
             </a:r>
-            <a:endParaRPr lang="en-US" smtClean="0"/>
           </a:p>
           <a:p>
             <a:pPr lvl="2"/>
@@ -1345,7 +1334,6 @@
               <a:rPr lang="en-US" smtClean="0"/>
               <a:t>Third level</a:t>
             </a:r>
-            <a:endParaRPr lang="en-US" smtClean="0"/>
           </a:p>
           <a:p>
             <a:pPr lvl="3"/>
@@ -1353,7 +1341,6 @@
               <a:rPr lang="en-US" smtClean="0"/>
               <a:t>Fourth level</a:t>
             </a:r>
-            <a:endParaRPr lang="en-US" smtClean="0"/>
           </a:p>
           <a:p>
             <a:pPr lvl="4"/>
@@ -1382,6 +1369,8 @@
           <a:p>
             <a:fld id="{1D8BD707-D9CF-40AE-B4C6-C98DA3205C09}" type="datetimeFigureOut">
               <a:rPr lang="en-US" smtClean="0"/>
+              <a:pPr/>
+              <a:t>11/28/2025</a:t>
             </a:fld>
             <a:endParaRPr lang="en-US"/>
           </a:p>
@@ -1423,6 +1412,8 @@
           <a:p>
             <a:fld id="{B6F15528-21DE-4FAA-801E-634DDDAF4B2B}" type="slidenum">
               <a:rPr lang="en-US" smtClean="0"/>
+              <a:pPr/>
+              <a:t>‹nº›</a:t>
             </a:fld>
             <a:endParaRPr lang="en-US"/>
           </a:p>
@@ -1542,7 +1533,6 @@
               <a:rPr lang="en-US" smtClean="0"/>
               <a:t>Click to edit Master text styles</a:t>
             </a:r>
-            <a:endParaRPr lang="en-US" smtClean="0"/>
           </a:p>
         </p:txBody>
       </p:sp>
@@ -1599,7 +1589,6 @@
               <a:rPr lang="en-US" smtClean="0"/>
               <a:t>Click to edit Master text styles</a:t>
             </a:r>
-            <a:endParaRPr lang="en-US" smtClean="0"/>
           </a:p>
           <a:p>
             <a:pPr lvl="1"/>
@@ -1607,7 +1596,6 @@
               <a:rPr lang="en-US" smtClean="0"/>
               <a:t>Second level</a:t>
             </a:r>
-            <a:endParaRPr lang="en-US" smtClean="0"/>
           </a:p>
           <a:p>
             <a:pPr lvl="2"/>
@@ -1615,7 +1603,6 @@
               <a:rPr lang="en-US" smtClean="0"/>
               <a:t>Third level</a:t>
             </a:r>
-            <a:endParaRPr lang="en-US" smtClean="0"/>
           </a:p>
           <a:p>
             <a:pPr lvl="3"/>
@@ -1623,7 +1610,6 @@
               <a:rPr lang="en-US" smtClean="0"/>
               <a:t>Fourth level</a:t>
             </a:r>
-            <a:endParaRPr lang="en-US" smtClean="0"/>
           </a:p>
           <a:p>
             <a:pPr lvl="4"/>
@@ -1697,7 +1683,6 @@
               <a:rPr lang="en-US" smtClean="0"/>
               <a:t>Click to edit Master text styles</a:t>
             </a:r>
-            <a:endParaRPr lang="en-US" smtClean="0"/>
           </a:p>
         </p:txBody>
       </p:sp>
@@ -1754,7 +1739,6 @@
               <a:rPr lang="en-US" smtClean="0"/>
               <a:t>Click to edit Master text styles</a:t>
             </a:r>
-            <a:endParaRPr lang="en-US" smtClean="0"/>
           </a:p>
           <a:p>
             <a:pPr lvl="1"/>
@@ -1762,7 +1746,6 @@
               <a:rPr lang="en-US" smtClean="0"/>
               <a:t>Second level</a:t>
             </a:r>
-            <a:endParaRPr lang="en-US" smtClean="0"/>
           </a:p>
           <a:p>
             <a:pPr lvl="2"/>
@@ -1770,7 +1753,6 @@
               <a:rPr lang="en-US" smtClean="0"/>
               <a:t>Third level</a:t>
             </a:r>
-            <a:endParaRPr lang="en-US" smtClean="0"/>
           </a:p>
           <a:p>
             <a:pPr lvl="3"/>
@@ -1778,7 +1760,6 @@
               <a:rPr lang="en-US" smtClean="0"/>
               <a:t>Fourth level</a:t>
             </a:r>
-            <a:endParaRPr lang="en-US" smtClean="0"/>
           </a:p>
           <a:p>
             <a:pPr lvl="4"/>
@@ -1807,6 +1788,8 @@
           <a:p>
             <a:fld id="{1D8BD707-D9CF-40AE-B4C6-C98DA3205C09}" type="datetimeFigureOut">
               <a:rPr lang="en-US" smtClean="0"/>
+              <a:pPr/>
+              <a:t>11/28/2025</a:t>
             </a:fld>
             <a:endParaRPr lang="en-US"/>
           </a:p>
@@ -1848,6 +1831,8 @@
           <a:p>
             <a:fld id="{B6F15528-21DE-4FAA-801E-634DDDAF4B2B}" type="slidenum">
               <a:rPr lang="en-US" smtClean="0"/>
+              <a:pPr/>
+              <a:t>‹nº›</a:t>
             </a:fld>
             <a:endParaRPr lang="en-US"/>
           </a:p>
@@ -1918,6 +1903,8 @@
           <a:p>
             <a:fld id="{1D8BD707-D9CF-40AE-B4C6-C98DA3205C09}" type="datetimeFigureOut">
               <a:rPr lang="en-US" smtClean="0"/>
+              <a:pPr/>
+              <a:t>11/28/2025</a:t>
             </a:fld>
             <a:endParaRPr lang="en-US"/>
           </a:p>
@@ -1959,6 +1946,8 @@
           <a:p>
             <a:fld id="{B6F15528-21DE-4FAA-801E-634DDDAF4B2B}" type="slidenum">
               <a:rPr lang="en-US" smtClean="0"/>
+              <a:pPr/>
+              <a:t>‹nº›</a:t>
             </a:fld>
             <a:endParaRPr lang="en-US"/>
           </a:p>
@@ -2006,6 +1995,8 @@
           <a:p>
             <a:fld id="{1D8BD707-D9CF-40AE-B4C6-C98DA3205C09}" type="datetimeFigureOut">
               <a:rPr lang="en-US" smtClean="0"/>
+              <a:pPr/>
+              <a:t>11/28/2025</a:t>
             </a:fld>
             <a:endParaRPr lang="en-US"/>
           </a:p>
@@ -2047,6 +2038,8 @@
           <a:p>
             <a:fld id="{B6F15528-21DE-4FAA-801E-634DDDAF4B2B}" type="slidenum">
               <a:rPr lang="en-US" smtClean="0"/>
+              <a:pPr/>
+              <a:t>‹nº›</a:t>
             </a:fld>
             <a:endParaRPr lang="en-US"/>
           </a:p>
@@ -2162,7 +2155,6 @@
               <a:rPr lang="en-US" smtClean="0"/>
               <a:t>Click to edit Master text styles</a:t>
             </a:r>
-            <a:endParaRPr lang="en-US" smtClean="0"/>
           </a:p>
           <a:p>
             <a:pPr lvl="1"/>
@@ -2170,7 +2162,6 @@
               <a:rPr lang="en-US" smtClean="0"/>
               <a:t>Second level</a:t>
             </a:r>
-            <a:endParaRPr lang="en-US" smtClean="0"/>
           </a:p>
           <a:p>
             <a:pPr lvl="2"/>
@@ -2178,7 +2169,6 @@
               <a:rPr lang="en-US" smtClean="0"/>
               <a:t>Third level</a:t>
             </a:r>
-            <a:endParaRPr lang="en-US" smtClean="0"/>
           </a:p>
           <a:p>
             <a:pPr lvl="3"/>
@@ -2186,7 +2176,6 @@
               <a:rPr lang="en-US" smtClean="0"/>
               <a:t>Fourth level</a:t>
             </a:r>
-            <a:endParaRPr lang="en-US" smtClean="0"/>
           </a:p>
           <a:p>
             <a:pPr lvl="4"/>
@@ -2260,7 +2249,6 @@
               <a:rPr lang="en-US" smtClean="0"/>
               <a:t>Click to edit Master text styles</a:t>
             </a:r>
-            <a:endParaRPr lang="en-US" smtClean="0"/>
           </a:p>
         </p:txBody>
       </p:sp>
@@ -2281,6 +2269,8 @@
           <a:p>
             <a:fld id="{1D8BD707-D9CF-40AE-B4C6-C98DA3205C09}" type="datetimeFigureOut">
               <a:rPr lang="en-US" smtClean="0"/>
+              <a:pPr/>
+              <a:t>11/28/2025</a:t>
             </a:fld>
             <a:endParaRPr lang="en-US"/>
           </a:p>
@@ -2322,6 +2312,8 @@
           <a:p>
             <a:fld id="{B6F15528-21DE-4FAA-801E-634DDDAF4B2B}" type="slidenum">
               <a:rPr lang="en-US" smtClean="0"/>
+              <a:pPr/>
+              <a:t>‹nº›</a:t>
             </a:fld>
             <a:endParaRPr lang="en-US"/>
           </a:p>
@@ -2507,7 +2499,6 @@
               <a:rPr lang="en-US" smtClean="0"/>
               <a:t>Click to edit Master text styles</a:t>
             </a:r>
-            <a:endParaRPr lang="en-US" smtClean="0"/>
           </a:p>
         </p:txBody>
       </p:sp>
@@ -2528,6 +2519,8 @@
           <a:p>
             <a:fld id="{1D8BD707-D9CF-40AE-B4C6-C98DA3205C09}" type="datetimeFigureOut">
               <a:rPr lang="en-US" smtClean="0"/>
+              <a:pPr/>
+              <a:t>11/28/2025</a:t>
             </a:fld>
             <a:endParaRPr lang="en-US"/>
           </a:p>
@@ -2569,6 +2562,8 @@
           <a:p>
             <a:fld id="{B6F15528-21DE-4FAA-801E-634DDDAF4B2B}" type="slidenum">
               <a:rPr lang="en-US" smtClean="0"/>
+              <a:pPr/>
+              <a:t>‹nº›</a:t>
             </a:fld>
             <a:endParaRPr lang="en-US"/>
           </a:p>
@@ -2667,7 +2662,6 @@
               <a:rPr lang="en-US" smtClean="0"/>
               <a:t>Click to edit Master text styles</a:t>
             </a:r>
-            <a:endParaRPr lang="en-US" smtClean="0"/>
           </a:p>
           <a:p>
             <a:pPr lvl="1"/>
@@ -2675,7 +2669,6 @@
               <a:rPr lang="en-US" smtClean="0"/>
               <a:t>Second level</a:t>
             </a:r>
-            <a:endParaRPr lang="en-US" smtClean="0"/>
           </a:p>
           <a:p>
             <a:pPr lvl="2"/>
@@ -2683,7 +2676,6 @@
               <a:rPr lang="en-US" smtClean="0"/>
               <a:t>Third level</a:t>
             </a:r>
-            <a:endParaRPr lang="en-US" smtClean="0"/>
           </a:p>
           <a:p>
             <a:pPr lvl="3"/>
@@ -2691,7 +2683,6 @@
               <a:rPr lang="en-US" smtClean="0"/>
               <a:t>Fourth level</a:t>
             </a:r>
-            <a:endParaRPr lang="en-US" smtClean="0"/>
           </a:p>
           <a:p>
             <a:pPr lvl="4"/>
@@ -2738,6 +2729,8 @@
           <a:p>
             <a:fld id="{1D8BD707-D9CF-40AE-B4C6-C98DA3205C09}" type="datetimeFigureOut">
               <a:rPr lang="en-US" smtClean="0"/>
+              <a:pPr/>
+              <a:t>11/28/2025</a:t>
             </a:fld>
             <a:endParaRPr lang="en-US"/>
           </a:p>
@@ -2815,6 +2808,8 @@
           <a:p>
             <a:fld id="{B6F15528-21DE-4FAA-801E-634DDDAF4B2B}" type="slidenum">
               <a:rPr lang="en-US" smtClean="0"/>
+              <a:pPr/>
+              <a:t>‹nº›</a:t>
             </a:fld>
             <a:endParaRPr lang="en-US"/>
           </a:p>
@@ -2858,7 +2853,7 @@
         <a:spcBef>
           <a:spcPct val="20000"/>
         </a:spcBef>
-        <a:buFont typeface="Arial" panose="020B0604020202020204" pitchFamily="34" charset="0"/>
+        <a:buFont typeface="Arial" pitchFamily="34" charset="0"/>
         <a:buChar char="•"/>
         <a:defRPr sz="3200" kern="1200">
           <a:solidFill>
@@ -2873,7 +2868,7 @@
         <a:spcBef>
           <a:spcPct val="20000"/>
         </a:spcBef>
-        <a:buFont typeface="Arial" panose="020B0604020202020204" pitchFamily="34" charset="0"/>
+        <a:buFont typeface="Arial" pitchFamily="34" charset="0"/>
         <a:buChar char="–"/>
         <a:defRPr sz="2800" kern="1200">
           <a:solidFill>
@@ -2888,7 +2883,7 @@
         <a:spcBef>
           <a:spcPct val="20000"/>
         </a:spcBef>
-        <a:buFont typeface="Arial" panose="020B0604020202020204" pitchFamily="34" charset="0"/>
+        <a:buFont typeface="Arial" pitchFamily="34" charset="0"/>
         <a:buChar char="•"/>
         <a:defRPr sz="2400" kern="1200">
           <a:solidFill>
@@ -2903,7 +2898,7 @@
         <a:spcBef>
           <a:spcPct val="20000"/>
         </a:spcBef>
-        <a:buFont typeface="Arial" panose="020B0604020202020204" pitchFamily="34" charset="0"/>
+        <a:buFont typeface="Arial" pitchFamily="34" charset="0"/>
         <a:buChar char="–"/>
         <a:defRPr sz="2000" kern="1200">
           <a:solidFill>
@@ -2918,7 +2913,7 @@
         <a:spcBef>
           <a:spcPct val="20000"/>
         </a:spcBef>
-        <a:buFont typeface="Arial" panose="020B0604020202020204" pitchFamily="34" charset="0"/>
+        <a:buFont typeface="Arial" pitchFamily="34" charset="0"/>
         <a:buChar char="»"/>
         <a:defRPr sz="2000" kern="1200">
           <a:solidFill>
@@ -2933,7 +2928,7 @@
         <a:spcBef>
           <a:spcPct val="20000"/>
         </a:spcBef>
-        <a:buFont typeface="Arial" panose="020B0604020202020204" pitchFamily="34" charset="0"/>
+        <a:buFont typeface="Arial" pitchFamily="34" charset="0"/>
         <a:buChar char="•"/>
         <a:defRPr sz="2000" kern="1200">
           <a:solidFill>
@@ -2948,7 +2943,7 @@
         <a:spcBef>
           <a:spcPct val="20000"/>
         </a:spcBef>
-        <a:buFont typeface="Arial" panose="020B0604020202020204" pitchFamily="34" charset="0"/>
+        <a:buFont typeface="Arial" pitchFamily="34" charset="0"/>
         <a:buChar char="•"/>
         <a:defRPr sz="2000" kern="1200">
           <a:solidFill>
@@ -2963,7 +2958,7 @@
         <a:spcBef>
           <a:spcPct val="20000"/>
         </a:spcBef>
-        <a:buFont typeface="Arial" panose="020B0604020202020204" pitchFamily="34" charset="0"/>
+        <a:buFont typeface="Arial" pitchFamily="34" charset="0"/>
         <a:buChar char="•"/>
         <a:defRPr sz="2000" kern="1200">
           <a:solidFill>
@@ -2978,7 +2973,7 @@
         <a:spcBef>
           <a:spcPct val="20000"/>
         </a:spcBef>
-        <a:buFont typeface="Arial" panose="020B0604020202020204" pitchFamily="34" charset="0"/>
+        <a:buFont typeface="Arial" pitchFamily="34" charset="0"/>
         <a:buChar char="•"/>
         <a:defRPr sz="2000" kern="1200">
           <a:solidFill>
@@ -3116,73 +3111,21 @@
       </p:grpSpPr>
       <p:sp>
         <p:nvSpPr>
-          <p:cNvPr id="2" name="Freeform 2"/>
-          <p:cNvSpPr/>
+          <p:cNvPr id="2" name="TextBox 2"/>
+          <p:cNvSpPr txBox="1"/>
           <p:nvPr/>
         </p:nvSpPr>
         <p:spPr>
           <a:xfrm>
-            <a:off x="-338800" y="0"/>
-            <a:ext cx="11514352" cy="11535325"/>
-          </a:xfrm>
-          <a:custGeom>
-            <a:avLst/>
-            <a:gdLst/>
-            <a:ahLst/>
-            <a:cxnLst/>
-            <a:rect l="l" t="t" r="r" b="b"/>
-            <a:pathLst>
-              <a:path w="11514352" h="11535325">
-                <a:moveTo>
-                  <a:pt x="0" y="0"/>
-                </a:moveTo>
-                <a:lnTo>
-                  <a:pt x="11514351" y="0"/>
-                </a:lnTo>
-                <a:lnTo>
-                  <a:pt x="11514351" y="11535325"/>
-                </a:lnTo>
-                <a:lnTo>
-                  <a:pt x="0" y="11535325"/>
-                </a:lnTo>
-                <a:lnTo>
-                  <a:pt x="0" y="0"/>
-                </a:lnTo>
-                <a:close/>
-              </a:path>
-            </a:pathLst>
-          </a:custGeom>
-          <a:blipFill>
-            <a:blip r:embed="rId1">
-              <a:extLst>
-                <a:ext uri="{96DAC541-7B7A-43D3-8B79-37D633B846F1}">
-                  <asvg:svgBlip xmlns:asvg="http://schemas.microsoft.com/office/drawing/2016/SVG/main" r:embed="rId2"/>
-                </a:ext>
-              </a:extLst>
-            </a:blip>
-            <a:stretch>
-              <a:fillRect/>
-            </a:stretch>
-          </a:blipFill>
-        </p:spPr>
-      </p:sp>
-      <p:sp>
-        <p:nvSpPr>
-          <p:cNvPr id="3" name="TextBox 3"/>
-          <p:cNvSpPr txBox="1"/>
-          <p:nvPr/>
-        </p:nvSpPr>
-        <p:spPr>
-          <a:xfrm>
-            <a:off x="4108996" y="2831451"/>
-            <a:ext cx="13150304" cy="1368424"/>
+            <a:off x="2816026" y="3574594"/>
+            <a:ext cx="13719374" cy="1436291"/>
           </a:xfrm>
           <a:prstGeom prst="rect">
             <a:avLst/>
           </a:prstGeom>
         </p:spPr>
         <p:txBody>
-          <a:bodyPr lIns="0" tIns="0" rIns="0" bIns="0" rtlCol="0" anchor="t">
+          <a:bodyPr wrap="square" lIns="0" tIns="0" rIns="0" bIns="0" rtlCol="0" anchor="t">
             <a:spAutoFit/>
           </a:bodyPr>
           <a:lstStyle/>
@@ -3196,38 +3139,50 @@
               </a:spcBef>
             </a:pPr>
             <a:r>
-              <a:rPr lang="en-US" sz="8000" b="1">
+              <a:rPr lang="en-US" sz="8000" b="1" dirty="0">
                 <a:solidFill>
                   <a:srgbClr val="3A7AFE"/>
                 </a:solidFill>
-                <a:latin typeface="Montserrat Bold" panose="00000800000000000000"/>
-                <a:ea typeface="Montserrat Bold" panose="00000800000000000000"/>
-                <a:cs typeface="Montserrat Bold" panose="00000800000000000000"/>
-                <a:sym typeface="Montserrat Bold" panose="00000800000000000000"/>
-              </a:rPr>
-              <a:t>PROJETO INTEGRADOR I</a:t>
-            </a:r>
-            <a:endParaRPr lang="en-US" sz="8000" b="1">
+                <a:latin typeface="Montserrat Bold"/>
+                <a:ea typeface="Montserrat Bold"/>
+                <a:cs typeface="Montserrat Bold"/>
+                <a:sym typeface="Montserrat Bold"/>
+              </a:rPr>
+              <a:t>PROJETO INTEGRADOR </a:t>
+            </a:r>
+            <a:r>
+              <a:rPr lang="en-US" sz="8000" b="1" dirty="0" smtClean="0">
+                <a:solidFill>
+                  <a:srgbClr val="3A7AFE"/>
+                </a:solidFill>
+                <a:latin typeface="Montserrat Bold"/>
+                <a:ea typeface="Montserrat Bold"/>
+                <a:cs typeface="Montserrat Bold"/>
+                <a:sym typeface="Montserrat Bold"/>
+              </a:rPr>
+              <a:t>I</a:t>
+            </a:r>
+            <a:endParaRPr lang="en-US" sz="8000" b="1" dirty="0">
               <a:solidFill>
                 <a:srgbClr val="3A7AFE"/>
               </a:solidFill>
-              <a:latin typeface="Montserrat Bold" panose="00000800000000000000"/>
-              <a:ea typeface="Montserrat Bold" panose="00000800000000000000"/>
-              <a:cs typeface="Montserrat Bold" panose="00000800000000000000"/>
-              <a:sym typeface="Montserrat Bold" panose="00000800000000000000"/>
+              <a:latin typeface="Montserrat Bold"/>
+              <a:ea typeface="Montserrat Bold"/>
+              <a:cs typeface="Montserrat Bold"/>
+              <a:sym typeface="Montserrat Bold"/>
             </a:endParaRPr>
           </a:p>
         </p:txBody>
       </p:sp>
       <p:sp>
         <p:nvSpPr>
-          <p:cNvPr id="4" name="TextBox 4"/>
+          <p:cNvPr id="3" name="TextBox 3"/>
           <p:cNvSpPr txBox="1"/>
           <p:nvPr/>
         </p:nvSpPr>
         <p:spPr>
           <a:xfrm>
-            <a:off x="4930676" y="4241800"/>
+            <a:off x="3637707" y="5658306"/>
             <a:ext cx="11506944" cy="901700"/>
           </a:xfrm>
           <a:prstGeom prst="rect">
@@ -3249,38 +3204,98 @@
               </a:spcBef>
             </a:pPr>
             <a:r>
-              <a:rPr lang="en-US" sz="5000">
+              <a:rPr lang="en-US" sz="5000" dirty="0">
                 <a:solidFill>
                   <a:srgbClr val="000000"/>
                 </a:solidFill>
-                <a:latin typeface="Poppins" panose="00000500000000000000"/>
-                <a:ea typeface="Poppins" panose="00000500000000000000"/>
-                <a:cs typeface="Poppins" panose="00000500000000000000"/>
-                <a:sym typeface="Poppins" panose="00000500000000000000"/>
-              </a:rPr>
-              <a:t>Site Portifólio - Fabiana Jora</a:t>
-            </a:r>
-            <a:endParaRPr lang="en-US" sz="5000">
+                <a:latin typeface="Poppins"/>
+                <a:ea typeface="Poppins"/>
+                <a:cs typeface="Poppins"/>
+                <a:sym typeface="Poppins"/>
+              </a:rPr>
+              <a:t>Site </a:t>
+            </a:r>
+            <a:r>
+              <a:rPr lang="en-US" sz="5000" dirty="0" err="1">
+                <a:solidFill>
+                  <a:srgbClr val="000000"/>
+                </a:solidFill>
+                <a:latin typeface="Poppins"/>
+                <a:ea typeface="Poppins"/>
+                <a:cs typeface="Poppins"/>
+                <a:sym typeface="Poppins"/>
+              </a:rPr>
+              <a:t>Portifólio</a:t>
+            </a:r>
+            <a:r>
+              <a:rPr lang="en-US" sz="5000" dirty="0">
+                <a:solidFill>
+                  <a:srgbClr val="000000"/>
+                </a:solidFill>
+                <a:latin typeface="Poppins"/>
+                <a:ea typeface="Poppins"/>
+                <a:cs typeface="Poppins"/>
+                <a:sym typeface="Poppins"/>
+              </a:rPr>
+              <a:t> - </a:t>
+            </a:r>
+            <a:r>
+              <a:rPr lang="en-US" sz="5000" dirty="0" err="1">
+                <a:solidFill>
+                  <a:srgbClr val="000000"/>
+                </a:solidFill>
+                <a:latin typeface="Poppins"/>
+                <a:ea typeface="Poppins"/>
+                <a:cs typeface="Poppins"/>
+                <a:sym typeface="Poppins"/>
+              </a:rPr>
+              <a:t>Fabiana</a:t>
+            </a:r>
+            <a:r>
+              <a:rPr lang="en-US" sz="5000" dirty="0">
+                <a:solidFill>
+                  <a:srgbClr val="000000"/>
+                </a:solidFill>
+                <a:latin typeface="Poppins"/>
+                <a:ea typeface="Poppins"/>
+                <a:cs typeface="Poppins"/>
+                <a:sym typeface="Poppins"/>
+              </a:rPr>
+              <a:t> </a:t>
+            </a:r>
+            <a:r>
+              <a:rPr lang="en-US" sz="5000" dirty="0" err="1">
+                <a:solidFill>
+                  <a:srgbClr val="000000"/>
+                </a:solidFill>
+                <a:latin typeface="Poppins"/>
+                <a:ea typeface="Poppins"/>
+                <a:cs typeface="Poppins"/>
+                <a:sym typeface="Poppins"/>
+              </a:rPr>
+              <a:t>Jora</a:t>
+            </a:r>
+            <a:endParaRPr lang="en-US" sz="5000" dirty="0">
               <a:solidFill>
                 <a:srgbClr val="000000"/>
               </a:solidFill>
-              <a:latin typeface="Poppins" panose="00000500000000000000"/>
-              <a:ea typeface="Poppins" panose="00000500000000000000"/>
-              <a:cs typeface="Poppins" panose="00000500000000000000"/>
-              <a:sym typeface="Poppins" panose="00000500000000000000"/>
+              <a:latin typeface="Poppins"/>
+              <a:ea typeface="Poppins"/>
+              <a:cs typeface="Poppins"/>
+              <a:sym typeface="Poppins"/>
             </a:endParaRPr>
           </a:p>
         </p:txBody>
       </p:sp>
       <p:sp>
         <p:nvSpPr>
-          <p:cNvPr id="5" name="TextBox 5"/>
+          <p:cNvPr id="4" name="TextBox 4"/>
           <p:cNvSpPr txBox="1"/>
           <p:nvPr/>
         </p:nvSpPr>
         <p:spPr>
           <a:xfrm>
-            <a:off x="12836523" y="7262904"/>
+            <a:off x="14948049" y="8531226"/>
             <a:ext cx="2036564" cy="727074"/>
           </a:xfrm>
           <a:prstGeom prst="rect">
@@ -3306,22 +3321,13 @@
                 <a:solidFill>
                   <a:srgbClr val="000000"/>
                 </a:solidFill>
-                <a:latin typeface="Poppins" panose="00000500000000000000"/>
-                <a:ea typeface="Poppins" panose="00000500000000000000"/>
-                <a:cs typeface="Poppins" panose="00000500000000000000"/>
-                <a:sym typeface="Poppins" panose="00000500000000000000"/>
+                <a:latin typeface="Poppins"/>
+                <a:ea typeface="Poppins"/>
+                <a:cs typeface="Poppins"/>
+                <a:sym typeface="Poppins"/>
               </a:rPr>
               <a:t>Grupo 6</a:t>
             </a:r>
-            <a:endParaRPr lang="en-US" sz="4000">
-              <a:solidFill>
-                <a:srgbClr val="000000"/>
-              </a:solidFill>
-              <a:latin typeface="Poppins" panose="00000500000000000000"/>
-              <a:ea typeface="Poppins" panose="00000500000000000000"/>
-              <a:cs typeface="Poppins" panose="00000500000000000000"/>
-              <a:sym typeface="Poppins" panose="00000500000000000000"/>
-            </a:endParaRPr>
           </a:p>
         </p:txBody>
       </p:sp>
@@ -3360,60 +3366,7 @@
       </p:grpSpPr>
       <p:sp>
         <p:nvSpPr>
-          <p:cNvPr id="2" name="Freeform 2"/>
-          <p:cNvSpPr/>
-          <p:nvPr/>
-        </p:nvSpPr>
-        <p:spPr>
-          <a:xfrm>
-            <a:off x="-1403169" y="1028700"/>
-            <a:ext cx="11514352" cy="11535325"/>
-          </a:xfrm>
-          <a:custGeom>
-            <a:avLst/>
-            <a:gdLst/>
-            <a:ahLst/>
-            <a:cxnLst/>
-            <a:rect l="l" t="t" r="r" b="b"/>
-            <a:pathLst>
-              <a:path w="11514352" h="11535325">
-                <a:moveTo>
-                  <a:pt x="0" y="0"/>
-                </a:moveTo>
-                <a:lnTo>
-                  <a:pt x="11514351" y="0"/>
-                </a:lnTo>
-                <a:lnTo>
-                  <a:pt x="11514351" y="11535325"/>
-                </a:lnTo>
-                <a:lnTo>
-                  <a:pt x="0" y="11535325"/>
-                </a:lnTo>
-                <a:lnTo>
-                  <a:pt x="0" y="0"/>
-                </a:lnTo>
-                <a:close/>
-              </a:path>
-            </a:pathLst>
-          </a:custGeom>
-          <a:blipFill>
-            <a:blip r:embed="rId1">
-              <a:alphaModFix amt="40000"/>
-              <a:extLst>
-                <a:ext uri="{96DAC541-7B7A-43D3-8B79-37D633B846F1}">
-                  <asvg:svgBlip xmlns:asvg="http://schemas.microsoft.com/office/drawing/2016/SVG/main" r:embed="rId2"/>
-                </a:ext>
-              </a:extLst>
-            </a:blip>
-            <a:stretch>
-              <a:fillRect/>
-            </a:stretch>
-          </a:blipFill>
-        </p:spPr>
-      </p:sp>
-      <p:sp>
-        <p:nvSpPr>
-          <p:cNvPr id="3" name="TextBox 3"/>
+          <p:cNvPr id="2" name="TextBox 2"/>
           <p:cNvSpPr txBox="1"/>
           <p:nvPr/>
         </p:nvSpPr>
@@ -3442,34 +3395,25 @@
                 <a:solidFill>
                   <a:srgbClr val="3A7AFE"/>
                 </a:solidFill>
-                <a:latin typeface="Montserrat Bold" panose="00000800000000000000"/>
-                <a:ea typeface="Montserrat Bold" panose="00000800000000000000"/>
-                <a:cs typeface="Montserrat Bold" panose="00000800000000000000"/>
-                <a:sym typeface="Montserrat Bold" panose="00000800000000000000"/>
+                <a:latin typeface="Montserrat Bold"/>
+                <a:ea typeface="Montserrat Bold"/>
+                <a:cs typeface="Montserrat Bold"/>
+                <a:sym typeface="Montserrat Bold"/>
               </a:rPr>
               <a:t>Estudo de Viabilidade</a:t>
             </a:r>
-            <a:endParaRPr lang="en-US" sz="4400" b="1">
-              <a:solidFill>
-                <a:srgbClr val="3A7AFE"/>
-              </a:solidFill>
-              <a:latin typeface="Montserrat Bold" panose="00000800000000000000"/>
-              <a:ea typeface="Montserrat Bold" panose="00000800000000000000"/>
-              <a:cs typeface="Montserrat Bold" panose="00000800000000000000"/>
-              <a:sym typeface="Montserrat Bold" panose="00000800000000000000"/>
-            </a:endParaRPr>
-          </a:p>
-        </p:txBody>
-      </p:sp>
-      <p:sp>
-        <p:nvSpPr>
-          <p:cNvPr id="4" name="TextBox 4"/>
+          </a:p>
+        </p:txBody>
+      </p:sp>
+      <p:sp>
+        <p:nvSpPr>
+          <p:cNvPr id="3" name="TextBox 3"/>
           <p:cNvSpPr txBox="1"/>
           <p:nvPr/>
         </p:nvSpPr>
         <p:spPr>
           <a:xfrm>
-            <a:off x="3593772" y="4701970"/>
+            <a:off x="2626590" y="4643709"/>
             <a:ext cx="13034821" cy="2286635"/>
           </a:xfrm>
           <a:prstGeom prst="rect">
@@ -3492,21 +3436,28 @@
                 <a:solidFill>
                   <a:srgbClr val="000000"/>
                 </a:solidFill>
-                <a:latin typeface="Poppins" panose="00000500000000000000"/>
-                <a:ea typeface="Poppins" panose="00000500000000000000"/>
-                <a:cs typeface="Poppins" panose="00000500000000000000"/>
-                <a:sym typeface="Poppins" panose="00000500000000000000"/>
+                <a:latin typeface="Poppins"/>
+                <a:ea typeface="Poppins"/>
+                <a:cs typeface="Poppins"/>
+                <a:sym typeface="Poppins"/>
               </a:rPr>
               <a:t>Técnica: Viável, utilizando ferramentas de fácil acesso e compatíveis com hardware básico.</a:t>
             </a:r>
+          </a:p>
+          <a:p>
+            <a:pPr algn="just">
+              <a:lnSpc>
+                <a:spcPts val="3640"/>
+              </a:lnSpc>
+            </a:pPr>
             <a:endParaRPr lang="en-US" sz="2600">
               <a:solidFill>
                 <a:srgbClr val="000000"/>
               </a:solidFill>
-              <a:latin typeface="Poppins" panose="00000500000000000000"/>
-              <a:ea typeface="Poppins" panose="00000500000000000000"/>
-              <a:cs typeface="Poppins" panose="00000500000000000000"/>
-              <a:sym typeface="Poppins" panose="00000500000000000000"/>
+              <a:latin typeface="Poppins"/>
+              <a:ea typeface="Poppins"/>
+              <a:cs typeface="Poppins"/>
+              <a:sym typeface="Poppins"/>
             </a:endParaRPr>
           </a:p>
           <a:p>
@@ -3515,34 +3466,18 @@
                 <a:spcPts val="3640"/>
               </a:lnSpc>
             </a:pPr>
-          </a:p>
-          <a:p>
-            <a:pPr algn="just">
-              <a:lnSpc>
-                <a:spcPts val="3640"/>
-              </a:lnSpc>
-            </a:pPr>
             <a:r>
               <a:rPr lang="en-US" sz="2600">
                 <a:solidFill>
                   <a:srgbClr val="000000"/>
                 </a:solidFill>
-                <a:latin typeface="Poppins" panose="00000500000000000000"/>
-                <a:ea typeface="Poppins" panose="00000500000000000000"/>
-                <a:cs typeface="Poppins" panose="00000500000000000000"/>
-                <a:sym typeface="Poppins" panose="00000500000000000000"/>
+                <a:latin typeface="Poppins"/>
+                <a:ea typeface="Poppins"/>
+                <a:cs typeface="Poppins"/>
+                <a:sym typeface="Poppins"/>
               </a:rPr>
               <a:t>Econômica: Viável, sem custos diretos (hospedagem, domínio e ferramentas gratuitas).</a:t>
             </a:r>
-            <a:endParaRPr lang="en-US" sz="2600">
-              <a:solidFill>
-                <a:srgbClr val="000000"/>
-              </a:solidFill>
-              <a:latin typeface="Poppins" panose="00000500000000000000"/>
-              <a:ea typeface="Poppins" panose="00000500000000000000"/>
-              <a:cs typeface="Poppins" panose="00000500000000000000"/>
-              <a:sym typeface="Poppins" panose="00000500000000000000"/>
-            </a:endParaRPr>
           </a:p>
         </p:txBody>
       </p:sp>
@@ -3581,60 +3516,7 @@
       </p:grpSpPr>
       <p:sp>
         <p:nvSpPr>
-          <p:cNvPr id="2" name="Freeform 2"/>
-          <p:cNvSpPr/>
-          <p:nvPr/>
-        </p:nvSpPr>
-        <p:spPr>
-          <a:xfrm>
-            <a:off x="-1403169" y="1028700"/>
-            <a:ext cx="11514352" cy="11535325"/>
-          </a:xfrm>
-          <a:custGeom>
-            <a:avLst/>
-            <a:gdLst/>
-            <a:ahLst/>
-            <a:cxnLst/>
-            <a:rect l="l" t="t" r="r" b="b"/>
-            <a:pathLst>
-              <a:path w="11514352" h="11535325">
-                <a:moveTo>
-                  <a:pt x="0" y="0"/>
-                </a:moveTo>
-                <a:lnTo>
-                  <a:pt x="11514351" y="0"/>
-                </a:lnTo>
-                <a:lnTo>
-                  <a:pt x="11514351" y="11535325"/>
-                </a:lnTo>
-                <a:lnTo>
-                  <a:pt x="0" y="11535325"/>
-                </a:lnTo>
-                <a:lnTo>
-                  <a:pt x="0" y="0"/>
-                </a:lnTo>
-                <a:close/>
-              </a:path>
-            </a:pathLst>
-          </a:custGeom>
-          <a:blipFill>
-            <a:blip r:embed="rId1">
-              <a:alphaModFix amt="40000"/>
-              <a:extLst>
-                <a:ext uri="{96DAC541-7B7A-43D3-8B79-37D633B846F1}">
-                  <asvg:svgBlip xmlns:asvg="http://schemas.microsoft.com/office/drawing/2016/SVG/main" r:embed="rId2"/>
-                </a:ext>
-              </a:extLst>
-            </a:blip>
-            <a:stretch>
-              <a:fillRect/>
-            </a:stretch>
-          </a:blipFill>
-        </p:spPr>
-      </p:sp>
-      <p:sp>
-        <p:nvSpPr>
-          <p:cNvPr id="3" name="TextBox 3"/>
+          <p:cNvPr id="2" name="TextBox 2"/>
           <p:cNvSpPr txBox="1"/>
           <p:nvPr/>
         </p:nvSpPr>
@@ -3663,34 +3545,25 @@
                 <a:solidFill>
                   <a:srgbClr val="3A7AFE"/>
                 </a:solidFill>
-                <a:latin typeface="Montserrat Bold" panose="00000800000000000000"/>
-                <a:ea typeface="Montserrat Bold" panose="00000800000000000000"/>
-                <a:cs typeface="Montserrat Bold" panose="00000800000000000000"/>
-                <a:sym typeface="Montserrat Bold" panose="00000800000000000000"/>
+                <a:latin typeface="Montserrat Bold"/>
+                <a:ea typeface="Montserrat Bold"/>
+                <a:cs typeface="Montserrat Bold"/>
+                <a:sym typeface="Montserrat Bold"/>
               </a:rPr>
               <a:t>Modelagem do Sistema</a:t>
             </a:r>
-            <a:endParaRPr lang="en-US" sz="4400" b="1">
-              <a:solidFill>
-                <a:srgbClr val="3A7AFE"/>
-              </a:solidFill>
-              <a:latin typeface="Montserrat Bold" panose="00000800000000000000"/>
-              <a:ea typeface="Montserrat Bold" panose="00000800000000000000"/>
-              <a:cs typeface="Montserrat Bold" panose="00000800000000000000"/>
-              <a:sym typeface="Montserrat Bold" panose="00000800000000000000"/>
-            </a:endParaRPr>
-          </a:p>
-        </p:txBody>
-      </p:sp>
-      <p:sp>
-        <p:nvSpPr>
-          <p:cNvPr id="4" name="TextBox 4"/>
+          </a:p>
+        </p:txBody>
+      </p:sp>
+      <p:sp>
+        <p:nvSpPr>
+          <p:cNvPr id="3" name="TextBox 3"/>
           <p:cNvSpPr txBox="1"/>
           <p:nvPr/>
         </p:nvSpPr>
         <p:spPr>
           <a:xfrm>
-            <a:off x="3565262" y="4903343"/>
+            <a:off x="3247964" y="4874212"/>
             <a:ext cx="11792072" cy="2286635"/>
           </a:xfrm>
           <a:prstGeom prst="rect">
@@ -3705,100 +3578,91 @@
           <a:p>
             <a:pPr algn="just">
               <a:lnSpc>
-                <a:spcPts val="3640"/>
-              </a:lnSpc>
-            </a:pPr>
-            <a:r>
-              <a:rPr lang="en-US" sz="2600">
+                <a:spcPts val="3639"/>
+              </a:lnSpc>
+            </a:pPr>
+            <a:r>
+              <a:rPr lang="en-US" sz="2599">
                 <a:solidFill>
                   <a:srgbClr val="000000"/>
                 </a:solidFill>
-                <a:latin typeface="Poppins" panose="00000500000000000000"/>
-                <a:ea typeface="Poppins" panose="00000500000000000000"/>
-                <a:cs typeface="Poppins" panose="00000500000000000000"/>
-                <a:sym typeface="Poppins" panose="00000500000000000000"/>
+                <a:latin typeface="Poppins"/>
+                <a:ea typeface="Poppins"/>
+                <a:cs typeface="Poppins"/>
+                <a:sym typeface="Poppins"/>
               </a:rPr>
               <a:t> • Atores: Usuário Visitante e Cliente (Administradora). </a:t>
             </a:r>
-            <a:endParaRPr lang="en-US" sz="2600">
+          </a:p>
+          <a:p>
+            <a:pPr algn="just">
+              <a:lnSpc>
+                <a:spcPts val="3639"/>
+              </a:lnSpc>
+            </a:pPr>
+            <a:endParaRPr lang="en-US" sz="2599">
               <a:solidFill>
                 <a:srgbClr val="000000"/>
               </a:solidFill>
-              <a:latin typeface="Poppins" panose="00000500000000000000"/>
-              <a:ea typeface="Poppins" panose="00000500000000000000"/>
-              <a:cs typeface="Poppins" panose="00000500000000000000"/>
-              <a:sym typeface="Poppins" panose="00000500000000000000"/>
+              <a:latin typeface="Poppins"/>
+              <a:ea typeface="Poppins"/>
+              <a:cs typeface="Poppins"/>
+              <a:sym typeface="Poppins"/>
             </a:endParaRPr>
           </a:p>
           <a:p>
             <a:pPr algn="just">
               <a:lnSpc>
-                <a:spcPts val="3640"/>
-              </a:lnSpc>
-            </a:pPr>
-          </a:p>
-          <a:p>
-            <a:pPr algn="just">
-              <a:lnSpc>
-                <a:spcPts val="3640"/>
-              </a:lnSpc>
-            </a:pPr>
-            <a:r>
-              <a:rPr lang="en-US" sz="2600">
+                <a:spcPts val="3639"/>
+              </a:lnSpc>
+            </a:pPr>
+            <a:r>
+              <a:rPr lang="en-US" sz="2599">
                 <a:solidFill>
                   <a:srgbClr val="000000"/>
                 </a:solidFill>
-                <a:latin typeface="Poppins" panose="00000500000000000000"/>
-                <a:ea typeface="Poppins" panose="00000500000000000000"/>
-                <a:cs typeface="Poppins" panose="00000500000000000000"/>
-                <a:sym typeface="Poppins" panose="00000500000000000000"/>
+                <a:latin typeface="Poppins"/>
+                <a:ea typeface="Poppins"/>
+                <a:cs typeface="Poppins"/>
+                <a:sym typeface="Poppins"/>
               </a:rPr>
               <a:t>• Casos de Uso: Navegar, Visualizar Serviços, Acessar Redes Sociais. </a:t>
             </a:r>
-            <a:endParaRPr lang="en-US" sz="2600">
+          </a:p>
+          <a:p>
+            <a:pPr algn="just">
+              <a:lnSpc>
+                <a:spcPts val="3639"/>
+              </a:lnSpc>
+            </a:pPr>
+            <a:endParaRPr lang="en-US" sz="2599">
               <a:solidFill>
                 <a:srgbClr val="000000"/>
               </a:solidFill>
-              <a:latin typeface="Poppins" panose="00000500000000000000"/>
-              <a:ea typeface="Poppins" panose="00000500000000000000"/>
-              <a:cs typeface="Poppins" panose="00000500000000000000"/>
-              <a:sym typeface="Poppins" panose="00000500000000000000"/>
+              <a:latin typeface="Poppins"/>
+              <a:ea typeface="Poppins"/>
+              <a:cs typeface="Poppins"/>
+              <a:sym typeface="Poppins"/>
             </a:endParaRPr>
           </a:p>
           <a:p>
             <a:pPr algn="just">
               <a:lnSpc>
-                <a:spcPts val="3640"/>
-              </a:lnSpc>
-            </a:pPr>
-          </a:p>
-          <a:p>
-            <a:pPr algn="just">
-              <a:lnSpc>
-                <a:spcPts val="3640"/>
-              </a:lnSpc>
-            </a:pPr>
-            <a:r>
-              <a:rPr lang="en-US" sz="2600">
+                <a:spcPts val="3639"/>
+              </a:lnSpc>
+            </a:pPr>
+            <a:r>
+              <a:rPr lang="en-US" sz="2599">
                 <a:solidFill>
                   <a:srgbClr val="000000"/>
                 </a:solidFill>
-                <a:latin typeface="Poppins" panose="00000500000000000000"/>
-                <a:ea typeface="Poppins" panose="00000500000000000000"/>
-                <a:cs typeface="Poppins" panose="00000500000000000000"/>
-                <a:sym typeface="Poppins" panose="00000500000000000000"/>
+                <a:latin typeface="Poppins"/>
+                <a:ea typeface="Poppins"/>
+                <a:cs typeface="Poppins"/>
+                <a:sym typeface="Poppins"/>
               </a:rPr>
               <a:t>• Nota: O sistema é estático, focado na apresentação de informações. </a:t>
             </a:r>
-            <a:endParaRPr lang="en-US" sz="2600">
-              <a:solidFill>
-                <a:srgbClr val="000000"/>
-              </a:solidFill>
-              <a:latin typeface="Poppins" panose="00000500000000000000"/>
-              <a:ea typeface="Poppins" panose="00000500000000000000"/>
-              <a:cs typeface="Poppins" panose="00000500000000000000"/>
-              <a:sym typeface="Poppins" panose="00000500000000000000"/>
-            </a:endParaRPr>
           </a:p>
         </p:txBody>
       </p:sp>
@@ -3837,60 +3701,7 @@
       </p:grpSpPr>
       <p:sp>
         <p:nvSpPr>
-          <p:cNvPr id="2" name="Freeform 2"/>
-          <p:cNvSpPr/>
-          <p:nvPr/>
-        </p:nvSpPr>
-        <p:spPr>
-          <a:xfrm>
-            <a:off x="-1403169" y="1028700"/>
-            <a:ext cx="11514352" cy="11535325"/>
-          </a:xfrm>
-          <a:custGeom>
-            <a:avLst/>
-            <a:gdLst/>
-            <a:ahLst/>
-            <a:cxnLst/>
-            <a:rect l="l" t="t" r="r" b="b"/>
-            <a:pathLst>
-              <a:path w="11514352" h="11535325">
-                <a:moveTo>
-                  <a:pt x="0" y="0"/>
-                </a:moveTo>
-                <a:lnTo>
-                  <a:pt x="11514351" y="0"/>
-                </a:lnTo>
-                <a:lnTo>
-                  <a:pt x="11514351" y="11535325"/>
-                </a:lnTo>
-                <a:lnTo>
-                  <a:pt x="0" y="11535325"/>
-                </a:lnTo>
-                <a:lnTo>
-                  <a:pt x="0" y="0"/>
-                </a:lnTo>
-                <a:close/>
-              </a:path>
-            </a:pathLst>
-          </a:custGeom>
-          <a:blipFill>
-            <a:blip r:embed="rId1">
-              <a:alphaModFix amt="40000"/>
-              <a:extLst>
-                <a:ext uri="{96DAC541-7B7A-43D3-8B79-37D633B846F1}">
-                  <asvg:svgBlip xmlns:asvg="http://schemas.microsoft.com/office/drawing/2016/SVG/main" r:embed="rId2"/>
-                </a:ext>
-              </a:extLst>
-            </a:blip>
-            <a:stretch>
-              <a:fillRect/>
-            </a:stretch>
-          </a:blipFill>
-        </p:spPr>
-      </p:sp>
-      <p:sp>
-        <p:nvSpPr>
-          <p:cNvPr id="3" name="TextBox 3"/>
+          <p:cNvPr id="2" name="TextBox 2"/>
           <p:cNvSpPr txBox="1"/>
           <p:nvPr/>
         </p:nvSpPr>
@@ -3919,34 +3730,25 @@
                 <a:solidFill>
                   <a:srgbClr val="3A7AFE"/>
                 </a:solidFill>
-                <a:latin typeface="Montserrat Bold" panose="00000800000000000000"/>
-                <a:ea typeface="Montserrat Bold" panose="00000800000000000000"/>
-                <a:cs typeface="Montserrat Bold" panose="00000800000000000000"/>
-                <a:sym typeface="Montserrat Bold" panose="00000800000000000000"/>
+                <a:latin typeface="Montserrat Bold"/>
+                <a:ea typeface="Montserrat Bold"/>
+                <a:cs typeface="Montserrat Bold"/>
+                <a:sym typeface="Montserrat Bold"/>
               </a:rPr>
               <a:t>Identidade Visual</a:t>
             </a:r>
-            <a:endParaRPr lang="en-US" sz="4400" b="1">
-              <a:solidFill>
-                <a:srgbClr val="3A7AFE"/>
-              </a:solidFill>
-              <a:latin typeface="Montserrat Bold" panose="00000800000000000000"/>
-              <a:ea typeface="Montserrat Bold" panose="00000800000000000000"/>
-              <a:cs typeface="Montserrat Bold" panose="00000800000000000000"/>
-              <a:sym typeface="Montserrat Bold" panose="00000800000000000000"/>
-            </a:endParaRPr>
-          </a:p>
-        </p:txBody>
-      </p:sp>
-      <p:sp>
-        <p:nvSpPr>
-          <p:cNvPr id="4" name="TextBox 4"/>
+          </a:p>
+        </p:txBody>
+      </p:sp>
+      <p:sp>
+        <p:nvSpPr>
+          <p:cNvPr id="3" name="TextBox 3"/>
           <p:cNvSpPr txBox="1"/>
           <p:nvPr/>
         </p:nvSpPr>
         <p:spPr>
           <a:xfrm>
-            <a:off x="3593772" y="4443760"/>
+            <a:off x="2626590" y="4385499"/>
             <a:ext cx="13034821" cy="2743835"/>
           </a:xfrm>
           <a:prstGeom prst="rect">
@@ -3969,21 +3771,28 @@
                 <a:solidFill>
                   <a:srgbClr val="000000"/>
                 </a:solidFill>
-                <a:latin typeface="Poppins" panose="00000500000000000000"/>
-                <a:ea typeface="Poppins" panose="00000500000000000000"/>
-                <a:cs typeface="Poppins" panose="00000500000000000000"/>
-                <a:sym typeface="Poppins" panose="00000500000000000000"/>
+                <a:latin typeface="Poppins"/>
+                <a:ea typeface="Poppins"/>
+                <a:cs typeface="Poppins"/>
+                <a:sym typeface="Poppins"/>
               </a:rPr>
               <a:t> • Construção de Logotipo, Paleta de Cores e Tipografia. </a:t>
             </a:r>
+          </a:p>
+          <a:p>
+            <a:pPr algn="just">
+              <a:lnSpc>
+                <a:spcPts val="3640"/>
+              </a:lnSpc>
+            </a:pPr>
             <a:endParaRPr lang="en-US" sz="2600">
               <a:solidFill>
                 <a:srgbClr val="000000"/>
               </a:solidFill>
-              <a:latin typeface="Poppins" panose="00000500000000000000"/>
-              <a:ea typeface="Poppins" panose="00000500000000000000"/>
-              <a:cs typeface="Poppins" panose="00000500000000000000"/>
-              <a:sym typeface="Poppins" panose="00000500000000000000"/>
+              <a:latin typeface="Poppins"/>
+              <a:ea typeface="Poppins"/>
+              <a:cs typeface="Poppins"/>
+              <a:sym typeface="Poppins"/>
             </a:endParaRPr>
           </a:p>
           <a:p>
@@ -3992,33 +3801,33 @@
                 <a:spcPts val="3640"/>
               </a:lnSpc>
             </a:pPr>
-          </a:p>
-          <a:p>
-            <a:pPr algn="just">
-              <a:lnSpc>
-                <a:spcPts val="3640"/>
-              </a:lnSpc>
-            </a:pPr>
             <a:r>
               <a:rPr lang="en-US" sz="2600">
                 <a:solidFill>
                   <a:srgbClr val="000000"/>
                 </a:solidFill>
-                <a:latin typeface="Poppins" panose="00000500000000000000"/>
-                <a:ea typeface="Poppins" panose="00000500000000000000"/>
-                <a:cs typeface="Poppins" panose="00000500000000000000"/>
-                <a:sym typeface="Poppins" panose="00000500000000000000"/>
+                <a:latin typeface="Poppins"/>
+                <a:ea typeface="Poppins"/>
+                <a:cs typeface="Poppins"/>
+                <a:sym typeface="Poppins"/>
               </a:rPr>
               <a:t>• Aplicação de Princípios de Design (Contraste, Harmonia, Consistência, Acessibilidade). </a:t>
             </a:r>
+          </a:p>
+          <a:p>
+            <a:pPr algn="just">
+              <a:lnSpc>
+                <a:spcPts val="3640"/>
+              </a:lnSpc>
+            </a:pPr>
             <a:endParaRPr lang="en-US" sz="2600">
               <a:solidFill>
                 <a:srgbClr val="000000"/>
               </a:solidFill>
-              <a:latin typeface="Poppins" panose="00000500000000000000"/>
-              <a:ea typeface="Poppins" panose="00000500000000000000"/>
-              <a:cs typeface="Poppins" panose="00000500000000000000"/>
-              <a:sym typeface="Poppins" panose="00000500000000000000"/>
+              <a:latin typeface="Poppins"/>
+              <a:ea typeface="Poppins"/>
+              <a:cs typeface="Poppins"/>
+              <a:sym typeface="Poppins"/>
             </a:endParaRPr>
           </a:p>
           <a:p>
@@ -4027,34 +3836,18 @@
                 <a:spcPts val="3640"/>
               </a:lnSpc>
             </a:pPr>
-          </a:p>
-          <a:p>
-            <a:pPr algn="just">
-              <a:lnSpc>
-                <a:spcPts val="3640"/>
-              </a:lnSpc>
-            </a:pPr>
             <a:r>
               <a:rPr lang="en-US" sz="2600">
                 <a:solidFill>
                   <a:srgbClr val="000000"/>
                 </a:solidFill>
-                <a:latin typeface="Poppins" panose="00000500000000000000"/>
-                <a:ea typeface="Poppins" panose="00000500000000000000"/>
-                <a:cs typeface="Poppins" panose="00000500000000000000"/>
-                <a:sym typeface="Poppins" panose="00000500000000000000"/>
+                <a:latin typeface="Poppins"/>
+                <a:ea typeface="Poppins"/>
+                <a:cs typeface="Poppins"/>
+                <a:sym typeface="Poppins"/>
               </a:rPr>
               <a:t>• Uso de Grid e Layout Responsivo, Limpo e Funcional.</a:t>
             </a:r>
-            <a:endParaRPr lang="en-US" sz="2600">
-              <a:solidFill>
-                <a:srgbClr val="000000"/>
-              </a:solidFill>
-              <a:latin typeface="Poppins" panose="00000500000000000000"/>
-              <a:ea typeface="Poppins" panose="00000500000000000000"/>
-              <a:cs typeface="Poppins" panose="00000500000000000000"/>
-              <a:sym typeface="Poppins" panose="00000500000000000000"/>
-            </a:endParaRPr>
           </a:p>
         </p:txBody>
       </p:sp>
@@ -4099,60 +3892,7 @@
         </p:nvSpPr>
         <p:spPr>
           <a:xfrm>
-            <a:off x="-1403169" y="1028700"/>
-            <a:ext cx="11514352" cy="11535325"/>
-          </a:xfrm>
-          <a:custGeom>
-            <a:avLst/>
-            <a:gdLst/>
-            <a:ahLst/>
-            <a:cxnLst/>
-            <a:rect l="l" t="t" r="r" b="b"/>
-            <a:pathLst>
-              <a:path w="11514352" h="11535325">
-                <a:moveTo>
-                  <a:pt x="0" y="0"/>
-                </a:moveTo>
-                <a:lnTo>
-                  <a:pt x="11514351" y="0"/>
-                </a:lnTo>
-                <a:lnTo>
-                  <a:pt x="11514351" y="11535325"/>
-                </a:lnTo>
-                <a:lnTo>
-                  <a:pt x="0" y="11535325"/>
-                </a:lnTo>
-                <a:lnTo>
-                  <a:pt x="0" y="0"/>
-                </a:lnTo>
-                <a:close/>
-              </a:path>
-            </a:pathLst>
-          </a:custGeom>
-          <a:blipFill>
-            <a:blip r:embed="rId1">
-              <a:alphaModFix amt="40000"/>
-              <a:extLst>
-                <a:ext uri="{96DAC541-7B7A-43D3-8B79-37D633B846F1}">
-                  <asvg:svgBlip xmlns:asvg="http://schemas.microsoft.com/office/drawing/2016/SVG/main" r:embed="rId2"/>
-                </a:ext>
-              </a:extLst>
-            </a:blip>
-            <a:stretch>
-              <a:fillRect/>
-            </a:stretch>
-          </a:blipFill>
-        </p:spPr>
-      </p:sp>
-      <p:sp>
-        <p:nvSpPr>
-          <p:cNvPr id="3" name="Freeform 3"/>
-          <p:cNvSpPr/>
-          <p:nvPr/>
-        </p:nvSpPr>
-        <p:spPr>
-          <a:xfrm>
-            <a:off x="9144000" y="1028700"/>
+            <a:off x="8823565" y="1028700"/>
             <a:ext cx="5750433" cy="8229600"/>
           </a:xfrm>
           <a:custGeom>
@@ -4183,7 +3923,7 @@
             </a:pathLst>
           </a:custGeom>
           <a:blipFill>
-            <a:blip r:embed="rId3"/>
+            <a:blip r:embed="rId2"/>
             <a:stretch>
               <a:fillRect/>
             </a:stretch>
@@ -4192,13 +3932,13 @@
       </p:sp>
       <p:sp>
         <p:nvSpPr>
-          <p:cNvPr id="4" name="TextBox 4"/>
+          <p:cNvPr id="3" name="TextBox 3"/>
           <p:cNvSpPr txBox="1"/>
           <p:nvPr/>
         </p:nvSpPr>
         <p:spPr>
           <a:xfrm>
-            <a:off x="2910615" y="4398010"/>
+            <a:off x="1599745" y="4732655"/>
             <a:ext cx="5689580" cy="745490"/>
           </a:xfrm>
           <a:prstGeom prst="rect">
@@ -4221,22 +3961,13 @@
                 <a:solidFill>
                   <a:srgbClr val="3A7AFE"/>
                 </a:solidFill>
-                <a:latin typeface="Montserrat Bold" panose="00000800000000000000"/>
-                <a:ea typeface="Montserrat Bold" panose="00000800000000000000"/>
-                <a:cs typeface="Montserrat Bold" panose="00000800000000000000"/>
-                <a:sym typeface="Montserrat Bold" panose="00000800000000000000"/>
+                <a:latin typeface="Montserrat Bold"/>
+                <a:ea typeface="Montserrat Bold"/>
+                <a:cs typeface="Montserrat Bold"/>
+                <a:sym typeface="Montserrat Bold"/>
               </a:rPr>
               <a:t>HandOff</a:t>
             </a:r>
-            <a:endParaRPr lang="en-US" sz="4400" b="1">
-              <a:solidFill>
-                <a:srgbClr val="3A7AFE"/>
-              </a:solidFill>
-              <a:latin typeface="Montserrat Bold" panose="00000800000000000000"/>
-              <a:ea typeface="Montserrat Bold" panose="00000800000000000000"/>
-              <a:cs typeface="Montserrat Bold" panose="00000800000000000000"/>
-              <a:sym typeface="Montserrat Bold" panose="00000800000000000000"/>
-            </a:endParaRPr>
           </a:p>
         </p:txBody>
       </p:sp>
@@ -4281,60 +4012,7 @@
         </p:nvSpPr>
         <p:spPr>
           <a:xfrm>
-            <a:off x="-1403169" y="1028700"/>
-            <a:ext cx="11514352" cy="11535325"/>
-          </a:xfrm>
-          <a:custGeom>
-            <a:avLst/>
-            <a:gdLst/>
-            <a:ahLst/>
-            <a:cxnLst/>
-            <a:rect l="l" t="t" r="r" b="b"/>
-            <a:pathLst>
-              <a:path w="11514352" h="11535325">
-                <a:moveTo>
-                  <a:pt x="0" y="0"/>
-                </a:moveTo>
-                <a:lnTo>
-                  <a:pt x="11514351" y="0"/>
-                </a:lnTo>
-                <a:lnTo>
-                  <a:pt x="11514351" y="11535325"/>
-                </a:lnTo>
-                <a:lnTo>
-                  <a:pt x="0" y="11535325"/>
-                </a:lnTo>
-                <a:lnTo>
-                  <a:pt x="0" y="0"/>
-                </a:lnTo>
-                <a:close/>
-              </a:path>
-            </a:pathLst>
-          </a:custGeom>
-          <a:blipFill>
-            <a:blip r:embed="rId1">
-              <a:alphaModFix amt="40000"/>
-              <a:extLst>
-                <a:ext uri="{96DAC541-7B7A-43D3-8B79-37D633B846F1}">
-                  <asvg:svgBlip xmlns:asvg="http://schemas.microsoft.com/office/drawing/2016/SVG/main" r:embed="rId2"/>
-                </a:ext>
-              </a:extLst>
-            </a:blip>
-            <a:stretch>
-              <a:fillRect/>
-            </a:stretch>
-          </a:blipFill>
-        </p:spPr>
-      </p:sp>
-      <p:sp>
-        <p:nvSpPr>
-          <p:cNvPr id="3" name="Freeform 3"/>
-          <p:cNvSpPr/>
-          <p:nvPr/>
-        </p:nvSpPr>
-        <p:spPr>
-          <a:xfrm>
-            <a:off x="8038708" y="2235451"/>
+            <a:off x="7426969" y="2141153"/>
             <a:ext cx="9561315" cy="6485388"/>
           </a:xfrm>
           <a:custGeom>
@@ -4365,7 +4043,7 @@
             </a:pathLst>
           </a:custGeom>
           <a:blipFill>
-            <a:blip r:embed="rId3"/>
+            <a:blip r:embed="rId2"/>
             <a:stretch>
               <a:fillRect/>
             </a:stretch>
@@ -4374,13 +4052,13 @@
       </p:sp>
       <p:sp>
         <p:nvSpPr>
-          <p:cNvPr id="4" name="TextBox 4"/>
+          <p:cNvPr id="3" name="TextBox 3"/>
           <p:cNvSpPr txBox="1"/>
           <p:nvPr/>
         </p:nvSpPr>
         <p:spPr>
           <a:xfrm>
-            <a:off x="2540434" y="4940300"/>
+            <a:off x="1666521" y="4846003"/>
             <a:ext cx="4684804" cy="537845"/>
           </a:xfrm>
           <a:prstGeom prst="rect">
@@ -4403,22 +4081,13 @@
                 <a:solidFill>
                   <a:srgbClr val="3A7AFE"/>
                 </a:solidFill>
-                <a:latin typeface="Montserrat Bold" panose="00000800000000000000"/>
-                <a:ea typeface="Montserrat Bold" panose="00000800000000000000"/>
-                <a:cs typeface="Montserrat Bold" panose="00000800000000000000"/>
-                <a:sym typeface="Montserrat Bold" panose="00000800000000000000"/>
+                <a:latin typeface="Montserrat Bold"/>
+                <a:ea typeface="Montserrat Bold"/>
+                <a:cs typeface="Montserrat Bold"/>
+                <a:sym typeface="Montserrat Bold"/>
               </a:rPr>
               <a:t>Wireframe - Home</a:t>
             </a:r>
-            <a:endParaRPr lang="en-US" sz="3200" b="1">
-              <a:solidFill>
-                <a:srgbClr val="3A7AFE"/>
-              </a:solidFill>
-              <a:latin typeface="Montserrat Bold" panose="00000800000000000000"/>
-              <a:ea typeface="Montserrat Bold" panose="00000800000000000000"/>
-              <a:cs typeface="Montserrat Bold" panose="00000800000000000000"/>
-              <a:sym typeface="Montserrat Bold" panose="00000800000000000000"/>
-            </a:endParaRPr>
           </a:p>
         </p:txBody>
       </p:sp>
@@ -4463,60 +4132,7 @@
         </p:nvSpPr>
         <p:spPr>
           <a:xfrm>
-            <a:off x="-1403169" y="1028700"/>
-            <a:ext cx="11514352" cy="11535325"/>
-          </a:xfrm>
-          <a:custGeom>
-            <a:avLst/>
-            <a:gdLst/>
-            <a:ahLst/>
-            <a:cxnLst/>
-            <a:rect l="l" t="t" r="r" b="b"/>
-            <a:pathLst>
-              <a:path w="11514352" h="11535325">
-                <a:moveTo>
-                  <a:pt x="0" y="0"/>
-                </a:moveTo>
-                <a:lnTo>
-                  <a:pt x="11514351" y="0"/>
-                </a:lnTo>
-                <a:lnTo>
-                  <a:pt x="11514351" y="11535325"/>
-                </a:lnTo>
-                <a:lnTo>
-                  <a:pt x="0" y="11535325"/>
-                </a:lnTo>
-                <a:lnTo>
-                  <a:pt x="0" y="0"/>
-                </a:lnTo>
-                <a:close/>
-              </a:path>
-            </a:pathLst>
-          </a:custGeom>
-          <a:blipFill>
-            <a:blip r:embed="rId1">
-              <a:alphaModFix amt="40000"/>
-              <a:extLst>
-                <a:ext uri="{96DAC541-7B7A-43D3-8B79-37D633B846F1}">
-                  <asvg:svgBlip xmlns:asvg="http://schemas.microsoft.com/office/drawing/2016/SVG/main" r:embed="rId2"/>
-                </a:ext>
-              </a:extLst>
-            </a:blip>
-            <a:stretch>
-              <a:fillRect/>
-            </a:stretch>
-          </a:blipFill>
-        </p:spPr>
-      </p:sp>
-      <p:sp>
-        <p:nvSpPr>
-          <p:cNvPr id="3" name="Freeform 3"/>
-          <p:cNvSpPr/>
-          <p:nvPr/>
-        </p:nvSpPr>
-        <p:spPr>
-          <a:xfrm>
-            <a:off x="7571008" y="1261074"/>
+            <a:off x="7250573" y="1407124"/>
             <a:ext cx="9688292" cy="7472753"/>
           </a:xfrm>
           <a:custGeom>
@@ -4547,7 +4163,7 @@
             </a:pathLst>
           </a:custGeom>
           <a:blipFill>
-            <a:blip r:embed="rId3"/>
+            <a:blip r:embed="rId2"/>
             <a:stretch>
               <a:fillRect/>
             </a:stretch>
@@ -4556,13 +4172,13 @@
       </p:sp>
       <p:sp>
         <p:nvSpPr>
-          <p:cNvPr id="4" name="TextBox 4"/>
+          <p:cNvPr id="3" name="TextBox 3"/>
           <p:cNvSpPr txBox="1"/>
           <p:nvPr/>
         </p:nvSpPr>
         <p:spPr>
           <a:xfrm>
-            <a:off x="2540434" y="4565015"/>
+            <a:off x="1695651" y="4565015"/>
             <a:ext cx="4684804" cy="1099820"/>
           </a:xfrm>
           <a:prstGeom prst="rect">
@@ -4585,22 +4201,13 @@
                 <a:solidFill>
                   <a:srgbClr val="3A7AFE"/>
                 </a:solidFill>
-                <a:latin typeface="Montserrat Bold" panose="00000800000000000000"/>
-                <a:ea typeface="Montserrat Bold" panose="00000800000000000000"/>
-                <a:cs typeface="Montserrat Bold" panose="00000800000000000000"/>
-                <a:sym typeface="Montserrat Bold" panose="00000800000000000000"/>
+                <a:latin typeface="Montserrat Bold"/>
+                <a:ea typeface="Montserrat Bold"/>
+                <a:cs typeface="Montserrat Bold"/>
+                <a:sym typeface="Montserrat Bold"/>
               </a:rPr>
               <a:t>Wireframe - Quem Sou</a:t>
             </a:r>
-            <a:endParaRPr lang="en-US" sz="3200" b="1">
-              <a:solidFill>
-                <a:srgbClr val="3A7AFE"/>
-              </a:solidFill>
-              <a:latin typeface="Montserrat Bold" panose="00000800000000000000"/>
-              <a:ea typeface="Montserrat Bold" panose="00000800000000000000"/>
-              <a:cs typeface="Montserrat Bold" panose="00000800000000000000"/>
-              <a:sym typeface="Montserrat Bold" panose="00000800000000000000"/>
-            </a:endParaRPr>
           </a:p>
         </p:txBody>
       </p:sp>
@@ -4645,60 +4252,7 @@
         </p:nvSpPr>
         <p:spPr>
           <a:xfrm>
-            <a:off x="-1403169" y="1028700"/>
-            <a:ext cx="11514352" cy="11535325"/>
-          </a:xfrm>
-          <a:custGeom>
-            <a:avLst/>
-            <a:gdLst/>
-            <a:ahLst/>
-            <a:cxnLst/>
-            <a:rect l="l" t="t" r="r" b="b"/>
-            <a:pathLst>
-              <a:path w="11514352" h="11535325">
-                <a:moveTo>
-                  <a:pt x="0" y="0"/>
-                </a:moveTo>
-                <a:lnTo>
-                  <a:pt x="11514351" y="0"/>
-                </a:lnTo>
-                <a:lnTo>
-                  <a:pt x="11514351" y="11535325"/>
-                </a:lnTo>
-                <a:lnTo>
-                  <a:pt x="0" y="11535325"/>
-                </a:lnTo>
-                <a:lnTo>
-                  <a:pt x="0" y="0"/>
-                </a:lnTo>
-                <a:close/>
-              </a:path>
-            </a:pathLst>
-          </a:custGeom>
-          <a:blipFill>
-            <a:blip r:embed="rId1">
-              <a:alphaModFix amt="40000"/>
-              <a:extLst>
-                <a:ext uri="{96DAC541-7B7A-43D3-8B79-37D633B846F1}">
-                  <asvg:svgBlip xmlns:asvg="http://schemas.microsoft.com/office/drawing/2016/SVG/main" r:embed="rId2"/>
-                </a:ext>
-              </a:extLst>
-            </a:blip>
-            <a:stretch>
-              <a:fillRect/>
-            </a:stretch>
-          </a:blipFill>
-        </p:spPr>
-      </p:sp>
-      <p:sp>
-        <p:nvSpPr>
-          <p:cNvPr id="3" name="Freeform 3"/>
-          <p:cNvSpPr/>
-          <p:nvPr/>
-        </p:nvSpPr>
-        <p:spPr>
-          <a:xfrm>
-            <a:off x="8185638" y="1028700"/>
+            <a:off x="7661291" y="1028700"/>
             <a:ext cx="9073662" cy="8229600"/>
           </a:xfrm>
           <a:custGeom>
@@ -4713,10 +4267,10 @@
                   <a:pt x="0" y="0"/>
                 </a:moveTo>
                 <a:lnTo>
-                  <a:pt x="9073662" y="0"/>
+                  <a:pt x="9073661" y="0"/>
                 </a:lnTo>
                 <a:lnTo>
-                  <a:pt x="9073662" y="8229600"/>
+                  <a:pt x="9073661" y="8229600"/>
                 </a:lnTo>
                 <a:lnTo>
                   <a:pt x="0" y="8229600"/>
@@ -4729,7 +4283,7 @@
             </a:pathLst>
           </a:custGeom>
           <a:blipFill>
-            <a:blip r:embed="rId3"/>
+            <a:blip r:embed="rId2"/>
             <a:stretch>
               <a:fillRect/>
             </a:stretch>
@@ -4738,13 +4292,13 @@
       </p:sp>
       <p:sp>
         <p:nvSpPr>
-          <p:cNvPr id="4" name="TextBox 4"/>
+          <p:cNvPr id="3" name="TextBox 3"/>
           <p:cNvSpPr txBox="1"/>
           <p:nvPr/>
         </p:nvSpPr>
         <p:spPr>
           <a:xfrm>
-            <a:off x="2540434" y="4565015"/>
+            <a:off x="1637390" y="4565015"/>
             <a:ext cx="4684804" cy="1099820"/>
           </a:xfrm>
           <a:prstGeom prst="rect">
@@ -4767,22 +4321,13 @@
                 <a:solidFill>
                   <a:srgbClr val="3A7AFE"/>
                 </a:solidFill>
-                <a:latin typeface="Montserrat Bold" panose="00000800000000000000"/>
-                <a:ea typeface="Montserrat Bold" panose="00000800000000000000"/>
-                <a:cs typeface="Montserrat Bold" panose="00000800000000000000"/>
-                <a:sym typeface="Montserrat Bold" panose="00000800000000000000"/>
+                <a:latin typeface="Montserrat Bold"/>
+                <a:ea typeface="Montserrat Bold"/>
+                <a:cs typeface="Montserrat Bold"/>
+                <a:sym typeface="Montserrat Bold"/>
               </a:rPr>
               <a:t>Wireframe - Massoterapia</a:t>
             </a:r>
-            <a:endParaRPr lang="en-US" sz="3200" b="1">
-              <a:solidFill>
-                <a:srgbClr val="3A7AFE"/>
-              </a:solidFill>
-              <a:latin typeface="Montserrat Bold" panose="00000800000000000000"/>
-              <a:ea typeface="Montserrat Bold" panose="00000800000000000000"/>
-              <a:cs typeface="Montserrat Bold" panose="00000800000000000000"/>
-              <a:sym typeface="Montserrat Bold" panose="00000800000000000000"/>
-            </a:endParaRPr>
           </a:p>
         </p:txBody>
       </p:sp>
@@ -4827,60 +4372,7 @@
         </p:nvSpPr>
         <p:spPr>
           <a:xfrm>
-            <a:off x="-1403169" y="1028700"/>
-            <a:ext cx="11514352" cy="11535325"/>
-          </a:xfrm>
-          <a:custGeom>
-            <a:avLst/>
-            <a:gdLst/>
-            <a:ahLst/>
-            <a:cxnLst/>
-            <a:rect l="l" t="t" r="r" b="b"/>
-            <a:pathLst>
-              <a:path w="11514352" h="11535325">
-                <a:moveTo>
-                  <a:pt x="0" y="0"/>
-                </a:moveTo>
-                <a:lnTo>
-                  <a:pt x="11514351" y="0"/>
-                </a:lnTo>
-                <a:lnTo>
-                  <a:pt x="11514351" y="11535325"/>
-                </a:lnTo>
-                <a:lnTo>
-                  <a:pt x="0" y="11535325"/>
-                </a:lnTo>
-                <a:lnTo>
-                  <a:pt x="0" y="0"/>
-                </a:lnTo>
-                <a:close/>
-              </a:path>
-            </a:pathLst>
-          </a:custGeom>
-          <a:blipFill>
-            <a:blip r:embed="rId1">
-              <a:alphaModFix amt="40000"/>
-              <a:extLst>
-                <a:ext uri="{96DAC541-7B7A-43D3-8B79-37D633B846F1}">
-                  <asvg:svgBlip xmlns:asvg="http://schemas.microsoft.com/office/drawing/2016/SVG/main" r:embed="rId2"/>
-                </a:ext>
-              </a:extLst>
-            </a:blip>
-            <a:stretch>
-              <a:fillRect/>
-            </a:stretch>
-          </a:blipFill>
-        </p:spPr>
-      </p:sp>
-      <p:sp>
-        <p:nvSpPr>
-          <p:cNvPr id="3" name="Freeform 3"/>
-          <p:cNvSpPr/>
-          <p:nvPr/>
-        </p:nvSpPr>
-        <p:spPr>
-          <a:xfrm>
-            <a:off x="7646768" y="1905791"/>
+            <a:off x="6976768" y="1905791"/>
             <a:ext cx="9612532" cy="6475419"/>
           </a:xfrm>
           <a:custGeom>
@@ -4911,7 +4403,7 @@
             </a:pathLst>
           </a:custGeom>
           <a:blipFill>
-            <a:blip r:embed="rId3"/>
+            <a:blip r:embed="rId2"/>
             <a:stretch>
               <a:fillRect/>
             </a:stretch>
@@ -4920,13 +4412,13 @@
       </p:sp>
       <p:sp>
         <p:nvSpPr>
-          <p:cNvPr id="4" name="TextBox 4"/>
+          <p:cNvPr id="3" name="TextBox 3"/>
           <p:cNvSpPr txBox="1"/>
           <p:nvPr/>
         </p:nvSpPr>
         <p:spPr>
           <a:xfrm>
-            <a:off x="2540434" y="4565015"/>
+            <a:off x="1695651" y="4565015"/>
             <a:ext cx="4684804" cy="1099820"/>
           </a:xfrm>
           <a:prstGeom prst="rect">
@@ -4949,22 +4441,13 @@
                 <a:solidFill>
                   <a:srgbClr val="3A7AFE"/>
                 </a:solidFill>
-                <a:latin typeface="Montserrat Bold" panose="00000800000000000000"/>
-                <a:ea typeface="Montserrat Bold" panose="00000800000000000000"/>
-                <a:cs typeface="Montserrat Bold" panose="00000800000000000000"/>
-                <a:sym typeface="Montserrat Bold" panose="00000800000000000000"/>
+                <a:latin typeface="Montserrat Bold"/>
+                <a:ea typeface="Montserrat Bold"/>
+                <a:cs typeface="Montserrat Bold"/>
+                <a:sym typeface="Montserrat Bold"/>
               </a:rPr>
               <a:t>Wireframe - Enfermagem</a:t>
             </a:r>
-            <a:endParaRPr lang="en-US" sz="3200" b="1">
-              <a:solidFill>
-                <a:srgbClr val="3A7AFE"/>
-              </a:solidFill>
-              <a:latin typeface="Montserrat Bold" panose="00000800000000000000"/>
-              <a:ea typeface="Montserrat Bold" panose="00000800000000000000"/>
-              <a:cs typeface="Montserrat Bold" panose="00000800000000000000"/>
-              <a:sym typeface="Montserrat Bold" panose="00000800000000000000"/>
-            </a:endParaRPr>
           </a:p>
         </p:txBody>
       </p:sp>
@@ -5009,60 +4492,7 @@
         </p:nvSpPr>
         <p:spPr>
           <a:xfrm>
-            <a:off x="-1403169" y="1028700"/>
-            <a:ext cx="11514352" cy="11535325"/>
-          </a:xfrm>
-          <a:custGeom>
-            <a:avLst/>
-            <a:gdLst/>
-            <a:ahLst/>
-            <a:cxnLst/>
-            <a:rect l="l" t="t" r="r" b="b"/>
-            <a:pathLst>
-              <a:path w="11514352" h="11535325">
-                <a:moveTo>
-                  <a:pt x="0" y="0"/>
-                </a:moveTo>
-                <a:lnTo>
-                  <a:pt x="11514351" y="0"/>
-                </a:lnTo>
-                <a:lnTo>
-                  <a:pt x="11514351" y="11535325"/>
-                </a:lnTo>
-                <a:lnTo>
-                  <a:pt x="0" y="11535325"/>
-                </a:lnTo>
-                <a:lnTo>
-                  <a:pt x="0" y="0"/>
-                </a:lnTo>
-                <a:close/>
-              </a:path>
-            </a:pathLst>
-          </a:custGeom>
-          <a:blipFill>
-            <a:blip r:embed="rId1">
-              <a:alphaModFix amt="40000"/>
-              <a:extLst>
-                <a:ext uri="{96DAC541-7B7A-43D3-8B79-37D633B846F1}">
-                  <asvg:svgBlip xmlns:asvg="http://schemas.microsoft.com/office/drawing/2016/SVG/main" r:embed="rId2"/>
-                </a:ext>
-              </a:extLst>
-            </a:blip>
-            <a:stretch>
-              <a:fillRect/>
-            </a:stretch>
-          </a:blipFill>
-        </p:spPr>
-      </p:sp>
-      <p:sp>
-        <p:nvSpPr>
-          <p:cNvPr id="3" name="Freeform 3"/>
-          <p:cNvSpPr/>
-          <p:nvPr/>
-        </p:nvSpPr>
-        <p:spPr>
-          <a:xfrm>
-            <a:off x="7646768" y="1905791"/>
+            <a:off x="7151551" y="1905791"/>
             <a:ext cx="9612532" cy="6475419"/>
           </a:xfrm>
           <a:custGeom>
@@ -5077,10 +4507,10 @@
                   <a:pt x="0" y="0"/>
                 </a:moveTo>
                 <a:lnTo>
-                  <a:pt x="9612532" y="0"/>
+                  <a:pt x="9612531" y="0"/>
                 </a:lnTo>
                 <a:lnTo>
-                  <a:pt x="9612532" y="6475418"/>
+                  <a:pt x="9612531" y="6475418"/>
                 </a:lnTo>
                 <a:lnTo>
                   <a:pt x="0" y="6475418"/>
@@ -5093,7 +4523,7 @@
             </a:pathLst>
           </a:custGeom>
           <a:blipFill>
-            <a:blip r:embed="rId3"/>
+            <a:blip r:embed="rId2"/>
             <a:stretch>
               <a:fillRect/>
             </a:stretch>
@@ -5102,13 +4532,13 @@
       </p:sp>
       <p:sp>
         <p:nvSpPr>
-          <p:cNvPr id="4" name="TextBox 4"/>
+          <p:cNvPr id="3" name="TextBox 3"/>
           <p:cNvSpPr txBox="1"/>
           <p:nvPr/>
         </p:nvSpPr>
         <p:spPr>
           <a:xfrm>
-            <a:off x="2540434" y="4565015"/>
+            <a:off x="1462608" y="4846003"/>
             <a:ext cx="4684804" cy="537845"/>
           </a:xfrm>
           <a:prstGeom prst="rect">
@@ -5131,22 +4561,13 @@
                 <a:solidFill>
                   <a:srgbClr val="3A7AFE"/>
                 </a:solidFill>
-                <a:latin typeface="Montserrat Bold" panose="00000800000000000000"/>
-                <a:ea typeface="Montserrat Bold" panose="00000800000000000000"/>
-                <a:cs typeface="Montserrat Bold" panose="00000800000000000000"/>
-                <a:sym typeface="Montserrat Bold" panose="00000800000000000000"/>
+                <a:latin typeface="Montserrat Bold"/>
+                <a:ea typeface="Montserrat Bold"/>
+                <a:cs typeface="Montserrat Bold"/>
+                <a:sym typeface="Montserrat Bold"/>
               </a:rPr>
               <a:t>Wireframe - Libras</a:t>
             </a:r>
-            <a:endParaRPr lang="en-US" sz="3200" b="1">
-              <a:solidFill>
-                <a:srgbClr val="3A7AFE"/>
-              </a:solidFill>
-              <a:latin typeface="Montserrat Bold" panose="00000800000000000000"/>
-              <a:ea typeface="Montserrat Bold" panose="00000800000000000000"/>
-              <a:cs typeface="Montserrat Bold" panose="00000800000000000000"/>
-              <a:sym typeface="Montserrat Bold" panose="00000800000000000000"/>
-            </a:endParaRPr>
           </a:p>
         </p:txBody>
       </p:sp>
@@ -5214,22 +4635,13 @@
                 <a:solidFill>
                   <a:srgbClr val="3A7AFE"/>
                 </a:solidFill>
-                <a:latin typeface="Montserrat Bold" panose="00000800000000000000"/>
-                <a:ea typeface="Montserrat Bold" panose="00000800000000000000"/>
-                <a:cs typeface="Montserrat Bold" panose="00000800000000000000"/>
-                <a:sym typeface="Montserrat Bold" panose="00000800000000000000"/>
+                <a:latin typeface="Montserrat Bold"/>
+                <a:ea typeface="Montserrat Bold"/>
+                <a:cs typeface="Montserrat Bold"/>
+                <a:sym typeface="Montserrat Bold"/>
               </a:rPr>
               <a:t>Implementação Técnica (Front-End)</a:t>
             </a:r>
-            <a:endParaRPr lang="en-US" sz="4400" b="1">
-              <a:solidFill>
-                <a:srgbClr val="3A7AFE"/>
-              </a:solidFill>
-              <a:latin typeface="Montserrat Bold" panose="00000800000000000000"/>
-              <a:ea typeface="Montserrat Bold" panose="00000800000000000000"/>
-              <a:cs typeface="Montserrat Bold" panose="00000800000000000000"/>
-              <a:sym typeface="Montserrat Bold" panose="00000800000000000000"/>
-            </a:endParaRPr>
           </a:p>
         </p:txBody>
       </p:sp>
@@ -5241,7 +4653,7 @@
         </p:nvSpPr>
         <p:spPr>
           <a:xfrm>
-            <a:off x="3092060" y="2366645"/>
+            <a:off x="2282850" y="2978384"/>
             <a:ext cx="13722299" cy="5487035"/>
           </a:xfrm>
           <a:prstGeom prst="rect">
@@ -5264,21 +4676,28 @@
                 <a:solidFill>
                   <a:srgbClr val="000000"/>
                 </a:solidFill>
-                <a:latin typeface="Poppins" panose="00000500000000000000"/>
-                <a:ea typeface="Poppins" panose="00000500000000000000"/>
-                <a:cs typeface="Poppins" panose="00000500000000000000"/>
-                <a:sym typeface="Poppins" panose="00000500000000000000"/>
+                <a:latin typeface="Poppins"/>
+                <a:ea typeface="Poppins"/>
+                <a:cs typeface="Poppins"/>
+                <a:sym typeface="Poppins"/>
               </a:rPr>
               <a:t>• Linguagens: HTML5 (Estrutura Semântica), CSS3 (Estilização Separada), JavaScript (Interatividade). </a:t>
             </a:r>
+          </a:p>
+          <a:p>
+            <a:pPr algn="just">
+              <a:lnSpc>
+                <a:spcPts val="3640"/>
+              </a:lnSpc>
+            </a:pPr>
             <a:endParaRPr lang="en-US" sz="2600">
               <a:solidFill>
                 <a:srgbClr val="000000"/>
               </a:solidFill>
-              <a:latin typeface="Poppins" panose="00000500000000000000"/>
-              <a:ea typeface="Poppins" panose="00000500000000000000"/>
-              <a:cs typeface="Poppins" panose="00000500000000000000"/>
-              <a:sym typeface="Poppins" panose="00000500000000000000"/>
+              <a:latin typeface="Poppins"/>
+              <a:ea typeface="Poppins"/>
+              <a:cs typeface="Poppins"/>
+              <a:sym typeface="Poppins"/>
             </a:endParaRPr>
           </a:p>
           <a:p>
@@ -5287,33 +4706,33 @@
                 <a:spcPts val="3640"/>
               </a:lnSpc>
             </a:pPr>
-          </a:p>
-          <a:p>
-            <a:pPr algn="just">
-              <a:lnSpc>
-                <a:spcPts val="3640"/>
-              </a:lnSpc>
-            </a:pPr>
             <a:r>
               <a:rPr lang="en-US" sz="2600">
                 <a:solidFill>
                   <a:srgbClr val="000000"/>
                 </a:solidFill>
-                <a:latin typeface="Poppins" panose="00000500000000000000"/>
-                <a:ea typeface="Poppins" panose="00000500000000000000"/>
-                <a:cs typeface="Poppins" panose="00000500000000000000"/>
-                <a:sym typeface="Poppins" panose="00000500000000000000"/>
+                <a:latin typeface="Poppins"/>
+                <a:ea typeface="Poppins"/>
+                <a:cs typeface="Poppins"/>
+                <a:sym typeface="Poppins"/>
               </a:rPr>
               <a:t>• Framework: Bootstrap 5 (Layout Responsivo e Componentes). </a:t>
             </a:r>
+          </a:p>
+          <a:p>
+            <a:pPr algn="just">
+              <a:lnSpc>
+                <a:spcPts val="3640"/>
+              </a:lnSpc>
+            </a:pPr>
             <a:endParaRPr lang="en-US" sz="2600">
               <a:solidFill>
                 <a:srgbClr val="000000"/>
               </a:solidFill>
-              <a:latin typeface="Poppins" panose="00000500000000000000"/>
-              <a:ea typeface="Poppins" panose="00000500000000000000"/>
-              <a:cs typeface="Poppins" panose="00000500000000000000"/>
-              <a:sym typeface="Poppins" panose="00000500000000000000"/>
+              <a:latin typeface="Poppins"/>
+              <a:ea typeface="Poppins"/>
+              <a:cs typeface="Poppins"/>
+              <a:sym typeface="Poppins"/>
             </a:endParaRPr>
           </a:p>
           <a:p>
@@ -5322,33 +4741,33 @@
                 <a:spcPts val="3640"/>
               </a:lnSpc>
             </a:pPr>
-          </a:p>
-          <a:p>
-            <a:pPr algn="just">
-              <a:lnSpc>
-                <a:spcPts val="3640"/>
-              </a:lnSpc>
-            </a:pPr>
             <a:r>
               <a:rPr lang="en-US" sz="2600">
                 <a:solidFill>
                   <a:srgbClr val="000000"/>
                 </a:solidFill>
-                <a:latin typeface="Poppins" panose="00000500000000000000"/>
-                <a:ea typeface="Poppins" panose="00000500000000000000"/>
-                <a:cs typeface="Poppins" panose="00000500000000000000"/>
-                <a:sym typeface="Poppins" panose="00000500000000000000"/>
+                <a:latin typeface="Poppins"/>
+                <a:ea typeface="Poppins"/>
+                <a:cs typeface="Poppins"/>
+                <a:sym typeface="Poppins"/>
               </a:rPr>
               <a:t>Práticas de Codificação:</a:t>
             </a:r>
+          </a:p>
+          <a:p>
+            <a:pPr algn="just">
+              <a:lnSpc>
+                <a:spcPts val="3640"/>
+              </a:lnSpc>
+            </a:pPr>
             <a:endParaRPr lang="en-US" sz="2600">
               <a:solidFill>
                 <a:srgbClr val="000000"/>
               </a:solidFill>
-              <a:latin typeface="Poppins" panose="00000500000000000000"/>
-              <a:ea typeface="Poppins" panose="00000500000000000000"/>
-              <a:cs typeface="Poppins" panose="00000500000000000000"/>
-              <a:sym typeface="Poppins" panose="00000500000000000000"/>
+              <a:latin typeface="Poppins"/>
+              <a:ea typeface="Poppins"/>
+              <a:cs typeface="Poppins"/>
+              <a:sym typeface="Poppins"/>
             </a:endParaRPr>
           </a:p>
           <a:p>
@@ -5357,33 +4776,33 @@
                 <a:spcPts val="3640"/>
               </a:lnSpc>
             </a:pPr>
-          </a:p>
-          <a:p>
-            <a:pPr algn="just">
-              <a:lnSpc>
-                <a:spcPts val="3640"/>
-              </a:lnSpc>
-            </a:pPr>
             <a:r>
               <a:rPr lang="en-US" sz="2600">
                 <a:solidFill>
                   <a:srgbClr val="000000"/>
                 </a:solidFill>
-                <a:latin typeface="Poppins" panose="00000500000000000000"/>
-                <a:ea typeface="Poppins" panose="00000500000000000000"/>
-                <a:cs typeface="Poppins" panose="00000500000000000000"/>
-                <a:sym typeface="Poppins" panose="00000500000000000000"/>
+                <a:latin typeface="Poppins"/>
+                <a:ea typeface="Poppins"/>
+                <a:cs typeface="Poppins"/>
+                <a:sym typeface="Poppins"/>
               </a:rPr>
               <a:t> • Organização em Pastas. </a:t>
             </a:r>
+          </a:p>
+          <a:p>
+            <a:pPr algn="just">
+              <a:lnSpc>
+                <a:spcPts val="3640"/>
+              </a:lnSpc>
+            </a:pPr>
             <a:endParaRPr lang="en-US" sz="2600">
               <a:solidFill>
                 <a:srgbClr val="000000"/>
               </a:solidFill>
-              <a:latin typeface="Poppins" panose="00000500000000000000"/>
-              <a:ea typeface="Poppins" panose="00000500000000000000"/>
-              <a:cs typeface="Poppins" panose="00000500000000000000"/>
-              <a:sym typeface="Poppins" panose="00000500000000000000"/>
+              <a:latin typeface="Poppins"/>
+              <a:ea typeface="Poppins"/>
+              <a:cs typeface="Poppins"/>
+              <a:sym typeface="Poppins"/>
             </a:endParaRPr>
           </a:p>
           <a:p>
@@ -5392,33 +4811,33 @@
                 <a:spcPts val="3640"/>
               </a:lnSpc>
             </a:pPr>
-          </a:p>
-          <a:p>
-            <a:pPr algn="just">
-              <a:lnSpc>
-                <a:spcPts val="3640"/>
-              </a:lnSpc>
-            </a:pPr>
             <a:r>
               <a:rPr lang="en-US" sz="2600">
                 <a:solidFill>
                   <a:srgbClr val="000000"/>
                 </a:solidFill>
-                <a:latin typeface="Poppins" panose="00000500000000000000"/>
-                <a:ea typeface="Poppins" panose="00000500000000000000"/>
-                <a:cs typeface="Poppins" panose="00000500000000000000"/>
-                <a:sym typeface="Poppins" panose="00000500000000000000"/>
+                <a:latin typeface="Poppins"/>
+                <a:ea typeface="Poppins"/>
+                <a:cs typeface="Poppins"/>
+                <a:sym typeface="Poppins"/>
               </a:rPr>
               <a:t>• Versionamento Contínuo com Git e GitHub. </a:t>
             </a:r>
+          </a:p>
+          <a:p>
+            <a:pPr algn="just">
+              <a:lnSpc>
+                <a:spcPts val="3640"/>
+              </a:lnSpc>
+            </a:pPr>
             <a:endParaRPr lang="en-US" sz="2600">
               <a:solidFill>
                 <a:srgbClr val="000000"/>
               </a:solidFill>
-              <a:latin typeface="Poppins" panose="00000500000000000000"/>
-              <a:ea typeface="Poppins" panose="00000500000000000000"/>
-              <a:cs typeface="Poppins" panose="00000500000000000000"/>
-              <a:sym typeface="Poppins" panose="00000500000000000000"/>
+              <a:latin typeface="Poppins"/>
+              <a:ea typeface="Poppins"/>
+              <a:cs typeface="Poppins"/>
+              <a:sym typeface="Poppins"/>
             </a:endParaRPr>
           </a:p>
           <a:p>
@@ -5427,89 +4846,20 @@
                 <a:spcPts val="3640"/>
               </a:lnSpc>
             </a:pPr>
-          </a:p>
-          <a:p>
-            <a:pPr algn="just">
-              <a:lnSpc>
-                <a:spcPts val="3640"/>
-              </a:lnSpc>
-            </a:pPr>
             <a:r>
               <a:rPr lang="en-US" sz="2600">
                 <a:solidFill>
                   <a:srgbClr val="000000"/>
                 </a:solidFill>
-                <a:latin typeface="Poppins" panose="00000500000000000000"/>
-                <a:ea typeface="Poppins" panose="00000500000000000000"/>
-                <a:cs typeface="Poppins" panose="00000500000000000000"/>
-                <a:sym typeface="Poppins" panose="00000500000000000000"/>
+                <a:latin typeface="Poppins"/>
+                <a:ea typeface="Poppins"/>
+                <a:cs typeface="Poppins"/>
+                <a:sym typeface="Poppins"/>
               </a:rPr>
               <a:t>• Deploy Funcional no GitHub Pages.</a:t>
             </a:r>
-            <a:endParaRPr lang="en-US" sz="2600">
-              <a:solidFill>
-                <a:srgbClr val="000000"/>
-              </a:solidFill>
-              <a:latin typeface="Poppins" panose="00000500000000000000"/>
-              <a:ea typeface="Poppins" panose="00000500000000000000"/>
-              <a:cs typeface="Poppins" panose="00000500000000000000"/>
-              <a:sym typeface="Poppins" panose="00000500000000000000"/>
-            </a:endParaRPr>
-          </a:p>
-        </p:txBody>
-      </p:sp>
-      <p:sp>
-        <p:nvSpPr>
-          <p:cNvPr id="4" name="Freeform 4"/>
-          <p:cNvSpPr/>
-          <p:nvPr/>
-        </p:nvSpPr>
-        <p:spPr>
-          <a:xfrm>
-            <a:off x="-1403169" y="1028700"/>
-            <a:ext cx="11514352" cy="11535325"/>
-          </a:xfrm>
-          <a:custGeom>
-            <a:avLst/>
-            <a:gdLst/>
-            <a:ahLst/>
-            <a:cxnLst/>
-            <a:rect l="l" t="t" r="r" b="b"/>
-            <a:pathLst>
-              <a:path w="11514352" h="11535325">
-                <a:moveTo>
-                  <a:pt x="0" y="0"/>
-                </a:moveTo>
-                <a:lnTo>
-                  <a:pt x="11514351" y="0"/>
-                </a:lnTo>
-                <a:lnTo>
-                  <a:pt x="11514351" y="11535325"/>
-                </a:lnTo>
-                <a:lnTo>
-                  <a:pt x="0" y="11535325"/>
-                </a:lnTo>
-                <a:lnTo>
-                  <a:pt x="0" y="0"/>
-                </a:lnTo>
-                <a:close/>
-              </a:path>
-            </a:pathLst>
-          </a:custGeom>
-          <a:blipFill>
-            <a:blip r:embed="rId1">
-              <a:alphaModFix amt="40000"/>
-              <a:extLst>
-                <a:ext uri="{96DAC541-7B7A-43D3-8B79-37D633B846F1}">
-                  <asvg:svgBlip xmlns:asvg="http://schemas.microsoft.com/office/drawing/2016/SVG/main" r:embed="rId2"/>
-                </a:ext>
-              </a:extLst>
-            </a:blip>
-            <a:stretch>
-              <a:fillRect/>
-            </a:stretch>
-          </a:blipFill>
-        </p:spPr>
+          </a:p>
+        </p:txBody>
       </p:sp>
     </p:spTree>
   </p:cSld>
@@ -5546,66 +4896,13 @@
       </p:grpSpPr>
       <p:sp>
         <p:nvSpPr>
-          <p:cNvPr id="2" name="Freeform 2"/>
-          <p:cNvSpPr/>
+          <p:cNvPr id="2" name="TextBox 2"/>
+          <p:cNvSpPr txBox="1"/>
           <p:nvPr/>
         </p:nvSpPr>
         <p:spPr>
           <a:xfrm>
-            <a:off x="-1403169" y="1028700"/>
-            <a:ext cx="11514352" cy="11535325"/>
-          </a:xfrm>
-          <a:custGeom>
-            <a:avLst/>
-            <a:gdLst/>
-            <a:ahLst/>
-            <a:cxnLst/>
-            <a:rect l="l" t="t" r="r" b="b"/>
-            <a:pathLst>
-              <a:path w="11514352" h="11535325">
-                <a:moveTo>
-                  <a:pt x="0" y="0"/>
-                </a:moveTo>
-                <a:lnTo>
-                  <a:pt x="11514351" y="0"/>
-                </a:lnTo>
-                <a:lnTo>
-                  <a:pt x="11514351" y="11535325"/>
-                </a:lnTo>
-                <a:lnTo>
-                  <a:pt x="0" y="11535325"/>
-                </a:lnTo>
-                <a:lnTo>
-                  <a:pt x="0" y="0"/>
-                </a:lnTo>
-                <a:close/>
-              </a:path>
-            </a:pathLst>
-          </a:custGeom>
-          <a:blipFill>
-            <a:blip r:embed="rId1">
-              <a:alphaModFix amt="40000"/>
-              <a:extLst>
-                <a:ext uri="{96DAC541-7B7A-43D3-8B79-37D633B846F1}">
-                  <asvg:svgBlip xmlns:asvg="http://schemas.microsoft.com/office/drawing/2016/SVG/main" r:embed="rId2"/>
-                </a:ext>
-              </a:extLst>
-            </a:blip>
-            <a:stretch>
-              <a:fillRect/>
-            </a:stretch>
-          </a:blipFill>
-        </p:spPr>
-      </p:sp>
-      <p:sp>
-        <p:nvSpPr>
-          <p:cNvPr id="3" name="TextBox 3"/>
-          <p:cNvSpPr txBox="1"/>
-          <p:nvPr/>
-        </p:nvSpPr>
-        <p:spPr>
-          <a:xfrm>
-            <a:off x="4260752" y="4290057"/>
+            <a:off x="2644726" y="5142865"/>
             <a:ext cx="12998548" cy="4115435"/>
           </a:xfrm>
           <a:prstGeom prst="rect">
@@ -5628,21 +4925,28 @@
                 <a:solidFill>
                   <a:srgbClr val="000000"/>
                 </a:solidFill>
-                <a:latin typeface="Poppins" panose="00000500000000000000"/>
-                <a:ea typeface="Poppins" panose="00000500000000000000"/>
-                <a:cs typeface="Poppins" panose="00000500000000000000"/>
-                <a:sym typeface="Poppins" panose="00000500000000000000"/>
+                <a:latin typeface="Poppins"/>
+                <a:ea typeface="Poppins"/>
+                <a:cs typeface="Poppins"/>
+                <a:sym typeface="Poppins"/>
               </a:rPr>
               <a:t>•Cliente: Fabiana Jora</a:t>
             </a:r>
+          </a:p>
+          <a:p>
+            <a:pPr algn="just">
+              <a:lnSpc>
+                <a:spcPts val="3640"/>
+              </a:lnSpc>
+            </a:pPr>
             <a:endParaRPr lang="en-US" sz="2600">
               <a:solidFill>
                 <a:srgbClr val="000000"/>
               </a:solidFill>
-              <a:latin typeface="Poppins" panose="00000500000000000000"/>
-              <a:ea typeface="Poppins" panose="00000500000000000000"/>
-              <a:cs typeface="Poppins" panose="00000500000000000000"/>
-              <a:sym typeface="Poppins" panose="00000500000000000000"/>
+              <a:latin typeface="Poppins"/>
+              <a:ea typeface="Poppins"/>
+              <a:cs typeface="Poppins"/>
+              <a:sym typeface="Poppins"/>
             </a:endParaRPr>
           </a:p>
           <a:p>
@@ -5651,33 +4955,33 @@
                 <a:spcPts val="3640"/>
               </a:lnSpc>
             </a:pPr>
-          </a:p>
-          <a:p>
-            <a:pPr algn="just">
-              <a:lnSpc>
-                <a:spcPts val="3640"/>
-              </a:lnSpc>
-            </a:pPr>
             <a:r>
               <a:rPr lang="en-US" sz="2600">
                 <a:solidFill>
                   <a:srgbClr val="000000"/>
                 </a:solidFill>
-                <a:latin typeface="Poppins" panose="00000500000000000000"/>
-                <a:ea typeface="Poppins" panose="00000500000000000000"/>
-                <a:cs typeface="Poppins" panose="00000500000000000000"/>
-                <a:sym typeface="Poppins" panose="00000500000000000000"/>
+                <a:latin typeface="Poppins"/>
+                <a:ea typeface="Poppins"/>
+                <a:cs typeface="Poppins"/>
+                <a:sym typeface="Poppins"/>
               </a:rPr>
               <a:t>•Grupo: Aline Guilhoto, Denis Diego Brandão da Cunha, Gabriel Siqueira Magalhães, Guilherme Afonso e Leonardo Marson Coral</a:t>
             </a:r>
+          </a:p>
+          <a:p>
+            <a:pPr algn="just">
+              <a:lnSpc>
+                <a:spcPts val="3640"/>
+              </a:lnSpc>
+            </a:pPr>
             <a:endParaRPr lang="en-US" sz="2600">
               <a:solidFill>
                 <a:srgbClr val="000000"/>
               </a:solidFill>
-              <a:latin typeface="Poppins" panose="00000500000000000000"/>
-              <a:ea typeface="Poppins" panose="00000500000000000000"/>
-              <a:cs typeface="Poppins" panose="00000500000000000000"/>
-              <a:sym typeface="Poppins" panose="00000500000000000000"/>
+              <a:latin typeface="Poppins"/>
+              <a:ea typeface="Poppins"/>
+              <a:cs typeface="Poppins"/>
+              <a:sym typeface="Poppins"/>
             </a:endParaRPr>
           </a:p>
           <a:p>
@@ -5686,33 +4990,33 @@
                 <a:spcPts val="3640"/>
               </a:lnSpc>
             </a:pPr>
-          </a:p>
-          <a:p>
-            <a:pPr algn="just">
-              <a:lnSpc>
-                <a:spcPts val="3640"/>
-              </a:lnSpc>
-            </a:pPr>
             <a:r>
               <a:rPr lang="en-US" sz="2600">
                 <a:solidFill>
                   <a:srgbClr val="000000"/>
                 </a:solidFill>
-                <a:latin typeface="Poppins" panose="00000500000000000000"/>
-                <a:ea typeface="Poppins" panose="00000500000000000000"/>
-                <a:cs typeface="Poppins" panose="00000500000000000000"/>
-                <a:sym typeface="Poppins" panose="00000500000000000000"/>
+                <a:latin typeface="Poppins"/>
+                <a:ea typeface="Poppins"/>
+                <a:cs typeface="Poppins"/>
+                <a:sym typeface="Poppins"/>
               </a:rPr>
               <a:t>•Instituição: FATEC Araras – Antonio Brambilla</a:t>
             </a:r>
+          </a:p>
+          <a:p>
+            <a:pPr algn="just">
+              <a:lnSpc>
+                <a:spcPts val="3640"/>
+              </a:lnSpc>
+            </a:pPr>
             <a:endParaRPr lang="en-US" sz="2600">
               <a:solidFill>
                 <a:srgbClr val="000000"/>
               </a:solidFill>
-              <a:latin typeface="Poppins" panose="00000500000000000000"/>
-              <a:ea typeface="Poppins" panose="00000500000000000000"/>
-              <a:cs typeface="Poppins" panose="00000500000000000000"/>
-              <a:sym typeface="Poppins" panose="00000500000000000000"/>
+              <a:latin typeface="Poppins"/>
+              <a:ea typeface="Poppins"/>
+              <a:cs typeface="Poppins"/>
+              <a:sym typeface="Poppins"/>
             </a:endParaRPr>
           </a:p>
           <a:p>
@@ -5721,47 +5025,40 @@
                 <a:spcPts val="3640"/>
               </a:lnSpc>
             </a:pPr>
-          </a:p>
-          <a:p>
-            <a:pPr algn="just">
-              <a:lnSpc>
-                <a:spcPts val="3640"/>
-              </a:lnSpc>
-            </a:pPr>
             <a:r>
               <a:rPr lang="en-US" sz="2600">
                 <a:solidFill>
                   <a:srgbClr val="000000"/>
                 </a:solidFill>
-                <a:latin typeface="Poppins" panose="00000500000000000000"/>
-                <a:ea typeface="Poppins" panose="00000500000000000000"/>
-                <a:cs typeface="Poppins" panose="00000500000000000000"/>
-                <a:sym typeface="Poppins" panose="00000500000000000000"/>
+                <a:latin typeface="Poppins"/>
+                <a:ea typeface="Poppins"/>
+                <a:cs typeface="Poppins"/>
+                <a:sym typeface="Poppins"/>
               </a:rPr>
               <a:t>•Data: 2025</a:t>
             </a:r>
+          </a:p>
+          <a:p>
+            <a:pPr algn="just">
+              <a:lnSpc>
+                <a:spcPts val="3640"/>
+              </a:lnSpc>
+            </a:pPr>
             <a:endParaRPr lang="en-US" sz="2600">
               <a:solidFill>
                 <a:srgbClr val="000000"/>
               </a:solidFill>
-              <a:latin typeface="Poppins" panose="00000500000000000000"/>
-              <a:ea typeface="Poppins" panose="00000500000000000000"/>
-              <a:cs typeface="Poppins" panose="00000500000000000000"/>
-              <a:sym typeface="Poppins" panose="00000500000000000000"/>
+              <a:latin typeface="Poppins"/>
+              <a:ea typeface="Poppins"/>
+              <a:cs typeface="Poppins"/>
+              <a:sym typeface="Poppins"/>
             </a:endParaRPr>
           </a:p>
-          <a:p>
-            <a:pPr algn="just">
-              <a:lnSpc>
-                <a:spcPts val="3640"/>
-              </a:lnSpc>
-            </a:pPr>
-          </a:p>
-        </p:txBody>
-      </p:sp>
-      <p:sp>
-        <p:nvSpPr>
-          <p:cNvPr id="4" name="TextBox 4"/>
+        </p:txBody>
+      </p:sp>
+      <p:sp>
+        <p:nvSpPr>
+          <p:cNvPr id="3" name="TextBox 3"/>
           <p:cNvSpPr txBox="1"/>
           <p:nvPr/>
         </p:nvSpPr>
@@ -5790,28 +5087,19 @@
                 <a:solidFill>
                   <a:srgbClr val="3A7AFE"/>
                 </a:solidFill>
-                <a:latin typeface="Montserrat Bold" panose="00000800000000000000"/>
-                <a:ea typeface="Montserrat Bold" panose="00000800000000000000"/>
-                <a:cs typeface="Montserrat Bold" panose="00000800000000000000"/>
-                <a:sym typeface="Montserrat Bold" panose="00000800000000000000"/>
+                <a:latin typeface="Montserrat Bold"/>
+                <a:ea typeface="Montserrat Bold"/>
+                <a:cs typeface="Montserrat Bold"/>
+                <a:sym typeface="Montserrat Bold"/>
               </a:rPr>
               <a:t>Espaço Fabiana Jora: Portfólio Digital </a:t>
             </a:r>
-            <a:endParaRPr lang="en-US" sz="4400" b="1">
-              <a:solidFill>
-                <a:srgbClr val="3A7AFE"/>
-              </a:solidFill>
-              <a:latin typeface="Montserrat Bold" panose="00000800000000000000"/>
-              <a:ea typeface="Montserrat Bold" panose="00000800000000000000"/>
-              <a:cs typeface="Montserrat Bold" panose="00000800000000000000"/>
-              <a:sym typeface="Montserrat Bold" panose="00000800000000000000"/>
-            </a:endParaRPr>
-          </a:p>
-        </p:txBody>
-      </p:sp>
-      <p:sp>
-        <p:nvSpPr>
-          <p:cNvPr id="5" name="TextBox 5"/>
+          </a:p>
+        </p:txBody>
+      </p:sp>
+      <p:sp>
+        <p:nvSpPr>
+          <p:cNvPr id="4" name="TextBox 4"/>
           <p:cNvSpPr txBox="1"/>
           <p:nvPr/>
         </p:nvSpPr>
@@ -5840,22 +5128,13 @@
                 <a:solidFill>
                   <a:srgbClr val="3A7AFE"/>
                 </a:solidFill>
-                <a:latin typeface="Montserrat Bold" panose="00000800000000000000"/>
-                <a:ea typeface="Montserrat Bold" panose="00000800000000000000"/>
-                <a:cs typeface="Montserrat Bold" panose="00000800000000000000"/>
-                <a:sym typeface="Montserrat Bold" panose="00000800000000000000"/>
+                <a:latin typeface="Montserrat Bold"/>
+                <a:ea typeface="Montserrat Bold"/>
+                <a:cs typeface="Montserrat Bold"/>
+                <a:sym typeface="Montserrat Bold"/>
               </a:rPr>
               <a:t>Projeto Integrador I - Desenvolvimento de Software Multiplataforma</a:t>
             </a:r>
-            <a:endParaRPr lang="en-US" sz="3200" b="1">
-              <a:solidFill>
-                <a:srgbClr val="3A7AFE"/>
-              </a:solidFill>
-              <a:latin typeface="Montserrat Bold" panose="00000800000000000000"/>
-              <a:ea typeface="Montserrat Bold" panose="00000800000000000000"/>
-              <a:cs typeface="Montserrat Bold" panose="00000800000000000000"/>
-              <a:sym typeface="Montserrat Bold" panose="00000800000000000000"/>
-            </a:endParaRPr>
           </a:p>
         </p:txBody>
       </p:sp>
@@ -5894,60 +5173,7 @@
       </p:grpSpPr>
       <p:sp>
         <p:nvSpPr>
-          <p:cNvPr id="2" name="Freeform 2"/>
-          <p:cNvSpPr/>
-          <p:nvPr/>
-        </p:nvSpPr>
-        <p:spPr>
-          <a:xfrm>
-            <a:off x="-1403169" y="1028700"/>
-            <a:ext cx="11514352" cy="11535325"/>
-          </a:xfrm>
-          <a:custGeom>
-            <a:avLst/>
-            <a:gdLst/>
-            <a:ahLst/>
-            <a:cxnLst/>
-            <a:rect l="l" t="t" r="r" b="b"/>
-            <a:pathLst>
-              <a:path w="11514352" h="11535325">
-                <a:moveTo>
-                  <a:pt x="0" y="0"/>
-                </a:moveTo>
-                <a:lnTo>
-                  <a:pt x="11514351" y="0"/>
-                </a:lnTo>
-                <a:lnTo>
-                  <a:pt x="11514351" y="11535325"/>
-                </a:lnTo>
-                <a:lnTo>
-                  <a:pt x="0" y="11535325"/>
-                </a:lnTo>
-                <a:lnTo>
-                  <a:pt x="0" y="0"/>
-                </a:lnTo>
-                <a:close/>
-              </a:path>
-            </a:pathLst>
-          </a:custGeom>
-          <a:blipFill>
-            <a:blip r:embed="rId1">
-              <a:alphaModFix amt="40000"/>
-              <a:extLst>
-                <a:ext uri="{96DAC541-7B7A-43D3-8B79-37D633B846F1}">
-                  <asvg:svgBlip xmlns:asvg="http://schemas.microsoft.com/office/drawing/2016/SVG/main" r:embed="rId2"/>
-                </a:ext>
-              </a:extLst>
-            </a:blip>
-            <a:stretch>
-              <a:fillRect/>
-            </a:stretch>
-          </a:blipFill>
-        </p:spPr>
-      </p:sp>
-      <p:sp>
-        <p:nvSpPr>
-          <p:cNvPr id="3" name="TextBox 3"/>
+          <p:cNvPr id="2" name="TextBox 2"/>
           <p:cNvSpPr txBox="1"/>
           <p:nvPr/>
         </p:nvSpPr>
@@ -5976,34 +5202,25 @@
                 <a:solidFill>
                   <a:srgbClr val="3A7AFE"/>
                 </a:solidFill>
-                <a:latin typeface="Montserrat Bold" panose="00000800000000000000"/>
-                <a:ea typeface="Montserrat Bold" panose="00000800000000000000"/>
-                <a:cs typeface="Montserrat Bold" panose="00000800000000000000"/>
-                <a:sym typeface="Montserrat Bold" panose="00000800000000000000"/>
+                <a:latin typeface="Montserrat Bold"/>
+                <a:ea typeface="Montserrat Bold"/>
+                <a:cs typeface="Montserrat Bold"/>
+                <a:sym typeface="Montserrat Bold"/>
               </a:rPr>
               <a:t>Testes e Manutenção</a:t>
             </a:r>
-            <a:endParaRPr lang="en-US" sz="4400" b="1">
-              <a:solidFill>
-                <a:srgbClr val="3A7AFE"/>
-              </a:solidFill>
-              <a:latin typeface="Montserrat Bold" panose="00000800000000000000"/>
-              <a:ea typeface="Montserrat Bold" panose="00000800000000000000"/>
-              <a:cs typeface="Montserrat Bold" panose="00000800000000000000"/>
-              <a:sym typeface="Montserrat Bold" panose="00000800000000000000"/>
-            </a:endParaRPr>
-          </a:p>
-        </p:txBody>
-      </p:sp>
-      <p:sp>
-        <p:nvSpPr>
-          <p:cNvPr id="4" name="TextBox 4"/>
+          </a:p>
+        </p:txBody>
+      </p:sp>
+      <p:sp>
+        <p:nvSpPr>
+          <p:cNvPr id="3" name="TextBox 3"/>
           <p:cNvSpPr txBox="1"/>
           <p:nvPr/>
         </p:nvSpPr>
         <p:spPr>
           <a:xfrm>
-            <a:off x="3593772" y="3367736"/>
+            <a:off x="2626590" y="3396866"/>
             <a:ext cx="13034821" cy="4572635"/>
           </a:xfrm>
           <a:prstGeom prst="rect">
@@ -6026,21 +5243,28 @@
                 <a:solidFill>
                   <a:srgbClr val="000000"/>
                 </a:solidFill>
-                <a:latin typeface="Poppins" panose="00000500000000000000"/>
-                <a:ea typeface="Poppins" panose="00000500000000000000"/>
-                <a:cs typeface="Poppins" panose="00000500000000000000"/>
-                <a:sym typeface="Poppins" panose="00000500000000000000"/>
+                <a:latin typeface="Poppins"/>
+                <a:ea typeface="Poppins"/>
+                <a:cs typeface="Poppins"/>
+                <a:sym typeface="Poppins"/>
               </a:rPr>
               <a:t>• Testes de navegação, responsividade e funcionalidade dos links. </a:t>
             </a:r>
+          </a:p>
+          <a:p>
+            <a:pPr algn="just">
+              <a:lnSpc>
+                <a:spcPts val="3640"/>
+              </a:lnSpc>
+            </a:pPr>
             <a:endParaRPr lang="en-US" sz="2600">
               <a:solidFill>
                 <a:srgbClr val="000000"/>
               </a:solidFill>
-              <a:latin typeface="Poppins" panose="00000500000000000000"/>
-              <a:ea typeface="Poppins" panose="00000500000000000000"/>
-              <a:cs typeface="Poppins" panose="00000500000000000000"/>
-              <a:sym typeface="Poppins" panose="00000500000000000000"/>
+              <a:latin typeface="Poppins"/>
+              <a:ea typeface="Poppins"/>
+              <a:cs typeface="Poppins"/>
+              <a:sym typeface="Poppins"/>
             </a:endParaRPr>
           </a:p>
           <a:p>
@@ -6049,33 +5273,33 @@
                 <a:spcPts val="3640"/>
               </a:lnSpc>
             </a:pPr>
-          </a:p>
-          <a:p>
-            <a:pPr algn="just">
-              <a:lnSpc>
-                <a:spcPts val="3640"/>
-              </a:lnSpc>
-            </a:pPr>
             <a:r>
               <a:rPr lang="en-US" sz="2600">
                 <a:solidFill>
                   <a:srgbClr val="000000"/>
                 </a:solidFill>
-                <a:latin typeface="Poppins" panose="00000500000000000000"/>
-                <a:ea typeface="Poppins" panose="00000500000000000000"/>
-                <a:cs typeface="Poppins" panose="00000500000000000000"/>
-                <a:sym typeface="Poppins" panose="00000500000000000000"/>
+                <a:latin typeface="Poppins"/>
+                <a:ea typeface="Poppins"/>
+                <a:cs typeface="Poppins"/>
+                <a:sym typeface="Poppins"/>
               </a:rPr>
               <a:t>• Revisão ortográfica e de conteúdo. Manutenção (Manual do Administrador): </a:t>
             </a:r>
+          </a:p>
+          <a:p>
+            <a:pPr algn="just">
+              <a:lnSpc>
+                <a:spcPts val="3640"/>
+              </a:lnSpc>
+            </a:pPr>
             <a:endParaRPr lang="en-US" sz="2600">
               <a:solidFill>
                 <a:srgbClr val="000000"/>
               </a:solidFill>
-              <a:latin typeface="Poppins" panose="00000500000000000000"/>
-              <a:ea typeface="Poppins" panose="00000500000000000000"/>
-              <a:cs typeface="Poppins" panose="00000500000000000000"/>
-              <a:sym typeface="Poppins" panose="00000500000000000000"/>
+              <a:latin typeface="Poppins"/>
+              <a:ea typeface="Poppins"/>
+              <a:cs typeface="Poppins"/>
+              <a:sym typeface="Poppins"/>
             </a:endParaRPr>
           </a:p>
           <a:p>
@@ -6084,33 +5308,33 @@
                 <a:spcPts val="3640"/>
               </a:lnSpc>
             </a:pPr>
-          </a:p>
-          <a:p>
-            <a:pPr algn="just">
-              <a:lnSpc>
-                <a:spcPts val="3640"/>
-              </a:lnSpc>
-            </a:pPr>
             <a:r>
               <a:rPr lang="en-US" sz="2600">
                 <a:solidFill>
                   <a:srgbClr val="000000"/>
                 </a:solidFill>
-                <a:latin typeface="Poppins" panose="00000500000000000000"/>
-                <a:ea typeface="Poppins" panose="00000500000000000000"/>
-                <a:cs typeface="Poppins" panose="00000500000000000000"/>
-                <a:sym typeface="Poppins" panose="00000500000000000000"/>
+                <a:latin typeface="Poppins"/>
+                <a:ea typeface="Poppins"/>
+                <a:cs typeface="Poppins"/>
+                <a:sym typeface="Poppins"/>
               </a:rPr>
               <a:t>• Código limpo, comentado e de fácil atualização. </a:t>
             </a:r>
+          </a:p>
+          <a:p>
+            <a:pPr algn="just">
+              <a:lnSpc>
+                <a:spcPts val="3640"/>
+              </a:lnSpc>
+            </a:pPr>
             <a:endParaRPr lang="en-US" sz="2600">
               <a:solidFill>
                 <a:srgbClr val="000000"/>
               </a:solidFill>
-              <a:latin typeface="Poppins" panose="00000500000000000000"/>
-              <a:ea typeface="Poppins" panose="00000500000000000000"/>
-              <a:cs typeface="Poppins" panose="00000500000000000000"/>
-              <a:sym typeface="Poppins" panose="00000500000000000000"/>
+              <a:latin typeface="Poppins"/>
+              <a:ea typeface="Poppins"/>
+              <a:cs typeface="Poppins"/>
+              <a:sym typeface="Poppins"/>
             </a:endParaRPr>
           </a:p>
           <a:p>
@@ -6119,33 +5343,33 @@
                 <a:spcPts val="3640"/>
               </a:lnSpc>
             </a:pPr>
-          </a:p>
-          <a:p>
-            <a:pPr algn="just">
-              <a:lnSpc>
-                <a:spcPts val="3640"/>
-              </a:lnSpc>
-            </a:pPr>
             <a:r>
               <a:rPr lang="en-US" sz="2600">
                 <a:solidFill>
                   <a:srgbClr val="000000"/>
                 </a:solidFill>
-                <a:latin typeface="Poppins" panose="00000500000000000000"/>
-                <a:ea typeface="Poppins" panose="00000500000000000000"/>
-                <a:cs typeface="Poppins" panose="00000500000000000000"/>
-                <a:sym typeface="Poppins" panose="00000500000000000000"/>
+                <a:latin typeface="Poppins"/>
+                <a:ea typeface="Poppins"/>
+                <a:cs typeface="Poppins"/>
+                <a:sym typeface="Poppins"/>
               </a:rPr>
               <a:t>• Ficha Técnica e Histórico de Versões para controle. </a:t>
             </a:r>
+          </a:p>
+          <a:p>
+            <a:pPr algn="just">
+              <a:lnSpc>
+                <a:spcPts val="3640"/>
+              </a:lnSpc>
+            </a:pPr>
             <a:endParaRPr lang="en-US" sz="2600">
               <a:solidFill>
                 <a:srgbClr val="000000"/>
               </a:solidFill>
-              <a:latin typeface="Poppins" panose="00000500000000000000"/>
-              <a:ea typeface="Poppins" panose="00000500000000000000"/>
-              <a:cs typeface="Poppins" panose="00000500000000000000"/>
-              <a:sym typeface="Poppins" panose="00000500000000000000"/>
+              <a:latin typeface="Poppins"/>
+              <a:ea typeface="Poppins"/>
+              <a:cs typeface="Poppins"/>
+              <a:sym typeface="Poppins"/>
             </a:endParaRPr>
           </a:p>
           <a:p>
@@ -6154,34 +5378,18 @@
                 <a:spcPts val="3640"/>
               </a:lnSpc>
             </a:pPr>
-          </a:p>
-          <a:p>
-            <a:pPr algn="just">
-              <a:lnSpc>
-                <a:spcPts val="3640"/>
-              </a:lnSpc>
-            </a:pPr>
             <a:r>
               <a:rPr lang="en-US" sz="2600">
                 <a:solidFill>
                   <a:srgbClr val="000000"/>
                 </a:solidFill>
-                <a:latin typeface="Poppins" panose="00000500000000000000"/>
-                <a:ea typeface="Poppins" panose="00000500000000000000"/>
-                <a:cs typeface="Poppins" panose="00000500000000000000"/>
-                <a:sym typeface="Poppins" panose="00000500000000000000"/>
+                <a:latin typeface="Poppins"/>
+                <a:ea typeface="Poppins"/>
+                <a:cs typeface="Poppins"/>
+                <a:sym typeface="Poppins"/>
               </a:rPr>
               <a:t>• Otimização de imagens e uso de fontes livres para garantir a longevidade do projeto.</a:t>
             </a:r>
-            <a:endParaRPr lang="en-US" sz="2600">
-              <a:solidFill>
-                <a:srgbClr val="000000"/>
-              </a:solidFill>
-              <a:latin typeface="Poppins" panose="00000500000000000000"/>
-              <a:ea typeface="Poppins" panose="00000500000000000000"/>
-              <a:cs typeface="Poppins" panose="00000500000000000000"/>
-              <a:sym typeface="Poppins" panose="00000500000000000000"/>
-            </a:endParaRPr>
           </a:p>
         </p:txBody>
       </p:sp>
@@ -6220,60 +5428,7 @@
       </p:grpSpPr>
       <p:sp>
         <p:nvSpPr>
-          <p:cNvPr id="2" name="Freeform 2"/>
-          <p:cNvSpPr/>
-          <p:nvPr/>
-        </p:nvSpPr>
-        <p:spPr>
-          <a:xfrm>
-            <a:off x="-1403169" y="1028700"/>
-            <a:ext cx="11514352" cy="11535325"/>
-          </a:xfrm>
-          <a:custGeom>
-            <a:avLst/>
-            <a:gdLst/>
-            <a:ahLst/>
-            <a:cxnLst/>
-            <a:rect l="l" t="t" r="r" b="b"/>
-            <a:pathLst>
-              <a:path w="11514352" h="11535325">
-                <a:moveTo>
-                  <a:pt x="0" y="0"/>
-                </a:moveTo>
-                <a:lnTo>
-                  <a:pt x="11514351" y="0"/>
-                </a:lnTo>
-                <a:lnTo>
-                  <a:pt x="11514351" y="11535325"/>
-                </a:lnTo>
-                <a:lnTo>
-                  <a:pt x="0" y="11535325"/>
-                </a:lnTo>
-                <a:lnTo>
-                  <a:pt x="0" y="0"/>
-                </a:lnTo>
-                <a:close/>
-              </a:path>
-            </a:pathLst>
-          </a:custGeom>
-          <a:blipFill>
-            <a:blip r:embed="rId1">
-              <a:alphaModFix amt="40000"/>
-              <a:extLst>
-                <a:ext uri="{96DAC541-7B7A-43D3-8B79-37D633B846F1}">
-                  <asvg:svgBlip xmlns:asvg="http://schemas.microsoft.com/office/drawing/2016/SVG/main" r:embed="rId2"/>
-                </a:ext>
-              </a:extLst>
-            </a:blip>
-            <a:stretch>
-              <a:fillRect/>
-            </a:stretch>
-          </a:blipFill>
-        </p:spPr>
-      </p:sp>
-      <p:sp>
-        <p:nvSpPr>
-          <p:cNvPr id="3" name="TextBox 3"/>
+          <p:cNvPr id="2" name="TextBox 2"/>
           <p:cNvSpPr txBox="1"/>
           <p:nvPr/>
         </p:nvSpPr>
@@ -6302,42 +5457,33 @@
                 <a:solidFill>
                   <a:srgbClr val="3A7AFE"/>
                 </a:solidFill>
-                <a:latin typeface="Montserrat Bold" panose="00000800000000000000"/>
-                <a:ea typeface="Montserrat Bold" panose="00000800000000000000"/>
-                <a:cs typeface="Montserrat Bold" panose="00000800000000000000"/>
-                <a:sym typeface="Montserrat Bold" panose="00000800000000000000"/>
+                <a:latin typeface="Montserrat Bold"/>
+                <a:ea typeface="Montserrat Bold"/>
+                <a:cs typeface="Montserrat Bold"/>
+                <a:sym typeface="Montserrat Bold"/>
               </a:rPr>
               <a:t>Site</a:t>
             </a:r>
-            <a:endParaRPr lang="en-US" sz="4400" b="1">
-              <a:solidFill>
-                <a:srgbClr val="3A7AFE"/>
-              </a:solidFill>
-              <a:latin typeface="Montserrat Bold" panose="00000800000000000000"/>
-              <a:ea typeface="Montserrat Bold" panose="00000800000000000000"/>
-              <a:cs typeface="Montserrat Bold" panose="00000800000000000000"/>
-              <a:sym typeface="Montserrat Bold" panose="00000800000000000000"/>
-            </a:endParaRPr>
-          </a:p>
-        </p:txBody>
-      </p:sp>
-      <p:sp>
-        <p:nvSpPr>
-          <p:cNvPr id="4" name="TextBox 4"/>
+          </a:p>
+        </p:txBody>
+      </p:sp>
+      <p:sp>
+        <p:nvSpPr>
+          <p:cNvPr id="3" name="TextBox 3"/>
           <p:cNvSpPr txBox="1"/>
           <p:nvPr/>
         </p:nvSpPr>
         <p:spPr>
           <a:xfrm>
-            <a:off x="3779520" y="4424045"/>
-            <a:ext cx="8952230" cy="1400175"/>
+            <a:off x="3459104" y="4044394"/>
+            <a:ext cx="13034821" cy="457835"/>
           </a:xfrm>
           <a:prstGeom prst="rect">
             <a:avLst/>
           </a:prstGeom>
         </p:spPr>
         <p:txBody>
-          <a:bodyPr wrap="square" lIns="0" tIns="0" rIns="0" bIns="0" rtlCol="0" anchor="t">
+          <a:bodyPr lIns="0" tIns="0" rIns="0" bIns="0" rtlCol="0" anchor="t">
             <a:spAutoFit/>
           </a:bodyPr>
           <a:lstStyle/>
@@ -6352,60 +5498,55 @@
                 <a:solidFill>
                   <a:srgbClr val="000000"/>
                 </a:solidFill>
-                <a:latin typeface="Poppins" panose="00000500000000000000"/>
-                <a:ea typeface="Poppins" panose="00000500000000000000"/>
-                <a:cs typeface="Poppins" panose="00000500000000000000"/>
-                <a:sym typeface="Poppins" panose="00000500000000000000"/>
+                <a:latin typeface="Poppins"/>
+                <a:ea typeface="Poppins"/>
+                <a:cs typeface="Poppins"/>
+                <a:sym typeface="Poppins"/>
               </a:rPr>
               <a:t>Link de acesso:</a:t>
             </a:r>
-            <a:r>
-              <a:rPr lang="pt-BR" altLang="en-US" sz="2600">
-                <a:solidFill>
-                  <a:srgbClr val="000000"/>
-                </a:solidFill>
-                <a:latin typeface="Poppins" panose="00000500000000000000"/>
-                <a:ea typeface="Poppins" panose="00000500000000000000"/>
-                <a:cs typeface="Poppins" panose="00000500000000000000"/>
-                <a:sym typeface="Poppins" panose="00000500000000000000"/>
-              </a:rPr>
-              <a:t> </a:t>
-            </a:r>
-            <a:r>
-              <a:rPr lang="en-US" altLang="pt-BR" sz="2600">
-                <a:solidFill>
-                  <a:srgbClr val="000000"/>
-                </a:solidFill>
-                <a:latin typeface="Poppins" panose="00000500000000000000"/>
-                <a:ea typeface="Poppins" panose="00000500000000000000"/>
-                <a:cs typeface="Poppins" panose="00000500000000000000"/>
-                <a:sym typeface="Poppins" panose="00000500000000000000"/>
-              </a:rPr>
-              <a:t>espacofabianajora.free.nf</a:t>
-            </a:r>
-            <a:endParaRPr lang="en-US" altLang="pt-BR" sz="2600">
-              <a:solidFill>
-                <a:srgbClr val="000000"/>
-              </a:solidFill>
-              <a:latin typeface="Poppins" panose="00000500000000000000"/>
-              <a:ea typeface="Poppins" panose="00000500000000000000"/>
-              <a:cs typeface="Poppins" panose="00000500000000000000"/>
-              <a:sym typeface="Poppins" panose="00000500000000000000"/>
-            </a:endParaRPr>
-          </a:p>
-          <a:p>
-            <a:pPr algn="just">
-              <a:lnSpc>
-                <a:spcPts val="3640"/>
-              </a:lnSpc>
-            </a:pPr>
-          </a:p>
-          <a:p>
-            <a:pPr algn="just">
-              <a:lnSpc>
-                <a:spcPts val="3640"/>
-              </a:lnSpc>
-            </a:pPr>
+          </a:p>
+        </p:txBody>
+      </p:sp>
+      <p:sp>
+        <p:nvSpPr>
+          <p:cNvPr id="4" name="TextBox 4"/>
+          <p:cNvSpPr txBox="1"/>
+          <p:nvPr/>
+        </p:nvSpPr>
+        <p:spPr>
+          <a:xfrm>
+            <a:off x="5841599" y="5864303"/>
+            <a:ext cx="6604802" cy="509905"/>
+          </a:xfrm>
+          <a:prstGeom prst="rect">
+            <a:avLst/>
+          </a:prstGeom>
+        </p:spPr>
+        <p:txBody>
+          <a:bodyPr lIns="0" tIns="0" rIns="0" bIns="0" rtlCol="0" anchor="t">
+            <a:spAutoFit/>
+          </a:bodyPr>
+          <a:lstStyle/>
+          <a:p>
+            <a:pPr algn="just">
+              <a:lnSpc>
+                <a:spcPts val="3919"/>
+              </a:lnSpc>
+            </a:pPr>
+            <a:r>
+              <a:rPr lang="en-US" sz="2799" b="1" u="sng">
+                <a:solidFill>
+                  <a:srgbClr val="3A7AFE"/>
+                </a:solidFill>
+                <a:latin typeface="Poppins Bold"/>
+                <a:ea typeface="Poppins Bold"/>
+                <a:cs typeface="Poppins Bold"/>
+                <a:sym typeface="Poppins Bold"/>
+                <a:hlinkClick r:id="rId2" tooltip="https://espacofabianajora.free.nf"/>
+              </a:rPr>
+              <a:t>https://espacofabianajora.free.nf/</a:t>
+            </a:r>
           </a:p>
         </p:txBody>
       </p:sp>
@@ -6444,60 +5585,7 @@
       </p:grpSpPr>
       <p:sp>
         <p:nvSpPr>
-          <p:cNvPr id="2" name="Freeform 2"/>
-          <p:cNvSpPr/>
-          <p:nvPr/>
-        </p:nvSpPr>
-        <p:spPr>
-          <a:xfrm>
-            <a:off x="-1403169" y="1028700"/>
-            <a:ext cx="11514352" cy="11535325"/>
-          </a:xfrm>
-          <a:custGeom>
-            <a:avLst/>
-            <a:gdLst/>
-            <a:ahLst/>
-            <a:cxnLst/>
-            <a:rect l="l" t="t" r="r" b="b"/>
-            <a:pathLst>
-              <a:path w="11514352" h="11535325">
-                <a:moveTo>
-                  <a:pt x="0" y="0"/>
-                </a:moveTo>
-                <a:lnTo>
-                  <a:pt x="11514351" y="0"/>
-                </a:lnTo>
-                <a:lnTo>
-                  <a:pt x="11514351" y="11535325"/>
-                </a:lnTo>
-                <a:lnTo>
-                  <a:pt x="0" y="11535325"/>
-                </a:lnTo>
-                <a:lnTo>
-                  <a:pt x="0" y="0"/>
-                </a:lnTo>
-                <a:close/>
-              </a:path>
-            </a:pathLst>
-          </a:custGeom>
-          <a:blipFill>
-            <a:blip r:embed="rId1">
-              <a:alphaModFix amt="40000"/>
-              <a:extLst>
-                <a:ext uri="{96DAC541-7B7A-43D3-8B79-37D633B846F1}">
-                  <asvg:svgBlip xmlns:asvg="http://schemas.microsoft.com/office/drawing/2016/SVG/main" r:embed="rId2"/>
-                </a:ext>
-              </a:extLst>
-            </a:blip>
-            <a:stretch>
-              <a:fillRect/>
-            </a:stretch>
-          </a:blipFill>
-        </p:spPr>
-      </p:sp>
-      <p:sp>
-        <p:nvSpPr>
-          <p:cNvPr id="3" name="TextBox 3"/>
+          <p:cNvPr id="2" name="TextBox 2"/>
           <p:cNvSpPr txBox="1"/>
           <p:nvPr/>
         </p:nvSpPr>
@@ -6526,34 +5614,25 @@
                 <a:solidFill>
                   <a:srgbClr val="3A7AFE"/>
                 </a:solidFill>
-                <a:latin typeface="Montserrat Bold" panose="00000800000000000000"/>
-                <a:ea typeface="Montserrat Bold" panose="00000800000000000000"/>
-                <a:cs typeface="Montserrat Bold" panose="00000800000000000000"/>
-                <a:sym typeface="Montserrat Bold" panose="00000800000000000000"/>
+                <a:latin typeface="Montserrat Bold"/>
+                <a:ea typeface="Montserrat Bold"/>
+                <a:cs typeface="Montserrat Bold"/>
+                <a:sym typeface="Montserrat Bold"/>
               </a:rPr>
               <a:t>Conclusão</a:t>
             </a:r>
-            <a:endParaRPr lang="en-US" sz="4400" b="1">
-              <a:solidFill>
-                <a:srgbClr val="3A7AFE"/>
-              </a:solidFill>
-              <a:latin typeface="Montserrat Bold" panose="00000800000000000000"/>
-              <a:ea typeface="Montserrat Bold" panose="00000800000000000000"/>
-              <a:cs typeface="Montserrat Bold" panose="00000800000000000000"/>
-              <a:sym typeface="Montserrat Bold" panose="00000800000000000000"/>
-            </a:endParaRPr>
-          </a:p>
-        </p:txBody>
-      </p:sp>
-      <p:sp>
-        <p:nvSpPr>
-          <p:cNvPr id="4" name="TextBox 4"/>
+          </a:p>
+        </p:txBody>
+      </p:sp>
+      <p:sp>
+        <p:nvSpPr>
+          <p:cNvPr id="3" name="TextBox 3"/>
           <p:cNvSpPr txBox="1"/>
           <p:nvPr/>
         </p:nvSpPr>
         <p:spPr>
           <a:xfrm>
-            <a:off x="3593772" y="4386140"/>
+            <a:off x="2626590" y="4182227"/>
             <a:ext cx="13034821" cy="3201035"/>
           </a:xfrm>
           <a:prstGeom prst="rect">
@@ -6576,21 +5655,28 @@
                 <a:solidFill>
                   <a:srgbClr val="000000"/>
                 </a:solidFill>
-                <a:latin typeface="Poppins" panose="00000500000000000000"/>
-                <a:ea typeface="Poppins" panose="00000500000000000000"/>
-                <a:cs typeface="Poppins" panose="00000500000000000000"/>
-                <a:sym typeface="Poppins" panose="00000500000000000000"/>
+                <a:latin typeface="Poppins"/>
+                <a:ea typeface="Poppins"/>
+                <a:cs typeface="Poppins"/>
+                <a:sym typeface="Poppins"/>
               </a:rPr>
               <a:t>• O projeto atingiu o objetivo de criar um portfólio digital funcional, de baixo custo e alinhado às necessidades da cliente. </a:t>
             </a:r>
+          </a:p>
+          <a:p>
+            <a:pPr algn="just">
+              <a:lnSpc>
+                <a:spcPts val="3640"/>
+              </a:lnSpc>
+            </a:pPr>
             <a:endParaRPr lang="en-US" sz="2600">
               <a:solidFill>
                 <a:srgbClr val="000000"/>
               </a:solidFill>
-              <a:latin typeface="Poppins" panose="00000500000000000000"/>
-              <a:ea typeface="Poppins" panose="00000500000000000000"/>
-              <a:cs typeface="Poppins" panose="00000500000000000000"/>
-              <a:sym typeface="Poppins" panose="00000500000000000000"/>
+              <a:latin typeface="Poppins"/>
+              <a:ea typeface="Poppins"/>
+              <a:cs typeface="Poppins"/>
+              <a:sym typeface="Poppins"/>
             </a:endParaRPr>
           </a:p>
           <a:p>
@@ -6599,33 +5685,33 @@
                 <a:spcPts val="3640"/>
               </a:lnSpc>
             </a:pPr>
-          </a:p>
-          <a:p>
-            <a:pPr algn="just">
-              <a:lnSpc>
-                <a:spcPts val="3640"/>
-              </a:lnSpc>
-            </a:pPr>
             <a:r>
               <a:rPr lang="en-US" sz="2600">
                 <a:solidFill>
                   <a:srgbClr val="000000"/>
                 </a:solidFill>
-                <a:latin typeface="Poppins" panose="00000500000000000000"/>
-                <a:ea typeface="Poppins" panose="00000500000000000000"/>
-                <a:cs typeface="Poppins" panose="00000500000000000000"/>
-                <a:sym typeface="Poppins" panose="00000500000000000000"/>
+                <a:latin typeface="Poppins"/>
+                <a:ea typeface="Poppins"/>
+                <a:cs typeface="Poppins"/>
+                <a:sym typeface="Poppins"/>
               </a:rPr>
               <a:t>• A metodologia de prototipação evolutiva se mostrou eficaz para validação rápida.</a:t>
             </a:r>
+          </a:p>
+          <a:p>
+            <a:pPr algn="just">
+              <a:lnSpc>
+                <a:spcPts val="3640"/>
+              </a:lnSpc>
+            </a:pPr>
             <a:endParaRPr lang="en-US" sz="2600">
               <a:solidFill>
                 <a:srgbClr val="000000"/>
               </a:solidFill>
-              <a:latin typeface="Poppins" panose="00000500000000000000"/>
-              <a:ea typeface="Poppins" panose="00000500000000000000"/>
-              <a:cs typeface="Poppins" panose="00000500000000000000"/>
-              <a:sym typeface="Poppins" panose="00000500000000000000"/>
+              <a:latin typeface="Poppins"/>
+              <a:ea typeface="Poppins"/>
+              <a:cs typeface="Poppins"/>
+              <a:sym typeface="Poppins"/>
             </a:endParaRPr>
           </a:p>
           <a:p>
@@ -6634,34 +5720,18 @@
                 <a:spcPts val="3640"/>
               </a:lnSpc>
             </a:pPr>
-          </a:p>
-          <a:p>
-            <a:pPr algn="just">
-              <a:lnSpc>
-                <a:spcPts val="3640"/>
-              </a:lnSpc>
-            </a:pPr>
             <a:r>
               <a:rPr lang="en-US" sz="2600">
                 <a:solidFill>
                   <a:srgbClr val="000000"/>
                 </a:solidFill>
-                <a:latin typeface="Poppins" panose="00000500000000000000"/>
-                <a:ea typeface="Poppins" panose="00000500000000000000"/>
-                <a:cs typeface="Poppins" panose="00000500000000000000"/>
-                <a:sym typeface="Poppins" panose="00000500000000000000"/>
+                <a:latin typeface="Poppins"/>
+                <a:ea typeface="Poppins"/>
+                <a:cs typeface="Poppins"/>
+                <a:sym typeface="Poppins"/>
               </a:rPr>
               <a:t> • O uso de tecnologias abertas e gratuitas garantiu a viabilidade econômica.</a:t>
             </a:r>
-            <a:endParaRPr lang="en-US" sz="2600">
-              <a:solidFill>
-                <a:srgbClr val="000000"/>
-              </a:solidFill>
-              <a:latin typeface="Poppins" panose="00000500000000000000"/>
-              <a:ea typeface="Poppins" panose="00000500000000000000"/>
-              <a:cs typeface="Poppins" panose="00000500000000000000"/>
-              <a:sym typeface="Poppins" panose="00000500000000000000"/>
-            </a:endParaRPr>
           </a:p>
         </p:txBody>
       </p:sp>
@@ -6700,60 +5770,7 @@
       </p:grpSpPr>
       <p:sp>
         <p:nvSpPr>
-          <p:cNvPr id="2" name="Freeform 2"/>
-          <p:cNvSpPr/>
-          <p:nvPr/>
-        </p:nvSpPr>
-        <p:spPr>
-          <a:xfrm>
-            <a:off x="-1403169" y="1028700"/>
-            <a:ext cx="11514352" cy="11535325"/>
-          </a:xfrm>
-          <a:custGeom>
-            <a:avLst/>
-            <a:gdLst/>
-            <a:ahLst/>
-            <a:cxnLst/>
-            <a:rect l="l" t="t" r="r" b="b"/>
-            <a:pathLst>
-              <a:path w="11514352" h="11535325">
-                <a:moveTo>
-                  <a:pt x="0" y="0"/>
-                </a:moveTo>
-                <a:lnTo>
-                  <a:pt x="11514351" y="0"/>
-                </a:lnTo>
-                <a:lnTo>
-                  <a:pt x="11514351" y="11535325"/>
-                </a:lnTo>
-                <a:lnTo>
-                  <a:pt x="0" y="11535325"/>
-                </a:lnTo>
-                <a:lnTo>
-                  <a:pt x="0" y="0"/>
-                </a:lnTo>
-                <a:close/>
-              </a:path>
-            </a:pathLst>
-          </a:custGeom>
-          <a:blipFill>
-            <a:blip r:embed="rId1">
-              <a:alphaModFix amt="40000"/>
-              <a:extLst>
-                <a:ext uri="{96DAC541-7B7A-43D3-8B79-37D633B846F1}">
-                  <asvg:svgBlip xmlns:asvg="http://schemas.microsoft.com/office/drawing/2016/SVG/main" r:embed="rId2"/>
-                </a:ext>
-              </a:extLst>
-            </a:blip>
-            <a:stretch>
-              <a:fillRect/>
-            </a:stretch>
-          </a:blipFill>
-        </p:spPr>
-      </p:sp>
-      <p:sp>
-        <p:nvSpPr>
-          <p:cNvPr id="3" name="TextBox 3"/>
+          <p:cNvPr id="2" name="TextBox 2"/>
           <p:cNvSpPr txBox="1"/>
           <p:nvPr/>
         </p:nvSpPr>
@@ -6782,34 +5799,25 @@
                 <a:solidFill>
                   <a:srgbClr val="3A7AFE"/>
                 </a:solidFill>
-                <a:latin typeface="Montserrat Bold" panose="00000800000000000000"/>
-                <a:ea typeface="Montserrat Bold" panose="00000800000000000000"/>
-                <a:cs typeface="Montserrat Bold" panose="00000800000000000000"/>
-                <a:sym typeface="Montserrat Bold" panose="00000800000000000000"/>
+                <a:latin typeface="Montserrat Bold"/>
+                <a:ea typeface="Montserrat Bold"/>
+                <a:cs typeface="Montserrat Bold"/>
+                <a:sym typeface="Montserrat Bold"/>
               </a:rPr>
               <a:t>Identificação do problema</a:t>
             </a:r>
-            <a:endParaRPr lang="en-US" sz="4400" b="1">
-              <a:solidFill>
-                <a:srgbClr val="3A7AFE"/>
-              </a:solidFill>
-              <a:latin typeface="Montserrat Bold" panose="00000800000000000000"/>
-              <a:ea typeface="Montserrat Bold" panose="00000800000000000000"/>
-              <a:cs typeface="Montserrat Bold" panose="00000800000000000000"/>
-              <a:sym typeface="Montserrat Bold" panose="00000800000000000000"/>
-            </a:endParaRPr>
-          </a:p>
-        </p:txBody>
-      </p:sp>
-      <p:sp>
-        <p:nvSpPr>
-          <p:cNvPr id="4" name="TextBox 4"/>
+          </a:p>
+        </p:txBody>
+      </p:sp>
+      <p:sp>
+        <p:nvSpPr>
+          <p:cNvPr id="3" name="TextBox 3"/>
           <p:cNvSpPr txBox="1"/>
           <p:nvPr/>
         </p:nvSpPr>
         <p:spPr>
           <a:xfrm>
-            <a:off x="3291721" y="3987896"/>
+            <a:off x="2324539" y="4347456"/>
             <a:ext cx="13638922" cy="3658235"/>
           </a:xfrm>
           <a:prstGeom prst="rect">
@@ -6822,11 +5830,11 @@
           </a:bodyPr>
           <a:lstStyle/>
           <a:p>
-            <a:pPr marL="561340" lvl="1" indent="-280670" algn="just">
-              <a:lnSpc>
-                <a:spcPts val="3640"/>
-              </a:lnSpc>
-              <a:buFont typeface="Arial" panose="020B0604020202020204"/>
+            <a:pPr marL="561341" lvl="1" indent="-280670" algn="just">
+              <a:lnSpc>
+                <a:spcPts val="3640"/>
+              </a:lnSpc>
+              <a:buFont typeface="Arial"/>
               <a:buChar char="•"/>
             </a:pPr>
             <a:r>
@@ -6834,21 +5842,28 @@
                 <a:solidFill>
                   <a:srgbClr val="000000"/>
                 </a:solidFill>
-                <a:latin typeface="Poppins" panose="00000500000000000000"/>
-                <a:ea typeface="Poppins" panose="00000500000000000000"/>
-                <a:cs typeface="Poppins" panose="00000500000000000000"/>
-                <a:sym typeface="Poppins" panose="00000500000000000000"/>
+                <a:latin typeface="Poppins"/>
+                <a:ea typeface="Poppins"/>
+                <a:cs typeface="Poppins"/>
+                <a:sym typeface="Poppins"/>
               </a:rPr>
               <a:t>Ausência de presença digital estruturada</a:t>
             </a:r>
+          </a:p>
+          <a:p>
+            <a:pPr algn="just">
+              <a:lnSpc>
+                <a:spcPts val="3640"/>
+              </a:lnSpc>
+            </a:pPr>
             <a:endParaRPr lang="en-US" sz="2600">
               <a:solidFill>
                 <a:srgbClr val="000000"/>
               </a:solidFill>
-              <a:latin typeface="Poppins" panose="00000500000000000000"/>
-              <a:ea typeface="Poppins" panose="00000500000000000000"/>
-              <a:cs typeface="Poppins" panose="00000500000000000000"/>
-              <a:sym typeface="Poppins" panose="00000500000000000000"/>
+              <a:latin typeface="Poppins"/>
+              <a:ea typeface="Poppins"/>
+              <a:cs typeface="Poppins"/>
+              <a:sym typeface="Poppins"/>
             </a:endParaRPr>
           </a:p>
           <a:p>
@@ -6857,33 +5872,33 @@
                 <a:spcPts val="3640"/>
               </a:lnSpc>
             </a:pPr>
-          </a:p>
-          <a:p>
-            <a:pPr algn="just">
-              <a:lnSpc>
-                <a:spcPts val="3640"/>
-              </a:lnSpc>
-            </a:pPr>
             <a:r>
               <a:rPr lang="en-US" sz="2600">
                 <a:solidFill>
                   <a:srgbClr val="000000"/>
                 </a:solidFill>
-                <a:latin typeface="Poppins" panose="00000500000000000000"/>
-                <a:ea typeface="Poppins" panose="00000500000000000000"/>
-                <a:cs typeface="Poppins" panose="00000500000000000000"/>
-                <a:sym typeface="Poppins" panose="00000500000000000000"/>
+                <a:latin typeface="Poppins"/>
+                <a:ea typeface="Poppins"/>
+                <a:cs typeface="Poppins"/>
+                <a:sym typeface="Poppins"/>
               </a:rPr>
               <a:t> Fabiana atua em Massoterapia, Enfermagem e LIBRAS, mas não tinha um espaço online unificado.</a:t>
             </a:r>
+          </a:p>
+          <a:p>
+            <a:pPr algn="just">
+              <a:lnSpc>
+                <a:spcPts val="3640"/>
+              </a:lnSpc>
+            </a:pPr>
             <a:endParaRPr lang="en-US" sz="2600">
               <a:solidFill>
                 <a:srgbClr val="000000"/>
               </a:solidFill>
-              <a:latin typeface="Poppins" panose="00000500000000000000"/>
-              <a:ea typeface="Poppins" panose="00000500000000000000"/>
-              <a:cs typeface="Poppins" panose="00000500000000000000"/>
-              <a:sym typeface="Poppins" panose="00000500000000000000"/>
+              <a:latin typeface="Poppins"/>
+              <a:ea typeface="Poppins"/>
+              <a:cs typeface="Poppins"/>
+              <a:sym typeface="Poppins"/>
             </a:endParaRPr>
           </a:p>
           <a:p>
@@ -6892,33 +5907,33 @@
                 <a:spcPts val="3640"/>
               </a:lnSpc>
             </a:pPr>
-          </a:p>
-          <a:p>
-            <a:pPr algn="just">
-              <a:lnSpc>
-                <a:spcPts val="3640"/>
-              </a:lnSpc>
-            </a:pPr>
             <a:r>
               <a:rPr lang="en-US" sz="2600">
                 <a:solidFill>
                   <a:srgbClr val="000000"/>
                 </a:solidFill>
-                <a:latin typeface="Poppins" panose="00000500000000000000"/>
-                <a:ea typeface="Poppins" panose="00000500000000000000"/>
-                <a:cs typeface="Poppins" panose="00000500000000000000"/>
-                <a:sym typeface="Poppins" panose="00000500000000000000"/>
+                <a:latin typeface="Poppins"/>
+                <a:ea typeface="Poppins"/>
+                <a:cs typeface="Poppins"/>
+                <a:sym typeface="Poppins"/>
               </a:rPr>
               <a:t> Resultado: dificuldade de divulgação e captação de clientes.</a:t>
             </a:r>
+          </a:p>
+          <a:p>
+            <a:pPr algn="just">
+              <a:lnSpc>
+                <a:spcPts val="3640"/>
+              </a:lnSpc>
+            </a:pPr>
             <a:endParaRPr lang="en-US" sz="2600">
               <a:solidFill>
                 <a:srgbClr val="000000"/>
               </a:solidFill>
-              <a:latin typeface="Poppins" panose="00000500000000000000"/>
-              <a:ea typeface="Poppins" panose="00000500000000000000"/>
-              <a:cs typeface="Poppins" panose="00000500000000000000"/>
-              <a:sym typeface="Poppins" panose="00000500000000000000"/>
+              <a:latin typeface="Poppins"/>
+              <a:ea typeface="Poppins"/>
+              <a:cs typeface="Poppins"/>
+              <a:sym typeface="Poppins"/>
             </a:endParaRPr>
           </a:p>
           <a:p>
@@ -6927,34 +5942,18 @@
                 <a:spcPts val="3640"/>
               </a:lnSpc>
             </a:pPr>
-          </a:p>
-          <a:p>
-            <a:pPr algn="just">
-              <a:lnSpc>
-                <a:spcPts val="3640"/>
-              </a:lnSpc>
-            </a:pPr>
             <a:r>
               <a:rPr lang="en-US" sz="2600">
                 <a:solidFill>
                   <a:srgbClr val="000000"/>
                 </a:solidFill>
-                <a:latin typeface="Poppins" panose="00000500000000000000"/>
-                <a:ea typeface="Poppins" panose="00000500000000000000"/>
-                <a:cs typeface="Poppins" panose="00000500000000000000"/>
-                <a:sym typeface="Poppins" panose="00000500000000000000"/>
+                <a:latin typeface="Poppins"/>
+                <a:ea typeface="Poppins"/>
+                <a:cs typeface="Poppins"/>
+                <a:sym typeface="Poppins"/>
               </a:rPr>
               <a:t>Solução: criar um portfólio digital funcional e centralizado.</a:t>
             </a:r>
-            <a:endParaRPr lang="en-US" sz="2600">
-              <a:solidFill>
-                <a:srgbClr val="000000"/>
-              </a:solidFill>
-              <a:latin typeface="Poppins" panose="00000500000000000000"/>
-              <a:ea typeface="Poppins" panose="00000500000000000000"/>
-              <a:cs typeface="Poppins" panose="00000500000000000000"/>
-              <a:sym typeface="Poppins" panose="00000500000000000000"/>
-            </a:endParaRPr>
           </a:p>
         </p:txBody>
       </p:sp>
@@ -6993,60 +5992,7 @@
       </p:grpSpPr>
       <p:sp>
         <p:nvSpPr>
-          <p:cNvPr id="2" name="Freeform 2"/>
-          <p:cNvSpPr/>
-          <p:nvPr/>
-        </p:nvSpPr>
-        <p:spPr>
-          <a:xfrm>
-            <a:off x="-1403169" y="1028700"/>
-            <a:ext cx="11514352" cy="11535325"/>
-          </a:xfrm>
-          <a:custGeom>
-            <a:avLst/>
-            <a:gdLst/>
-            <a:ahLst/>
-            <a:cxnLst/>
-            <a:rect l="l" t="t" r="r" b="b"/>
-            <a:pathLst>
-              <a:path w="11514352" h="11535325">
-                <a:moveTo>
-                  <a:pt x="0" y="0"/>
-                </a:moveTo>
-                <a:lnTo>
-                  <a:pt x="11514351" y="0"/>
-                </a:lnTo>
-                <a:lnTo>
-                  <a:pt x="11514351" y="11535325"/>
-                </a:lnTo>
-                <a:lnTo>
-                  <a:pt x="0" y="11535325"/>
-                </a:lnTo>
-                <a:lnTo>
-                  <a:pt x="0" y="0"/>
-                </a:lnTo>
-                <a:close/>
-              </a:path>
-            </a:pathLst>
-          </a:custGeom>
-          <a:blipFill>
-            <a:blip r:embed="rId1">
-              <a:alphaModFix amt="40000"/>
-              <a:extLst>
-                <a:ext uri="{96DAC541-7B7A-43D3-8B79-37D633B846F1}">
-                  <asvg:svgBlip xmlns:asvg="http://schemas.microsoft.com/office/drawing/2016/SVG/main" r:embed="rId2"/>
-                </a:ext>
-              </a:extLst>
-            </a:blip>
-            <a:stretch>
-              <a:fillRect/>
-            </a:stretch>
-          </a:blipFill>
-        </p:spPr>
-      </p:sp>
-      <p:sp>
-        <p:nvSpPr>
-          <p:cNvPr id="3" name="TextBox 3"/>
+          <p:cNvPr id="2" name="TextBox 2"/>
           <p:cNvSpPr txBox="1"/>
           <p:nvPr/>
         </p:nvSpPr>
@@ -7075,34 +6021,25 @@
                 <a:solidFill>
                   <a:srgbClr val="3A7AFE"/>
                 </a:solidFill>
-                <a:latin typeface="Montserrat Bold" panose="00000800000000000000"/>
-                <a:ea typeface="Montserrat Bold" panose="00000800000000000000"/>
-                <a:cs typeface="Montserrat Bold" panose="00000800000000000000"/>
-                <a:sym typeface="Montserrat Bold" panose="00000800000000000000"/>
+                <a:latin typeface="Montserrat Bold"/>
+                <a:ea typeface="Montserrat Bold"/>
+                <a:cs typeface="Montserrat Bold"/>
+                <a:sym typeface="Montserrat Bold"/>
               </a:rPr>
               <a:t>Objetivos</a:t>
             </a:r>
-            <a:endParaRPr lang="en-US" sz="4400" b="1">
-              <a:solidFill>
-                <a:srgbClr val="3A7AFE"/>
-              </a:solidFill>
-              <a:latin typeface="Montserrat Bold" panose="00000800000000000000"/>
-              <a:ea typeface="Montserrat Bold" panose="00000800000000000000"/>
-              <a:cs typeface="Montserrat Bold" panose="00000800000000000000"/>
-              <a:sym typeface="Montserrat Bold" panose="00000800000000000000"/>
-            </a:endParaRPr>
-          </a:p>
-        </p:txBody>
-      </p:sp>
-      <p:sp>
-        <p:nvSpPr>
-          <p:cNvPr id="4" name="TextBox 4"/>
+          </a:p>
+        </p:txBody>
+      </p:sp>
+      <p:sp>
+        <p:nvSpPr>
+          <p:cNvPr id="3" name="TextBox 3"/>
           <p:cNvSpPr txBox="1"/>
           <p:nvPr/>
         </p:nvSpPr>
         <p:spPr>
           <a:xfrm>
-            <a:off x="3755410" y="2934533"/>
+            <a:off x="3087043" y="3371490"/>
             <a:ext cx="12113914" cy="5029835"/>
           </a:xfrm>
           <a:prstGeom prst="rect">
@@ -7125,21 +6062,28 @@
                 <a:solidFill>
                   <a:srgbClr val="000000"/>
                 </a:solidFill>
-                <a:latin typeface="Poppins" panose="00000500000000000000"/>
-                <a:ea typeface="Poppins" panose="00000500000000000000"/>
-                <a:cs typeface="Poppins" panose="00000500000000000000"/>
-                <a:sym typeface="Poppins" panose="00000500000000000000"/>
+                <a:latin typeface="Poppins"/>
+                <a:ea typeface="Poppins"/>
+                <a:cs typeface="Poppins"/>
+                <a:sym typeface="Poppins"/>
               </a:rPr>
               <a:t>Objetivo Geral: </a:t>
             </a:r>
+          </a:p>
+          <a:p>
+            <a:pPr algn="just">
+              <a:lnSpc>
+                <a:spcPts val="3640"/>
+              </a:lnSpc>
+            </a:pPr>
             <a:endParaRPr lang="en-US" sz="2600">
               <a:solidFill>
                 <a:srgbClr val="000000"/>
               </a:solidFill>
-              <a:latin typeface="Poppins" panose="00000500000000000000"/>
-              <a:ea typeface="Poppins" panose="00000500000000000000"/>
-              <a:cs typeface="Poppins" panose="00000500000000000000"/>
-              <a:sym typeface="Poppins" panose="00000500000000000000"/>
+              <a:latin typeface="Poppins"/>
+              <a:ea typeface="Poppins"/>
+              <a:cs typeface="Poppins"/>
+              <a:sym typeface="Poppins"/>
             </a:endParaRPr>
           </a:p>
           <a:p>
@@ -7148,33 +6092,33 @@
                 <a:spcPts val="3640"/>
               </a:lnSpc>
             </a:pPr>
-          </a:p>
-          <a:p>
-            <a:pPr algn="just">
-              <a:lnSpc>
-                <a:spcPts val="3640"/>
-              </a:lnSpc>
-            </a:pPr>
             <a:r>
               <a:rPr lang="en-US" sz="2600">
                 <a:solidFill>
                   <a:srgbClr val="000000"/>
                 </a:solidFill>
-                <a:latin typeface="Poppins" panose="00000500000000000000"/>
-                <a:ea typeface="Poppins" panose="00000500000000000000"/>
-                <a:cs typeface="Poppins" panose="00000500000000000000"/>
-                <a:sym typeface="Poppins" panose="00000500000000000000"/>
+                <a:latin typeface="Poppins"/>
+                <a:ea typeface="Poppins"/>
+                <a:cs typeface="Poppins"/>
+                <a:sym typeface="Poppins"/>
               </a:rPr>
               <a:t>Desenvolver um site responsivo e acessível para apresentar os serviços.</a:t>
             </a:r>
+          </a:p>
+          <a:p>
+            <a:pPr algn="just">
+              <a:lnSpc>
+                <a:spcPts val="3640"/>
+              </a:lnSpc>
+            </a:pPr>
             <a:endParaRPr lang="en-US" sz="2600">
               <a:solidFill>
                 <a:srgbClr val="000000"/>
               </a:solidFill>
-              <a:latin typeface="Poppins" panose="00000500000000000000"/>
-              <a:ea typeface="Poppins" panose="00000500000000000000"/>
-              <a:cs typeface="Poppins" panose="00000500000000000000"/>
-              <a:sym typeface="Poppins" panose="00000500000000000000"/>
+              <a:latin typeface="Poppins"/>
+              <a:ea typeface="Poppins"/>
+              <a:cs typeface="Poppins"/>
+              <a:sym typeface="Poppins"/>
             </a:endParaRPr>
           </a:p>
           <a:p>
@@ -7183,33 +6127,33 @@
                 <a:spcPts val="3640"/>
               </a:lnSpc>
             </a:pPr>
-          </a:p>
-          <a:p>
-            <a:pPr algn="just">
-              <a:lnSpc>
-                <a:spcPts val="3640"/>
-              </a:lnSpc>
-            </a:pPr>
             <a:r>
               <a:rPr lang="en-US" sz="2600">
                 <a:solidFill>
                   <a:srgbClr val="000000"/>
                 </a:solidFill>
-                <a:latin typeface="Poppins" panose="00000500000000000000"/>
-                <a:ea typeface="Poppins" panose="00000500000000000000"/>
-                <a:cs typeface="Poppins" panose="00000500000000000000"/>
-                <a:sym typeface="Poppins" panose="00000500000000000000"/>
+                <a:latin typeface="Poppins"/>
+                <a:ea typeface="Poppins"/>
+                <a:cs typeface="Poppins"/>
+                <a:sym typeface="Poppins"/>
               </a:rPr>
               <a:t>Objetivos Específicos:</a:t>
             </a:r>
+          </a:p>
+          <a:p>
+            <a:pPr algn="just">
+              <a:lnSpc>
+                <a:spcPts val="3640"/>
+              </a:lnSpc>
+            </a:pPr>
             <a:endParaRPr lang="en-US" sz="2600">
               <a:solidFill>
                 <a:srgbClr val="000000"/>
               </a:solidFill>
-              <a:latin typeface="Poppins" panose="00000500000000000000"/>
-              <a:ea typeface="Poppins" panose="00000500000000000000"/>
-              <a:cs typeface="Poppins" panose="00000500000000000000"/>
-              <a:sym typeface="Poppins" panose="00000500000000000000"/>
+              <a:latin typeface="Poppins"/>
+              <a:ea typeface="Poppins"/>
+              <a:cs typeface="Poppins"/>
+              <a:sym typeface="Poppins"/>
             </a:endParaRPr>
           </a:p>
           <a:p>
@@ -7218,34 +6162,18 @@
                 <a:spcPts val="3640"/>
               </a:lnSpc>
             </a:pPr>
-          </a:p>
-          <a:p>
-            <a:pPr algn="just">
-              <a:lnSpc>
-                <a:spcPts val="3640"/>
-              </a:lnSpc>
-            </a:pPr>
             <a:r>
               <a:rPr lang="en-US" sz="2600">
                 <a:solidFill>
                   <a:srgbClr val="000000"/>
                 </a:solidFill>
-                <a:latin typeface="Poppins" panose="00000500000000000000"/>
-                <a:ea typeface="Poppins" panose="00000500000000000000"/>
-                <a:cs typeface="Poppins" panose="00000500000000000000"/>
-                <a:sym typeface="Poppins" panose="00000500000000000000"/>
+                <a:latin typeface="Poppins"/>
+                <a:ea typeface="Poppins"/>
+                <a:cs typeface="Poppins"/>
+                <a:sym typeface="Poppins"/>
               </a:rPr>
               <a:t> – Criar 5 páginas principais</a:t>
             </a:r>
-            <a:endParaRPr lang="en-US" sz="2600">
-              <a:solidFill>
-                <a:srgbClr val="000000"/>
-              </a:solidFill>
-              <a:latin typeface="Poppins" panose="00000500000000000000"/>
-              <a:ea typeface="Poppins" panose="00000500000000000000"/>
-              <a:cs typeface="Poppins" panose="00000500000000000000"/>
-              <a:sym typeface="Poppins" panose="00000500000000000000"/>
-            </a:endParaRPr>
           </a:p>
           <a:p>
             <a:pPr algn="just">
@@ -7258,22 +6186,13 @@
                 <a:solidFill>
                   <a:srgbClr val="000000"/>
                 </a:solidFill>
-                <a:latin typeface="Poppins" panose="00000500000000000000"/>
-                <a:ea typeface="Poppins" panose="00000500000000000000"/>
-                <a:cs typeface="Poppins" panose="00000500000000000000"/>
-                <a:sym typeface="Poppins" panose="00000500000000000000"/>
+                <a:latin typeface="Poppins"/>
+                <a:ea typeface="Poppins"/>
+                <a:cs typeface="Poppins"/>
+                <a:sym typeface="Poppins"/>
               </a:rPr>
               <a:t> – Exibir serviços detalhados</a:t>
             </a:r>
-            <a:endParaRPr lang="en-US" sz="2600">
-              <a:solidFill>
-                <a:srgbClr val="000000"/>
-              </a:solidFill>
-              <a:latin typeface="Poppins" panose="00000500000000000000"/>
-              <a:ea typeface="Poppins" panose="00000500000000000000"/>
-              <a:cs typeface="Poppins" panose="00000500000000000000"/>
-              <a:sym typeface="Poppins" panose="00000500000000000000"/>
-            </a:endParaRPr>
           </a:p>
           <a:p>
             <a:pPr algn="just">
@@ -7286,22 +6205,13 @@
                 <a:solidFill>
                   <a:srgbClr val="000000"/>
                 </a:solidFill>
-                <a:latin typeface="Poppins" panose="00000500000000000000"/>
-                <a:ea typeface="Poppins" panose="00000500000000000000"/>
-                <a:cs typeface="Poppins" panose="00000500000000000000"/>
-                <a:sym typeface="Poppins" panose="00000500000000000000"/>
+                <a:latin typeface="Poppins"/>
+                <a:ea typeface="Poppins"/>
+                <a:cs typeface="Poppins"/>
+                <a:sym typeface="Poppins"/>
               </a:rPr>
               <a:t> – Botões WhatsApp com mensagens prontas</a:t>
             </a:r>
-            <a:endParaRPr lang="en-US" sz="2600">
-              <a:solidFill>
-                <a:srgbClr val="000000"/>
-              </a:solidFill>
-              <a:latin typeface="Poppins" panose="00000500000000000000"/>
-              <a:ea typeface="Poppins" panose="00000500000000000000"/>
-              <a:cs typeface="Poppins" panose="00000500000000000000"/>
-              <a:sym typeface="Poppins" panose="00000500000000000000"/>
-            </a:endParaRPr>
           </a:p>
           <a:p>
             <a:pPr algn="just">
@@ -7314,22 +6224,13 @@
                 <a:solidFill>
                   <a:srgbClr val="000000"/>
                 </a:solidFill>
-                <a:latin typeface="Poppins" panose="00000500000000000000"/>
-                <a:ea typeface="Poppins" panose="00000500000000000000"/>
-                <a:cs typeface="Poppins" panose="00000500000000000000"/>
-                <a:sym typeface="Poppins" panose="00000500000000000000"/>
+                <a:latin typeface="Poppins"/>
+                <a:ea typeface="Poppins"/>
+                <a:cs typeface="Poppins"/>
+                <a:sym typeface="Poppins"/>
               </a:rPr>
               <a:t> – Garantir responsividade e acessibilidade</a:t>
             </a:r>
-            <a:endParaRPr lang="en-US" sz="2600">
-              <a:solidFill>
-                <a:srgbClr val="000000"/>
-              </a:solidFill>
-              <a:latin typeface="Poppins" panose="00000500000000000000"/>
-              <a:ea typeface="Poppins" panose="00000500000000000000"/>
-              <a:cs typeface="Poppins" panose="00000500000000000000"/>
-              <a:sym typeface="Poppins" panose="00000500000000000000"/>
-            </a:endParaRPr>
           </a:p>
           <a:p>
             <a:pPr algn="just">
@@ -7342,22 +6243,13 @@
                 <a:solidFill>
                   <a:srgbClr val="000000"/>
                 </a:solidFill>
-                <a:latin typeface="Poppins" panose="00000500000000000000"/>
-                <a:ea typeface="Poppins" panose="00000500000000000000"/>
-                <a:cs typeface="Poppins" panose="00000500000000000000"/>
-                <a:sym typeface="Poppins" panose="00000500000000000000"/>
+                <a:latin typeface="Poppins"/>
+                <a:ea typeface="Poppins"/>
+                <a:cs typeface="Poppins"/>
+                <a:sym typeface="Poppins"/>
               </a:rPr>
               <a:t> – Documentar o processo</a:t>
             </a:r>
-            <a:endParaRPr lang="en-US" sz="2600">
-              <a:solidFill>
-                <a:srgbClr val="000000"/>
-              </a:solidFill>
-              <a:latin typeface="Poppins" panose="00000500000000000000"/>
-              <a:ea typeface="Poppins" panose="00000500000000000000"/>
-              <a:cs typeface="Poppins" panose="00000500000000000000"/>
-              <a:sym typeface="Poppins" panose="00000500000000000000"/>
-            </a:endParaRPr>
           </a:p>
         </p:txBody>
       </p:sp>
@@ -7396,60 +6288,7 @@
       </p:grpSpPr>
       <p:sp>
         <p:nvSpPr>
-          <p:cNvPr id="2" name="Freeform 2"/>
-          <p:cNvSpPr/>
-          <p:nvPr/>
-        </p:nvSpPr>
-        <p:spPr>
-          <a:xfrm>
-            <a:off x="-1403169" y="1028700"/>
-            <a:ext cx="11514352" cy="11535325"/>
-          </a:xfrm>
-          <a:custGeom>
-            <a:avLst/>
-            <a:gdLst/>
-            <a:ahLst/>
-            <a:cxnLst/>
-            <a:rect l="l" t="t" r="r" b="b"/>
-            <a:pathLst>
-              <a:path w="11514352" h="11535325">
-                <a:moveTo>
-                  <a:pt x="0" y="0"/>
-                </a:moveTo>
-                <a:lnTo>
-                  <a:pt x="11514351" y="0"/>
-                </a:lnTo>
-                <a:lnTo>
-                  <a:pt x="11514351" y="11535325"/>
-                </a:lnTo>
-                <a:lnTo>
-                  <a:pt x="0" y="11535325"/>
-                </a:lnTo>
-                <a:lnTo>
-                  <a:pt x="0" y="0"/>
-                </a:lnTo>
-                <a:close/>
-              </a:path>
-            </a:pathLst>
-          </a:custGeom>
-          <a:blipFill>
-            <a:blip r:embed="rId1">
-              <a:alphaModFix amt="40000"/>
-              <a:extLst>
-                <a:ext uri="{96DAC541-7B7A-43D3-8B79-37D633B846F1}">
-                  <asvg:svgBlip xmlns:asvg="http://schemas.microsoft.com/office/drawing/2016/SVG/main" r:embed="rId2"/>
-                </a:ext>
-              </a:extLst>
-            </a:blip>
-            <a:stretch>
-              <a:fillRect/>
-            </a:stretch>
-          </a:blipFill>
-        </p:spPr>
-      </p:sp>
-      <p:sp>
-        <p:nvSpPr>
-          <p:cNvPr id="3" name="TextBox 3"/>
+          <p:cNvPr id="2" name="TextBox 2"/>
           <p:cNvSpPr txBox="1"/>
           <p:nvPr/>
         </p:nvSpPr>
@@ -7478,34 +6317,25 @@
                 <a:solidFill>
                   <a:srgbClr val="3A7AFE"/>
                 </a:solidFill>
-                <a:latin typeface="Montserrat Bold" panose="00000800000000000000"/>
-                <a:ea typeface="Montserrat Bold" panose="00000800000000000000"/>
-                <a:cs typeface="Montserrat Bold" panose="00000800000000000000"/>
-                <a:sym typeface="Montserrat Bold" panose="00000800000000000000"/>
+                <a:latin typeface="Montserrat Bold"/>
+                <a:ea typeface="Montserrat Bold"/>
+                <a:cs typeface="Montserrat Bold"/>
+                <a:sym typeface="Montserrat Bold"/>
               </a:rPr>
               <a:t>Escopo</a:t>
             </a:r>
-            <a:endParaRPr lang="en-US" sz="4400" b="1">
-              <a:solidFill>
-                <a:srgbClr val="3A7AFE"/>
-              </a:solidFill>
-              <a:latin typeface="Montserrat Bold" panose="00000800000000000000"/>
-              <a:ea typeface="Montserrat Bold" panose="00000800000000000000"/>
-              <a:cs typeface="Montserrat Bold" panose="00000800000000000000"/>
-              <a:sym typeface="Montserrat Bold" panose="00000800000000000000"/>
-            </a:endParaRPr>
-          </a:p>
-        </p:txBody>
-      </p:sp>
-      <p:sp>
-        <p:nvSpPr>
-          <p:cNvPr id="4" name="TextBox 4"/>
+          </a:p>
+        </p:txBody>
+      </p:sp>
+      <p:sp>
+        <p:nvSpPr>
+          <p:cNvPr id="3" name="TextBox 3"/>
           <p:cNvSpPr txBox="1"/>
           <p:nvPr/>
         </p:nvSpPr>
         <p:spPr>
           <a:xfrm>
-            <a:off x="4677637" y="2877985"/>
+            <a:off x="4054429" y="3402333"/>
             <a:ext cx="10179141" cy="5029835"/>
           </a:xfrm>
           <a:prstGeom prst="rect">
@@ -7528,21 +6358,28 @@
                 <a:solidFill>
                   <a:srgbClr val="000000"/>
                 </a:solidFill>
-                <a:latin typeface="Poppins" panose="00000500000000000000"/>
-                <a:ea typeface="Poppins" panose="00000500000000000000"/>
-                <a:cs typeface="Poppins" panose="00000500000000000000"/>
-                <a:sym typeface="Poppins" panose="00000500000000000000"/>
+                <a:latin typeface="Poppins"/>
+                <a:ea typeface="Poppins"/>
+                <a:cs typeface="Poppins"/>
+                <a:sym typeface="Poppins"/>
               </a:rPr>
               <a:t>Entregas:</a:t>
             </a:r>
+          </a:p>
+          <a:p>
+            <a:pPr algn="just">
+              <a:lnSpc>
+                <a:spcPts val="3640"/>
+              </a:lnSpc>
+            </a:pPr>
             <a:endParaRPr lang="en-US" sz="2600">
               <a:solidFill>
                 <a:srgbClr val="000000"/>
               </a:solidFill>
-              <a:latin typeface="Poppins" panose="00000500000000000000"/>
-              <a:ea typeface="Poppins" panose="00000500000000000000"/>
-              <a:cs typeface="Poppins" panose="00000500000000000000"/>
-              <a:sym typeface="Poppins" panose="00000500000000000000"/>
+              <a:latin typeface="Poppins"/>
+              <a:ea typeface="Poppins"/>
+              <a:cs typeface="Poppins"/>
+              <a:sym typeface="Poppins"/>
             </a:endParaRPr>
           </a:p>
           <a:p>
@@ -7551,45 +6388,33 @@
                 <a:spcPts val="3640"/>
               </a:lnSpc>
             </a:pPr>
-          </a:p>
-          <a:p>
-            <a:pPr algn="just">
-              <a:lnSpc>
-                <a:spcPts val="3640"/>
-              </a:lnSpc>
-            </a:pPr>
             <a:r>
               <a:rPr lang="en-US" sz="2600">
                 <a:solidFill>
                   <a:srgbClr val="000000"/>
                 </a:solidFill>
-                <a:latin typeface="Poppins" panose="00000500000000000000"/>
-                <a:ea typeface="Poppins" panose="00000500000000000000"/>
-                <a:cs typeface="Poppins" panose="00000500000000000000"/>
-                <a:sym typeface="Poppins" panose="00000500000000000000"/>
-              </a:rPr>
-              <a:t> – </a:t>
-            </a:r>
-            <a:r>
-              <a:rPr lang="en-US" sz="2600">
-                <a:solidFill>
-                  <a:srgbClr val="000000"/>
-                </a:solidFill>
-                <a:latin typeface="Poppins" panose="00000500000000000000"/>
-                <a:ea typeface="Poppins" panose="00000500000000000000"/>
-                <a:cs typeface="Poppins" panose="00000500000000000000"/>
-                <a:sym typeface="Poppins" panose="00000500000000000000"/>
-              </a:rPr>
-              <a:t>Site estático com 5 páginas</a:t>
-            </a:r>
+                <a:latin typeface="Poppins"/>
+                <a:ea typeface="Poppins"/>
+                <a:cs typeface="Poppins"/>
+                <a:sym typeface="Poppins"/>
+              </a:rPr>
+              <a:t> – Site estático com 5 páginas</a:t>
+            </a:r>
+          </a:p>
+          <a:p>
+            <a:pPr algn="just">
+              <a:lnSpc>
+                <a:spcPts val="3640"/>
+              </a:lnSpc>
+            </a:pPr>
             <a:endParaRPr lang="en-US" sz="2600">
               <a:solidFill>
                 <a:srgbClr val="000000"/>
               </a:solidFill>
-              <a:latin typeface="Poppins" panose="00000500000000000000"/>
-              <a:ea typeface="Poppins" panose="00000500000000000000"/>
-              <a:cs typeface="Poppins" panose="00000500000000000000"/>
-              <a:sym typeface="Poppins" panose="00000500000000000000"/>
+              <a:latin typeface="Poppins"/>
+              <a:ea typeface="Poppins"/>
+              <a:cs typeface="Poppins"/>
+              <a:sym typeface="Poppins"/>
             </a:endParaRPr>
           </a:p>
           <a:p>
@@ -7598,33 +6423,33 @@
                 <a:spcPts val="3640"/>
               </a:lnSpc>
             </a:pPr>
-          </a:p>
-          <a:p>
-            <a:pPr algn="just">
-              <a:lnSpc>
-                <a:spcPts val="3640"/>
-              </a:lnSpc>
-            </a:pPr>
             <a:r>
               <a:rPr lang="en-US" sz="2600">
                 <a:solidFill>
                   <a:srgbClr val="000000"/>
                 </a:solidFill>
-                <a:latin typeface="Poppins" panose="00000500000000000000"/>
-                <a:ea typeface="Poppins" panose="00000500000000000000"/>
-                <a:cs typeface="Poppins" panose="00000500000000000000"/>
-                <a:sym typeface="Poppins" panose="00000500000000000000"/>
+                <a:latin typeface="Poppins"/>
+                <a:ea typeface="Poppins"/>
+                <a:cs typeface="Poppins"/>
+                <a:sym typeface="Poppins"/>
               </a:rPr>
               <a:t> – Portfólio + depoimentos</a:t>
             </a:r>
+          </a:p>
+          <a:p>
+            <a:pPr algn="just">
+              <a:lnSpc>
+                <a:spcPts val="3640"/>
+              </a:lnSpc>
+            </a:pPr>
             <a:endParaRPr lang="en-US" sz="2600">
               <a:solidFill>
                 <a:srgbClr val="000000"/>
               </a:solidFill>
-              <a:latin typeface="Poppins" panose="00000500000000000000"/>
-              <a:ea typeface="Poppins" panose="00000500000000000000"/>
-              <a:cs typeface="Poppins" panose="00000500000000000000"/>
-              <a:sym typeface="Poppins" panose="00000500000000000000"/>
+              <a:latin typeface="Poppins"/>
+              <a:ea typeface="Poppins"/>
+              <a:cs typeface="Poppins"/>
+              <a:sym typeface="Poppins"/>
             </a:endParaRPr>
           </a:p>
           <a:p>
@@ -7633,33 +6458,33 @@
                 <a:spcPts val="3640"/>
               </a:lnSpc>
             </a:pPr>
-          </a:p>
-          <a:p>
-            <a:pPr algn="just">
-              <a:lnSpc>
-                <a:spcPts val="3640"/>
-              </a:lnSpc>
-            </a:pPr>
             <a:r>
               <a:rPr lang="en-US" sz="2600">
                 <a:solidFill>
                   <a:srgbClr val="000000"/>
                 </a:solidFill>
-                <a:latin typeface="Poppins" panose="00000500000000000000"/>
-                <a:ea typeface="Poppins" panose="00000500000000000000"/>
-                <a:cs typeface="Poppins" panose="00000500000000000000"/>
-                <a:sym typeface="Poppins" panose="00000500000000000000"/>
+                <a:latin typeface="Poppins"/>
+                <a:ea typeface="Poppins"/>
+                <a:cs typeface="Poppins"/>
+                <a:sym typeface="Poppins"/>
               </a:rPr>
               <a:t> – Links funcionais e responsividade</a:t>
             </a:r>
+          </a:p>
+          <a:p>
+            <a:pPr algn="just">
+              <a:lnSpc>
+                <a:spcPts val="3640"/>
+              </a:lnSpc>
+            </a:pPr>
             <a:endParaRPr lang="en-US" sz="2600">
               <a:solidFill>
                 <a:srgbClr val="000000"/>
               </a:solidFill>
-              <a:latin typeface="Poppins" panose="00000500000000000000"/>
-              <a:ea typeface="Poppins" panose="00000500000000000000"/>
-              <a:cs typeface="Poppins" panose="00000500000000000000"/>
-              <a:sym typeface="Poppins" panose="00000500000000000000"/>
+              <a:latin typeface="Poppins"/>
+              <a:ea typeface="Poppins"/>
+              <a:cs typeface="Poppins"/>
+              <a:sym typeface="Poppins"/>
             </a:endParaRPr>
           </a:p>
           <a:p>
@@ -7668,33 +6493,33 @@
                 <a:spcPts val="3640"/>
               </a:lnSpc>
             </a:pPr>
-          </a:p>
-          <a:p>
-            <a:pPr algn="just">
-              <a:lnSpc>
-                <a:spcPts val="3640"/>
-              </a:lnSpc>
-            </a:pPr>
             <a:r>
               <a:rPr lang="en-US" sz="2600">
                 <a:solidFill>
                   <a:srgbClr val="000000"/>
                 </a:solidFill>
-                <a:latin typeface="Poppins" panose="00000500000000000000"/>
-                <a:ea typeface="Poppins" panose="00000500000000000000"/>
-                <a:cs typeface="Poppins" panose="00000500000000000000"/>
-                <a:sym typeface="Poppins" panose="00000500000000000000"/>
+                <a:latin typeface="Poppins"/>
+                <a:ea typeface="Poppins"/>
+                <a:cs typeface="Poppins"/>
+                <a:sym typeface="Poppins"/>
               </a:rPr>
               <a:t> – Imagens otimizadas</a:t>
             </a:r>
+          </a:p>
+          <a:p>
+            <a:pPr algn="just">
+              <a:lnSpc>
+                <a:spcPts val="3640"/>
+              </a:lnSpc>
+            </a:pPr>
             <a:endParaRPr lang="en-US" sz="2600">
               <a:solidFill>
                 <a:srgbClr val="000000"/>
               </a:solidFill>
-              <a:latin typeface="Poppins" panose="00000500000000000000"/>
-              <a:ea typeface="Poppins" panose="00000500000000000000"/>
-              <a:cs typeface="Poppins" panose="00000500000000000000"/>
-              <a:sym typeface="Poppins" panose="00000500000000000000"/>
+              <a:latin typeface="Poppins"/>
+              <a:ea typeface="Poppins"/>
+              <a:cs typeface="Poppins"/>
+              <a:sym typeface="Poppins"/>
             </a:endParaRPr>
           </a:p>
           <a:p>
@@ -7703,34 +6528,18 @@
                 <a:spcPts val="3640"/>
               </a:lnSpc>
             </a:pPr>
-          </a:p>
-          <a:p>
-            <a:pPr algn="just">
-              <a:lnSpc>
-                <a:spcPts val="3640"/>
-              </a:lnSpc>
-            </a:pPr>
             <a:r>
               <a:rPr lang="en-US" sz="2600">
                 <a:solidFill>
                   <a:srgbClr val="000000"/>
                 </a:solidFill>
-                <a:latin typeface="Poppins" panose="00000500000000000000"/>
-                <a:ea typeface="Poppins" panose="00000500000000000000"/>
-                <a:cs typeface="Poppins" panose="00000500000000000000"/>
-                <a:sym typeface="Poppins" panose="00000500000000000000"/>
+                <a:latin typeface="Poppins"/>
+                <a:ea typeface="Poppins"/>
+                <a:cs typeface="Poppins"/>
+                <a:sym typeface="Poppins"/>
               </a:rPr>
               <a:t> – Código organizado e deploy no GitHub Pages e Infinityfree</a:t>
             </a:r>
-            <a:endParaRPr lang="en-US" sz="2600">
-              <a:solidFill>
-                <a:srgbClr val="000000"/>
-              </a:solidFill>
-              <a:latin typeface="Poppins" panose="00000500000000000000"/>
-              <a:ea typeface="Poppins" panose="00000500000000000000"/>
-              <a:cs typeface="Poppins" panose="00000500000000000000"/>
-              <a:sym typeface="Poppins" panose="00000500000000000000"/>
-            </a:endParaRPr>
           </a:p>
         </p:txBody>
       </p:sp>
@@ -7769,60 +6578,7 @@
       </p:grpSpPr>
       <p:sp>
         <p:nvSpPr>
-          <p:cNvPr id="2" name="Freeform 2"/>
-          <p:cNvSpPr/>
-          <p:nvPr/>
-        </p:nvSpPr>
-        <p:spPr>
-          <a:xfrm>
-            <a:off x="-1403169" y="1028700"/>
-            <a:ext cx="11514352" cy="11535325"/>
-          </a:xfrm>
-          <a:custGeom>
-            <a:avLst/>
-            <a:gdLst/>
-            <a:ahLst/>
-            <a:cxnLst/>
-            <a:rect l="l" t="t" r="r" b="b"/>
-            <a:pathLst>
-              <a:path w="11514352" h="11535325">
-                <a:moveTo>
-                  <a:pt x="0" y="0"/>
-                </a:moveTo>
-                <a:lnTo>
-                  <a:pt x="11514351" y="0"/>
-                </a:lnTo>
-                <a:lnTo>
-                  <a:pt x="11514351" y="11535325"/>
-                </a:lnTo>
-                <a:lnTo>
-                  <a:pt x="0" y="11535325"/>
-                </a:lnTo>
-                <a:lnTo>
-                  <a:pt x="0" y="0"/>
-                </a:lnTo>
-                <a:close/>
-              </a:path>
-            </a:pathLst>
-          </a:custGeom>
-          <a:blipFill>
-            <a:blip r:embed="rId1">
-              <a:alphaModFix amt="40000"/>
-              <a:extLst>
-                <a:ext uri="{96DAC541-7B7A-43D3-8B79-37D633B846F1}">
-                  <asvg:svgBlip xmlns:asvg="http://schemas.microsoft.com/office/drawing/2016/SVG/main" r:embed="rId2"/>
-                </a:ext>
-              </a:extLst>
-            </a:blip>
-            <a:stretch>
-              <a:fillRect/>
-            </a:stretch>
-          </a:blipFill>
-        </p:spPr>
-      </p:sp>
-      <p:sp>
-        <p:nvSpPr>
-          <p:cNvPr id="3" name="TextBox 3"/>
+          <p:cNvPr id="2" name="TextBox 2"/>
           <p:cNvSpPr txBox="1"/>
           <p:nvPr/>
         </p:nvSpPr>
@@ -7851,34 +6607,25 @@
                 <a:solidFill>
                   <a:srgbClr val="3A7AFE"/>
                 </a:solidFill>
-                <a:latin typeface="Montserrat Bold" panose="00000800000000000000"/>
-                <a:ea typeface="Montserrat Bold" panose="00000800000000000000"/>
-                <a:cs typeface="Montserrat Bold" panose="00000800000000000000"/>
-                <a:sym typeface="Montserrat Bold" panose="00000800000000000000"/>
+                <a:latin typeface="Montserrat Bold"/>
+                <a:ea typeface="Montserrat Bold"/>
+                <a:cs typeface="Montserrat Bold"/>
+                <a:sym typeface="Montserrat Bold"/>
               </a:rPr>
               <a:t>Organização e Metodologia</a:t>
             </a:r>
-            <a:endParaRPr lang="en-US" sz="4400" b="1">
-              <a:solidFill>
-                <a:srgbClr val="3A7AFE"/>
-              </a:solidFill>
-              <a:latin typeface="Montserrat Bold" panose="00000800000000000000"/>
-              <a:ea typeface="Montserrat Bold" panose="00000800000000000000"/>
-              <a:cs typeface="Montserrat Bold" panose="00000800000000000000"/>
-              <a:sym typeface="Montserrat Bold" panose="00000800000000000000"/>
-            </a:endParaRPr>
-          </a:p>
-        </p:txBody>
-      </p:sp>
-      <p:sp>
-        <p:nvSpPr>
-          <p:cNvPr id="4" name="TextBox 4"/>
+          </a:p>
+        </p:txBody>
+      </p:sp>
+      <p:sp>
+        <p:nvSpPr>
+          <p:cNvPr id="3" name="TextBox 3"/>
           <p:cNvSpPr txBox="1"/>
           <p:nvPr/>
         </p:nvSpPr>
         <p:spPr>
           <a:xfrm>
-            <a:off x="2719370" y="2595245"/>
+            <a:off x="2256071" y="3818724"/>
             <a:ext cx="13775859" cy="5029835"/>
           </a:xfrm>
           <a:prstGeom prst="rect">
@@ -7901,21 +6648,28 @@
                 <a:solidFill>
                   <a:srgbClr val="000000"/>
                 </a:solidFill>
-                <a:latin typeface="Poppins" panose="00000500000000000000"/>
-                <a:ea typeface="Poppins" panose="00000500000000000000"/>
-                <a:cs typeface="Poppins" panose="00000500000000000000"/>
-                <a:sym typeface="Poppins" panose="00000500000000000000"/>
+                <a:latin typeface="Poppins"/>
+                <a:ea typeface="Poppins"/>
+                <a:cs typeface="Poppins"/>
+                <a:sym typeface="Poppins"/>
               </a:rPr>
               <a:t>Cronograma: levantamento, protótipo, desenvolvimento, testes e documentação.</a:t>
             </a:r>
+          </a:p>
+          <a:p>
+            <a:pPr algn="just">
+              <a:lnSpc>
+                <a:spcPts val="3640"/>
+              </a:lnSpc>
+            </a:pPr>
             <a:endParaRPr lang="en-US" sz="2600">
               <a:solidFill>
                 <a:srgbClr val="000000"/>
               </a:solidFill>
-              <a:latin typeface="Poppins" panose="00000500000000000000"/>
-              <a:ea typeface="Poppins" panose="00000500000000000000"/>
-              <a:cs typeface="Poppins" panose="00000500000000000000"/>
-              <a:sym typeface="Poppins" panose="00000500000000000000"/>
+              <a:latin typeface="Poppins"/>
+              <a:ea typeface="Poppins"/>
+              <a:cs typeface="Poppins"/>
+              <a:sym typeface="Poppins"/>
             </a:endParaRPr>
           </a:p>
           <a:p>
@@ -7924,40 +6678,14 @@
                 <a:spcPts val="3640"/>
               </a:lnSpc>
             </a:pPr>
-          </a:p>
-          <a:p>
-            <a:pPr algn="just">
-              <a:lnSpc>
-                <a:spcPts val="3640"/>
-              </a:lnSpc>
-            </a:pPr>
-          </a:p>
-          <a:p>
-            <a:pPr algn="just">
-              <a:lnSpc>
-                <a:spcPts val="3640"/>
-              </a:lnSpc>
-            </a:pPr>
-            <a:r>
-              <a:rPr lang="en-US" sz="2600">
-                <a:solidFill>
-                  <a:srgbClr val="000000"/>
-                </a:solidFill>
-                <a:latin typeface="Poppins" panose="00000500000000000000"/>
-                <a:ea typeface="Poppins" panose="00000500000000000000"/>
-                <a:cs typeface="Poppins" panose="00000500000000000000"/>
-                <a:sym typeface="Poppins" panose="00000500000000000000"/>
-              </a:rPr>
-              <a:t>Distribuição de Tarefas:</a:t>
-            </a:r>
             <a:endParaRPr lang="en-US" sz="2600">
               <a:solidFill>
                 <a:srgbClr val="000000"/>
               </a:solidFill>
-              <a:latin typeface="Poppins" panose="00000500000000000000"/>
-              <a:ea typeface="Poppins" panose="00000500000000000000"/>
-              <a:cs typeface="Poppins" panose="00000500000000000000"/>
-              <a:sym typeface="Poppins" panose="00000500000000000000"/>
+              <a:latin typeface="Poppins"/>
+              <a:ea typeface="Poppins"/>
+              <a:cs typeface="Poppins"/>
+              <a:sym typeface="Poppins"/>
             </a:endParaRPr>
           </a:p>
           <a:p>
@@ -7966,33 +6694,33 @@
                 <a:spcPts val="3640"/>
               </a:lnSpc>
             </a:pPr>
-          </a:p>
-          <a:p>
-            <a:pPr algn="just">
-              <a:lnSpc>
-                <a:spcPts val="3640"/>
-              </a:lnSpc>
-            </a:pPr>
             <a:r>
               <a:rPr lang="en-US" sz="2600">
                 <a:solidFill>
                   <a:srgbClr val="000000"/>
                 </a:solidFill>
-                <a:latin typeface="Poppins" panose="00000500000000000000"/>
-                <a:ea typeface="Poppins" panose="00000500000000000000"/>
-                <a:cs typeface="Poppins" panose="00000500000000000000"/>
-                <a:sym typeface="Poppins" panose="00000500000000000000"/>
-              </a:rPr>
-              <a:t>•Gerência de Projeto: Aline (Contato com Cliente, Validação)</a:t>
-            </a:r>
+                <a:latin typeface="Poppins"/>
+                <a:ea typeface="Poppins"/>
+                <a:cs typeface="Poppins"/>
+                <a:sym typeface="Poppins"/>
+              </a:rPr>
+              <a:t>Distribuição de Tarefas:</a:t>
+            </a:r>
+          </a:p>
+          <a:p>
+            <a:pPr algn="just">
+              <a:lnSpc>
+                <a:spcPts val="3640"/>
+              </a:lnSpc>
+            </a:pPr>
             <a:endParaRPr lang="en-US" sz="2600">
               <a:solidFill>
                 <a:srgbClr val="000000"/>
               </a:solidFill>
-              <a:latin typeface="Poppins" panose="00000500000000000000"/>
-              <a:ea typeface="Poppins" panose="00000500000000000000"/>
-              <a:cs typeface="Poppins" panose="00000500000000000000"/>
-              <a:sym typeface="Poppins" panose="00000500000000000000"/>
+              <a:latin typeface="Poppins"/>
+              <a:ea typeface="Poppins"/>
+              <a:cs typeface="Poppins"/>
+              <a:sym typeface="Poppins"/>
             </a:endParaRPr>
           </a:p>
           <a:p>
@@ -8006,21 +6734,85 @@
                 <a:solidFill>
                   <a:srgbClr val="000000"/>
                 </a:solidFill>
-                <a:latin typeface="Poppins" panose="00000500000000000000"/>
-                <a:ea typeface="Poppins" panose="00000500000000000000"/>
-                <a:cs typeface="Poppins" panose="00000500000000000000"/>
-                <a:sym typeface="Poppins" panose="00000500000000000000"/>
+                <a:latin typeface="Poppins"/>
+                <a:ea typeface="Poppins"/>
+                <a:cs typeface="Poppins"/>
+                <a:sym typeface="Poppins"/>
+              </a:rPr>
+              <a:t>•Gerência de Projeto: Aline (Contato com Cliente, Validação)</a:t>
+            </a:r>
+          </a:p>
+          <a:p>
+            <a:pPr algn="just">
+              <a:lnSpc>
+                <a:spcPts val="3640"/>
+              </a:lnSpc>
+            </a:pPr>
+            <a:r>
+              <a:rPr lang="en-US" sz="2600">
+                <a:solidFill>
+                  <a:srgbClr val="000000"/>
+                </a:solidFill>
+                <a:latin typeface="Poppins"/>
+                <a:ea typeface="Poppins"/>
+                <a:cs typeface="Poppins"/>
+                <a:sym typeface="Poppins"/>
               </a:rPr>
               <a:t>•Desenvolvimento Front-End: Gabriel, Aline, Denis e Leonardo</a:t>
             </a:r>
+          </a:p>
+          <a:p>
+            <a:pPr algn="just">
+              <a:lnSpc>
+                <a:spcPts val="3640"/>
+              </a:lnSpc>
+            </a:pPr>
+            <a:r>
+              <a:rPr lang="en-US" sz="2600">
+                <a:solidFill>
+                  <a:srgbClr val="000000"/>
+                </a:solidFill>
+                <a:latin typeface="Poppins"/>
+                <a:ea typeface="Poppins"/>
+                <a:cs typeface="Poppins"/>
+                <a:sym typeface="Poppins"/>
+              </a:rPr>
+              <a:t>•Design / UX: Aline e Guilherme (Wireframes, Paleta, Tipografia)</a:t>
+            </a:r>
+          </a:p>
+          <a:p>
+            <a:pPr algn="just">
+              <a:lnSpc>
+                <a:spcPts val="3640"/>
+              </a:lnSpc>
+            </a:pPr>
+            <a:r>
+              <a:rPr lang="en-US" sz="2600">
+                <a:solidFill>
+                  <a:srgbClr val="000000"/>
+                </a:solidFill>
+                <a:latin typeface="Poppins"/>
+                <a:ea typeface="Poppins"/>
+                <a:cs typeface="Poppins"/>
+                <a:sym typeface="Poppins"/>
+              </a:rPr>
+              <a:t>•QA / Testes: Gabriel e Aline (Testes, Revisão Ortográfica)</a:t>
+            </a:r>
+          </a:p>
+          <a:p>
+            <a:pPr algn="just">
+              <a:lnSpc>
+                <a:spcPts val="3640"/>
+              </a:lnSpc>
+            </a:pPr>
             <a:endParaRPr lang="en-US" sz="2600">
               <a:solidFill>
                 <a:srgbClr val="000000"/>
               </a:solidFill>
-              <a:latin typeface="Poppins" panose="00000500000000000000"/>
-              <a:ea typeface="Poppins" panose="00000500000000000000"/>
-              <a:cs typeface="Poppins" panose="00000500000000000000"/>
-              <a:sym typeface="Poppins" panose="00000500000000000000"/>
+              <a:latin typeface="Poppins"/>
+              <a:ea typeface="Poppins"/>
+              <a:cs typeface="Poppins"/>
+              <a:sym typeface="Poppins"/>
             </a:endParaRPr>
           </a:p>
           <a:p>
@@ -8034,85 +6826,13 @@
                 <a:solidFill>
                   <a:srgbClr val="000000"/>
                 </a:solidFill>
-                <a:latin typeface="Poppins" panose="00000500000000000000"/>
-                <a:ea typeface="Poppins" panose="00000500000000000000"/>
-                <a:cs typeface="Poppins" panose="00000500000000000000"/>
-                <a:sym typeface="Poppins" panose="00000500000000000000"/>
-              </a:rPr>
-              <a:t>•Design / UX: Aline e Guilherme (Wireframes, Paleta, Tipografia)</a:t>
-            </a:r>
-            <a:endParaRPr lang="en-US" sz="2600">
-              <a:solidFill>
-                <a:srgbClr val="000000"/>
-              </a:solidFill>
-              <a:latin typeface="Poppins" panose="00000500000000000000"/>
-              <a:ea typeface="Poppins" panose="00000500000000000000"/>
-              <a:cs typeface="Poppins" panose="00000500000000000000"/>
-              <a:sym typeface="Poppins" panose="00000500000000000000"/>
-            </a:endParaRPr>
-          </a:p>
-          <a:p>
-            <a:pPr algn="just">
-              <a:lnSpc>
-                <a:spcPts val="3640"/>
-              </a:lnSpc>
-            </a:pPr>
-            <a:r>
-              <a:rPr lang="en-US" sz="2600">
-                <a:solidFill>
-                  <a:srgbClr val="000000"/>
-                </a:solidFill>
-                <a:latin typeface="Poppins" panose="00000500000000000000"/>
-                <a:ea typeface="Poppins" panose="00000500000000000000"/>
-                <a:cs typeface="Poppins" panose="00000500000000000000"/>
-                <a:sym typeface="Poppins" panose="00000500000000000000"/>
-              </a:rPr>
-              <a:t>•QA / Testes: Gabriel e Aline (Testes, Revisão Ortográfica)</a:t>
-            </a:r>
-            <a:endParaRPr lang="en-US" sz="2600">
-              <a:solidFill>
-                <a:srgbClr val="000000"/>
-              </a:solidFill>
-              <a:latin typeface="Poppins" panose="00000500000000000000"/>
-              <a:ea typeface="Poppins" panose="00000500000000000000"/>
-              <a:cs typeface="Poppins" panose="00000500000000000000"/>
-              <a:sym typeface="Poppins" panose="00000500000000000000"/>
-            </a:endParaRPr>
-          </a:p>
-          <a:p>
-            <a:pPr algn="just">
-              <a:lnSpc>
-                <a:spcPts val="3640"/>
-              </a:lnSpc>
-            </a:pPr>
-          </a:p>
-          <a:p>
-            <a:pPr algn="just">
-              <a:lnSpc>
-                <a:spcPts val="3640"/>
-              </a:lnSpc>
-            </a:pPr>
-            <a:r>
-              <a:rPr lang="en-US" sz="2600">
-                <a:solidFill>
-                  <a:srgbClr val="000000"/>
-                </a:solidFill>
-                <a:latin typeface="Poppins" panose="00000500000000000000"/>
-                <a:ea typeface="Poppins" panose="00000500000000000000"/>
-                <a:cs typeface="Poppins" panose="00000500000000000000"/>
-                <a:sym typeface="Poppins" panose="00000500000000000000"/>
+                <a:latin typeface="Poppins"/>
+                <a:ea typeface="Poppins"/>
+                <a:cs typeface="Poppins"/>
+                <a:sym typeface="Poppins"/>
               </a:rPr>
               <a:t>Metodologia: Prototipação Evolutiva, com validações contínuas.</a:t>
             </a:r>
-            <a:endParaRPr lang="en-US" sz="2600">
-              <a:solidFill>
-                <a:srgbClr val="000000"/>
-              </a:solidFill>
-              <a:latin typeface="Poppins" panose="00000500000000000000"/>
-              <a:ea typeface="Poppins" panose="00000500000000000000"/>
-              <a:cs typeface="Poppins" panose="00000500000000000000"/>
-              <a:sym typeface="Poppins" panose="00000500000000000000"/>
-            </a:endParaRPr>
           </a:p>
         </p:txBody>
       </p:sp>
@@ -8151,60 +6871,7 @@
       </p:grpSpPr>
       <p:sp>
         <p:nvSpPr>
-          <p:cNvPr id="2" name="Freeform 2"/>
-          <p:cNvSpPr/>
-          <p:nvPr/>
-        </p:nvSpPr>
-        <p:spPr>
-          <a:xfrm>
-            <a:off x="-1403169" y="1028700"/>
-            <a:ext cx="11514352" cy="11535325"/>
-          </a:xfrm>
-          <a:custGeom>
-            <a:avLst/>
-            <a:gdLst/>
-            <a:ahLst/>
-            <a:cxnLst/>
-            <a:rect l="l" t="t" r="r" b="b"/>
-            <a:pathLst>
-              <a:path w="11514352" h="11535325">
-                <a:moveTo>
-                  <a:pt x="0" y="0"/>
-                </a:moveTo>
-                <a:lnTo>
-                  <a:pt x="11514351" y="0"/>
-                </a:lnTo>
-                <a:lnTo>
-                  <a:pt x="11514351" y="11535325"/>
-                </a:lnTo>
-                <a:lnTo>
-                  <a:pt x="0" y="11535325"/>
-                </a:lnTo>
-                <a:lnTo>
-                  <a:pt x="0" y="0"/>
-                </a:lnTo>
-                <a:close/>
-              </a:path>
-            </a:pathLst>
-          </a:custGeom>
-          <a:blipFill>
-            <a:blip r:embed="rId1">
-              <a:alphaModFix amt="40000"/>
-              <a:extLst>
-                <a:ext uri="{96DAC541-7B7A-43D3-8B79-37D633B846F1}">
-                  <asvg:svgBlip xmlns:asvg="http://schemas.microsoft.com/office/drawing/2016/SVG/main" r:embed="rId2"/>
-                </a:ext>
-              </a:extLst>
-            </a:blip>
-            <a:stretch>
-              <a:fillRect/>
-            </a:stretch>
-          </a:blipFill>
-        </p:spPr>
-      </p:sp>
-      <p:sp>
-        <p:nvSpPr>
-          <p:cNvPr id="3" name="TextBox 3"/>
+          <p:cNvPr id="2" name="TextBox 2"/>
           <p:cNvSpPr txBox="1"/>
           <p:nvPr/>
         </p:nvSpPr>
@@ -8233,34 +6900,25 @@
                 <a:solidFill>
                   <a:srgbClr val="3A7AFE"/>
                 </a:solidFill>
-                <a:latin typeface="Montserrat Bold" panose="00000800000000000000"/>
-                <a:ea typeface="Montserrat Bold" panose="00000800000000000000"/>
-                <a:cs typeface="Montserrat Bold" panose="00000800000000000000"/>
-                <a:sym typeface="Montserrat Bold" panose="00000800000000000000"/>
+                <a:latin typeface="Montserrat Bold"/>
+                <a:ea typeface="Montserrat Bold"/>
+                <a:cs typeface="Montserrat Bold"/>
+                <a:sym typeface="Montserrat Bold"/>
               </a:rPr>
               <a:t>Stack de Ferramentas Colaborativas</a:t>
             </a:r>
-            <a:endParaRPr lang="en-US" sz="4400" b="1">
-              <a:solidFill>
-                <a:srgbClr val="3A7AFE"/>
-              </a:solidFill>
-              <a:latin typeface="Montserrat Bold" panose="00000800000000000000"/>
-              <a:ea typeface="Montserrat Bold" panose="00000800000000000000"/>
-              <a:cs typeface="Montserrat Bold" panose="00000800000000000000"/>
-              <a:sym typeface="Montserrat Bold" panose="00000800000000000000"/>
-            </a:endParaRPr>
-          </a:p>
-        </p:txBody>
-      </p:sp>
-      <p:sp>
-        <p:nvSpPr>
-          <p:cNvPr id="4" name="TextBox 4"/>
+          </a:p>
+        </p:txBody>
+      </p:sp>
+      <p:sp>
+        <p:nvSpPr>
+          <p:cNvPr id="3" name="TextBox 3"/>
           <p:cNvSpPr txBox="1"/>
           <p:nvPr/>
         </p:nvSpPr>
         <p:spPr>
           <a:xfrm>
-            <a:off x="2721203" y="3590544"/>
+            <a:off x="2216408" y="3910979"/>
             <a:ext cx="13855183" cy="4572635"/>
           </a:xfrm>
           <a:prstGeom prst="rect">
@@ -8283,21 +6941,28 @@
                 <a:solidFill>
                   <a:srgbClr val="000000"/>
                 </a:solidFill>
-                <a:latin typeface="Poppins" panose="00000500000000000000"/>
-                <a:ea typeface="Poppins" panose="00000500000000000000"/>
-                <a:cs typeface="Poppins" panose="00000500000000000000"/>
-                <a:sym typeface="Poppins" panose="00000500000000000000"/>
+                <a:latin typeface="Poppins"/>
+                <a:ea typeface="Poppins"/>
+                <a:cs typeface="Poppins"/>
+                <a:sym typeface="Poppins"/>
               </a:rPr>
               <a:t>•Design/Protótipo: Figma (Wireframes) e Photopea (Edição de Imagens).</a:t>
             </a:r>
+          </a:p>
+          <a:p>
+            <a:pPr algn="just">
+              <a:lnSpc>
+                <a:spcPts val="3640"/>
+              </a:lnSpc>
+            </a:pPr>
             <a:endParaRPr lang="en-US" sz="2600">
               <a:solidFill>
                 <a:srgbClr val="000000"/>
               </a:solidFill>
-              <a:latin typeface="Poppins" panose="00000500000000000000"/>
-              <a:ea typeface="Poppins" panose="00000500000000000000"/>
-              <a:cs typeface="Poppins" panose="00000500000000000000"/>
-              <a:sym typeface="Poppins" panose="00000500000000000000"/>
+              <a:latin typeface="Poppins"/>
+              <a:ea typeface="Poppins"/>
+              <a:cs typeface="Poppins"/>
+              <a:sym typeface="Poppins"/>
             </a:endParaRPr>
           </a:p>
           <a:p>
@@ -8306,33 +6971,33 @@
                 <a:spcPts val="3640"/>
               </a:lnSpc>
             </a:pPr>
-          </a:p>
-          <a:p>
-            <a:pPr algn="just">
-              <a:lnSpc>
-                <a:spcPts val="3640"/>
-              </a:lnSpc>
-            </a:pPr>
             <a:r>
               <a:rPr lang="en-US" sz="2600">
                 <a:solidFill>
                   <a:srgbClr val="000000"/>
                 </a:solidFill>
-                <a:latin typeface="Poppins" panose="00000500000000000000"/>
-                <a:ea typeface="Poppins" panose="00000500000000000000"/>
-                <a:cs typeface="Poppins" panose="00000500000000000000"/>
-                <a:sym typeface="Poppins" panose="00000500000000000000"/>
+                <a:latin typeface="Poppins"/>
+                <a:ea typeface="Poppins"/>
+                <a:cs typeface="Poppins"/>
+                <a:sym typeface="Poppins"/>
               </a:rPr>
               <a:t>•Controle de Versão: Git e GitHub (Versionamento Contínuo, Branches por Feature).</a:t>
             </a:r>
+          </a:p>
+          <a:p>
+            <a:pPr algn="just">
+              <a:lnSpc>
+                <a:spcPts val="3640"/>
+              </a:lnSpc>
+            </a:pPr>
             <a:endParaRPr lang="en-US" sz="2600">
               <a:solidFill>
                 <a:srgbClr val="000000"/>
               </a:solidFill>
-              <a:latin typeface="Poppins" panose="00000500000000000000"/>
-              <a:ea typeface="Poppins" panose="00000500000000000000"/>
-              <a:cs typeface="Poppins" panose="00000500000000000000"/>
-              <a:sym typeface="Poppins" panose="00000500000000000000"/>
+              <a:latin typeface="Poppins"/>
+              <a:ea typeface="Poppins"/>
+              <a:cs typeface="Poppins"/>
+              <a:sym typeface="Poppins"/>
             </a:endParaRPr>
           </a:p>
           <a:p>
@@ -8341,33 +7006,33 @@
                 <a:spcPts val="3640"/>
               </a:lnSpc>
             </a:pPr>
-          </a:p>
-          <a:p>
-            <a:pPr algn="just">
-              <a:lnSpc>
-                <a:spcPts val="3640"/>
-              </a:lnSpc>
-            </a:pPr>
             <a:r>
               <a:rPr lang="en-US" sz="2600">
                 <a:solidFill>
                   <a:srgbClr val="000000"/>
                 </a:solidFill>
-                <a:latin typeface="Poppins" panose="00000500000000000000"/>
-                <a:ea typeface="Poppins" panose="00000500000000000000"/>
-                <a:cs typeface="Poppins" panose="00000500000000000000"/>
-                <a:sym typeface="Poppins" panose="00000500000000000000"/>
+                <a:latin typeface="Poppins"/>
+                <a:ea typeface="Poppins"/>
+                <a:cs typeface="Poppins"/>
+                <a:sym typeface="Poppins"/>
               </a:rPr>
               <a:t>•Hospedagem: GitHub Pages e Infinityfree (Soluções gratuitas para sites estáticos).</a:t>
             </a:r>
+          </a:p>
+          <a:p>
+            <a:pPr algn="just">
+              <a:lnSpc>
+                <a:spcPts val="3640"/>
+              </a:lnSpc>
+            </a:pPr>
             <a:endParaRPr lang="en-US" sz="2600">
               <a:solidFill>
                 <a:srgbClr val="000000"/>
               </a:solidFill>
-              <a:latin typeface="Poppins" panose="00000500000000000000"/>
-              <a:ea typeface="Poppins" panose="00000500000000000000"/>
-              <a:cs typeface="Poppins" panose="00000500000000000000"/>
-              <a:sym typeface="Poppins" panose="00000500000000000000"/>
+              <a:latin typeface="Poppins"/>
+              <a:ea typeface="Poppins"/>
+              <a:cs typeface="Poppins"/>
+              <a:sym typeface="Poppins"/>
             </a:endParaRPr>
           </a:p>
           <a:p>
@@ -8376,33 +7041,33 @@
                 <a:spcPts val="3640"/>
               </a:lnSpc>
             </a:pPr>
-          </a:p>
-          <a:p>
-            <a:pPr algn="just">
-              <a:lnSpc>
-                <a:spcPts val="3640"/>
-              </a:lnSpc>
-            </a:pPr>
             <a:r>
               <a:rPr lang="en-US" sz="2600">
                 <a:solidFill>
                   <a:srgbClr val="000000"/>
                 </a:solidFill>
-                <a:latin typeface="Poppins" panose="00000500000000000000"/>
-                <a:ea typeface="Poppins" panose="00000500000000000000"/>
-                <a:cs typeface="Poppins" panose="00000500000000000000"/>
-                <a:sym typeface="Poppins" panose="00000500000000000000"/>
+                <a:latin typeface="Poppins"/>
+                <a:ea typeface="Poppins"/>
+                <a:cs typeface="Poppins"/>
+                <a:sym typeface="Poppins"/>
               </a:rPr>
               <a:t>•Editor de Código: Visual Studio Code.</a:t>
             </a:r>
+          </a:p>
+          <a:p>
+            <a:pPr algn="just">
+              <a:lnSpc>
+                <a:spcPts val="3640"/>
+              </a:lnSpc>
+            </a:pPr>
             <a:endParaRPr lang="en-US" sz="2600">
               <a:solidFill>
                 <a:srgbClr val="000000"/>
               </a:solidFill>
-              <a:latin typeface="Poppins" panose="00000500000000000000"/>
-              <a:ea typeface="Poppins" panose="00000500000000000000"/>
-              <a:cs typeface="Poppins" panose="00000500000000000000"/>
-              <a:sym typeface="Poppins" panose="00000500000000000000"/>
+              <a:latin typeface="Poppins"/>
+              <a:ea typeface="Poppins"/>
+              <a:cs typeface="Poppins"/>
+              <a:sym typeface="Poppins"/>
             </a:endParaRPr>
           </a:p>
           <a:p>
@@ -8411,41 +7076,34 @@
                 <a:spcPts val="3640"/>
               </a:lnSpc>
             </a:pPr>
-          </a:p>
-          <a:p>
-            <a:pPr algn="just">
-              <a:lnSpc>
-                <a:spcPts val="3640"/>
-              </a:lnSpc>
-            </a:pPr>
             <a:r>
               <a:rPr lang="en-US" sz="2600">
                 <a:solidFill>
                   <a:srgbClr val="000000"/>
                 </a:solidFill>
-                <a:latin typeface="Poppins" panose="00000500000000000000"/>
-                <a:ea typeface="Poppins" panose="00000500000000000000"/>
-                <a:cs typeface="Poppins" panose="00000500000000000000"/>
-                <a:sym typeface="Poppins" panose="00000500000000000000"/>
+                <a:latin typeface="Poppins"/>
+                <a:ea typeface="Poppins"/>
+                <a:cs typeface="Poppins"/>
+                <a:sym typeface="Poppins"/>
               </a:rPr>
               <a:t>•Comunicação: WhatsApp.</a:t>
             </a:r>
+          </a:p>
+          <a:p>
+            <a:pPr algn="just">
+              <a:lnSpc>
+                <a:spcPts val="3640"/>
+              </a:lnSpc>
+            </a:pPr>
             <a:endParaRPr lang="en-US" sz="2600">
               <a:solidFill>
                 <a:srgbClr val="000000"/>
               </a:solidFill>
-              <a:latin typeface="Poppins" panose="00000500000000000000"/>
-              <a:ea typeface="Poppins" panose="00000500000000000000"/>
-              <a:cs typeface="Poppins" panose="00000500000000000000"/>
-              <a:sym typeface="Poppins" panose="00000500000000000000"/>
+              <a:latin typeface="Poppins"/>
+              <a:ea typeface="Poppins"/>
+              <a:cs typeface="Poppins"/>
+              <a:sym typeface="Poppins"/>
             </a:endParaRPr>
-          </a:p>
-          <a:p>
-            <a:pPr algn="just">
-              <a:lnSpc>
-                <a:spcPts val="3640"/>
-              </a:lnSpc>
-            </a:pPr>
           </a:p>
         </p:txBody>
       </p:sp>
@@ -8513,22 +7171,13 @@
                 <a:solidFill>
                   <a:srgbClr val="3A7AFE"/>
                 </a:solidFill>
-                <a:latin typeface="Montserrat Bold" panose="00000800000000000000"/>
-                <a:ea typeface="Montserrat Bold" panose="00000800000000000000"/>
-                <a:cs typeface="Montserrat Bold" panose="00000800000000000000"/>
-                <a:sym typeface="Montserrat Bold" panose="00000800000000000000"/>
+                <a:latin typeface="Montserrat Bold"/>
+                <a:ea typeface="Montserrat Bold"/>
+                <a:cs typeface="Montserrat Bold"/>
+                <a:sym typeface="Montserrat Bold"/>
               </a:rPr>
               <a:t>Requisitos Funcionais</a:t>
             </a:r>
-            <a:endParaRPr lang="en-US" sz="4400" b="1">
-              <a:solidFill>
-                <a:srgbClr val="3A7AFE"/>
-              </a:solidFill>
-              <a:latin typeface="Montserrat Bold" panose="00000800000000000000"/>
-              <a:ea typeface="Montserrat Bold" panose="00000800000000000000"/>
-              <a:cs typeface="Montserrat Bold" panose="00000800000000000000"/>
-              <a:sym typeface="Montserrat Bold" panose="00000800000000000000"/>
-            </a:endParaRPr>
           </a:p>
         </p:txBody>
       </p:sp>
@@ -8540,7 +7189,7 @@
         </p:nvSpPr>
         <p:spPr>
           <a:xfrm>
-            <a:off x="4665537" y="3640776"/>
+            <a:off x="4665537" y="3873820"/>
             <a:ext cx="8956925" cy="4115435"/>
           </a:xfrm>
           <a:prstGeom prst="rect">
@@ -8563,21 +7212,28 @@
                 <a:solidFill>
                   <a:srgbClr val="000000"/>
                 </a:solidFill>
-                <a:latin typeface="Poppins" panose="00000500000000000000"/>
-                <a:ea typeface="Poppins" panose="00000500000000000000"/>
-                <a:cs typeface="Poppins" panose="00000500000000000000"/>
-                <a:sym typeface="Poppins" panose="00000500000000000000"/>
+                <a:latin typeface="Poppins"/>
+                <a:ea typeface="Poppins"/>
+                <a:cs typeface="Poppins"/>
+                <a:sym typeface="Poppins"/>
               </a:rPr>
               <a:t>Navegação entre as 5 páginas.</a:t>
             </a:r>
+          </a:p>
+          <a:p>
+            <a:pPr algn="just">
+              <a:lnSpc>
+                <a:spcPts val="3640"/>
+              </a:lnSpc>
+            </a:pPr>
             <a:endParaRPr lang="en-US" sz="2600">
               <a:solidFill>
                 <a:srgbClr val="000000"/>
               </a:solidFill>
-              <a:latin typeface="Poppins" panose="00000500000000000000"/>
-              <a:ea typeface="Poppins" panose="00000500000000000000"/>
-              <a:cs typeface="Poppins" panose="00000500000000000000"/>
-              <a:sym typeface="Poppins" panose="00000500000000000000"/>
+              <a:latin typeface="Poppins"/>
+              <a:ea typeface="Poppins"/>
+              <a:cs typeface="Poppins"/>
+              <a:sym typeface="Poppins"/>
             </a:endParaRPr>
           </a:p>
           <a:p>
@@ -8586,33 +7242,33 @@
                 <a:spcPts val="3640"/>
               </a:lnSpc>
             </a:pPr>
-          </a:p>
-          <a:p>
-            <a:pPr algn="just">
-              <a:lnSpc>
-                <a:spcPts val="3640"/>
-              </a:lnSpc>
-            </a:pPr>
             <a:r>
               <a:rPr lang="en-US" sz="2600">
                 <a:solidFill>
                   <a:srgbClr val="000000"/>
                 </a:solidFill>
-                <a:latin typeface="Poppins" panose="00000500000000000000"/>
-                <a:ea typeface="Poppins" panose="00000500000000000000"/>
-                <a:cs typeface="Poppins" panose="00000500000000000000"/>
-                <a:sym typeface="Poppins" panose="00000500000000000000"/>
+                <a:latin typeface="Poppins"/>
+                <a:ea typeface="Poppins"/>
+                <a:cs typeface="Poppins"/>
+                <a:sym typeface="Poppins"/>
               </a:rPr>
               <a:t>Exibição detalhada de serviços e imagens.</a:t>
             </a:r>
+          </a:p>
+          <a:p>
+            <a:pPr algn="just">
+              <a:lnSpc>
+                <a:spcPts val="3640"/>
+              </a:lnSpc>
+            </a:pPr>
             <a:endParaRPr lang="en-US" sz="2600">
               <a:solidFill>
                 <a:srgbClr val="000000"/>
               </a:solidFill>
-              <a:latin typeface="Poppins" panose="00000500000000000000"/>
-              <a:ea typeface="Poppins" panose="00000500000000000000"/>
-              <a:cs typeface="Poppins" panose="00000500000000000000"/>
-              <a:sym typeface="Poppins" panose="00000500000000000000"/>
+              <a:latin typeface="Poppins"/>
+              <a:ea typeface="Poppins"/>
+              <a:cs typeface="Poppins"/>
+              <a:sym typeface="Poppins"/>
             </a:endParaRPr>
           </a:p>
           <a:p>
@@ -8621,33 +7277,33 @@
                 <a:spcPts val="3640"/>
               </a:lnSpc>
             </a:pPr>
-          </a:p>
-          <a:p>
-            <a:pPr algn="just">
-              <a:lnSpc>
-                <a:spcPts val="3640"/>
-              </a:lnSpc>
-            </a:pPr>
             <a:r>
               <a:rPr lang="en-US" sz="2600">
                 <a:solidFill>
                   <a:srgbClr val="000000"/>
                 </a:solidFill>
-                <a:latin typeface="Poppins" panose="00000500000000000000"/>
-                <a:ea typeface="Poppins" panose="00000500000000000000"/>
-                <a:cs typeface="Poppins" panose="00000500000000000000"/>
-                <a:sym typeface="Poppins" panose="00000500000000000000"/>
+                <a:latin typeface="Poppins"/>
+                <a:ea typeface="Poppins"/>
+                <a:cs typeface="Poppins"/>
+                <a:sym typeface="Poppins"/>
               </a:rPr>
               <a:t>Links de redirecionamento para redes sociais.</a:t>
             </a:r>
+          </a:p>
+          <a:p>
+            <a:pPr algn="just">
+              <a:lnSpc>
+                <a:spcPts val="3640"/>
+              </a:lnSpc>
+            </a:pPr>
             <a:endParaRPr lang="en-US" sz="2600">
               <a:solidFill>
                 <a:srgbClr val="000000"/>
               </a:solidFill>
-              <a:latin typeface="Poppins" panose="00000500000000000000"/>
-              <a:ea typeface="Poppins" panose="00000500000000000000"/>
-              <a:cs typeface="Poppins" panose="00000500000000000000"/>
-              <a:sym typeface="Poppins" panose="00000500000000000000"/>
+              <a:latin typeface="Poppins"/>
+              <a:ea typeface="Poppins"/>
+              <a:cs typeface="Poppins"/>
+              <a:sym typeface="Poppins"/>
             </a:endParaRPr>
           </a:p>
           <a:p>
@@ -8656,33 +7312,33 @@
                 <a:spcPts val="3640"/>
               </a:lnSpc>
             </a:pPr>
-          </a:p>
-          <a:p>
-            <a:pPr algn="just">
-              <a:lnSpc>
-                <a:spcPts val="3640"/>
-              </a:lnSpc>
-            </a:pPr>
             <a:r>
               <a:rPr lang="en-US" sz="2600">
                 <a:solidFill>
                   <a:srgbClr val="000000"/>
                 </a:solidFill>
-                <a:latin typeface="Poppins" panose="00000500000000000000"/>
-                <a:ea typeface="Poppins" panose="00000500000000000000"/>
-                <a:cs typeface="Poppins" panose="00000500000000000000"/>
-                <a:sym typeface="Poppins" panose="00000500000000000000"/>
+                <a:latin typeface="Poppins"/>
+                <a:ea typeface="Poppins"/>
+                <a:cs typeface="Poppins"/>
+                <a:sym typeface="Poppins"/>
               </a:rPr>
               <a:t>Menu fixo e rodapé com informações de contato.</a:t>
             </a:r>
+          </a:p>
+          <a:p>
+            <a:pPr algn="just">
+              <a:lnSpc>
+                <a:spcPts val="3640"/>
+              </a:lnSpc>
+            </a:pPr>
             <a:endParaRPr lang="en-US" sz="2600">
               <a:solidFill>
                 <a:srgbClr val="000000"/>
               </a:solidFill>
-              <a:latin typeface="Poppins" panose="00000500000000000000"/>
-              <a:ea typeface="Poppins" panose="00000500000000000000"/>
-              <a:cs typeface="Poppins" panose="00000500000000000000"/>
-              <a:sym typeface="Poppins" panose="00000500000000000000"/>
+              <a:latin typeface="Poppins"/>
+              <a:ea typeface="Poppins"/>
+              <a:cs typeface="Poppins"/>
+              <a:sym typeface="Poppins"/>
             </a:endParaRPr>
           </a:p>
           <a:p>
@@ -8691,89 +7347,20 @@
                 <a:spcPts val="3640"/>
               </a:lnSpc>
             </a:pPr>
-          </a:p>
-          <a:p>
-            <a:pPr algn="just">
-              <a:lnSpc>
-                <a:spcPts val="3640"/>
-              </a:lnSpc>
-            </a:pPr>
             <a:r>
               <a:rPr lang="en-US" sz="2600">
                 <a:solidFill>
                   <a:srgbClr val="000000"/>
                 </a:solidFill>
-                <a:latin typeface="Poppins" panose="00000500000000000000"/>
-                <a:ea typeface="Poppins" panose="00000500000000000000"/>
-                <a:cs typeface="Poppins" panose="00000500000000000000"/>
-                <a:sym typeface="Poppins" panose="00000500000000000000"/>
+                <a:latin typeface="Poppins"/>
+                <a:ea typeface="Poppins"/>
+                <a:cs typeface="Poppins"/>
+                <a:sym typeface="Poppins"/>
               </a:rPr>
               <a:t>Hospedagem gratuita.</a:t>
             </a:r>
-            <a:endParaRPr lang="en-US" sz="2600">
-              <a:solidFill>
-                <a:srgbClr val="000000"/>
-              </a:solidFill>
-              <a:latin typeface="Poppins" panose="00000500000000000000"/>
-              <a:ea typeface="Poppins" panose="00000500000000000000"/>
-              <a:cs typeface="Poppins" panose="00000500000000000000"/>
-              <a:sym typeface="Poppins" panose="00000500000000000000"/>
-            </a:endParaRPr>
-          </a:p>
-        </p:txBody>
-      </p:sp>
-      <p:sp>
-        <p:nvSpPr>
-          <p:cNvPr id="4" name="Freeform 4"/>
-          <p:cNvSpPr/>
-          <p:nvPr/>
-        </p:nvSpPr>
-        <p:spPr>
-          <a:xfrm>
-            <a:off x="-1403169" y="1028700"/>
-            <a:ext cx="11514352" cy="11535325"/>
-          </a:xfrm>
-          <a:custGeom>
-            <a:avLst/>
-            <a:gdLst/>
-            <a:ahLst/>
-            <a:cxnLst/>
-            <a:rect l="l" t="t" r="r" b="b"/>
-            <a:pathLst>
-              <a:path w="11514352" h="11535325">
-                <a:moveTo>
-                  <a:pt x="0" y="0"/>
-                </a:moveTo>
-                <a:lnTo>
-                  <a:pt x="11514351" y="0"/>
-                </a:lnTo>
-                <a:lnTo>
-                  <a:pt x="11514351" y="11535325"/>
-                </a:lnTo>
-                <a:lnTo>
-                  <a:pt x="0" y="11535325"/>
-                </a:lnTo>
-                <a:lnTo>
-                  <a:pt x="0" y="0"/>
-                </a:lnTo>
-                <a:close/>
-              </a:path>
-            </a:pathLst>
-          </a:custGeom>
-          <a:blipFill>
-            <a:blip r:embed="rId1">
-              <a:alphaModFix amt="40000"/>
-              <a:extLst>
-                <a:ext uri="{96DAC541-7B7A-43D3-8B79-37D633B846F1}">
-                  <asvg:svgBlip xmlns:asvg="http://schemas.microsoft.com/office/drawing/2016/SVG/main" r:embed="rId2"/>
-                </a:ext>
-              </a:extLst>
-            </a:blip>
-            <a:stretch>
-              <a:fillRect/>
-            </a:stretch>
-          </a:blipFill>
-        </p:spPr>
+          </a:p>
+        </p:txBody>
       </p:sp>
     </p:spTree>
   </p:cSld>
@@ -8810,60 +7397,7 @@
       </p:grpSpPr>
       <p:sp>
         <p:nvSpPr>
-          <p:cNvPr id="2" name="Freeform 2"/>
-          <p:cNvSpPr/>
-          <p:nvPr/>
-        </p:nvSpPr>
-        <p:spPr>
-          <a:xfrm>
-            <a:off x="-1403169" y="1028700"/>
-            <a:ext cx="11514352" cy="11535325"/>
-          </a:xfrm>
-          <a:custGeom>
-            <a:avLst/>
-            <a:gdLst/>
-            <a:ahLst/>
-            <a:cxnLst/>
-            <a:rect l="l" t="t" r="r" b="b"/>
-            <a:pathLst>
-              <a:path w="11514352" h="11535325">
-                <a:moveTo>
-                  <a:pt x="0" y="0"/>
-                </a:moveTo>
-                <a:lnTo>
-                  <a:pt x="11514351" y="0"/>
-                </a:lnTo>
-                <a:lnTo>
-                  <a:pt x="11514351" y="11535325"/>
-                </a:lnTo>
-                <a:lnTo>
-                  <a:pt x="0" y="11535325"/>
-                </a:lnTo>
-                <a:lnTo>
-                  <a:pt x="0" y="0"/>
-                </a:lnTo>
-                <a:close/>
-              </a:path>
-            </a:pathLst>
-          </a:custGeom>
-          <a:blipFill>
-            <a:blip r:embed="rId1">
-              <a:alphaModFix amt="40000"/>
-              <a:extLst>
-                <a:ext uri="{96DAC541-7B7A-43D3-8B79-37D633B846F1}">
-                  <asvg:svgBlip xmlns:asvg="http://schemas.microsoft.com/office/drawing/2016/SVG/main" r:embed="rId2"/>
-                </a:ext>
-              </a:extLst>
-            </a:blip>
-            <a:stretch>
-              <a:fillRect/>
-            </a:stretch>
-          </a:blipFill>
-        </p:spPr>
-      </p:sp>
-      <p:sp>
-        <p:nvSpPr>
-          <p:cNvPr id="3" name="TextBox 3"/>
+          <p:cNvPr id="2" name="TextBox 2"/>
           <p:cNvSpPr txBox="1"/>
           <p:nvPr/>
         </p:nvSpPr>
@@ -8892,34 +7426,25 @@
                 <a:solidFill>
                   <a:srgbClr val="3A7AFE"/>
                 </a:solidFill>
-                <a:latin typeface="Montserrat Bold" panose="00000800000000000000"/>
-                <a:ea typeface="Montserrat Bold" panose="00000800000000000000"/>
-                <a:cs typeface="Montserrat Bold" panose="00000800000000000000"/>
-                <a:sym typeface="Montserrat Bold" panose="00000800000000000000"/>
+                <a:latin typeface="Montserrat Bold"/>
+                <a:ea typeface="Montserrat Bold"/>
+                <a:cs typeface="Montserrat Bold"/>
+                <a:sym typeface="Montserrat Bold"/>
               </a:rPr>
               <a:t>Requisitos Não Funcionais </a:t>
             </a:r>
-            <a:endParaRPr lang="en-US" sz="4400" b="1">
-              <a:solidFill>
-                <a:srgbClr val="3A7AFE"/>
-              </a:solidFill>
-              <a:latin typeface="Montserrat Bold" panose="00000800000000000000"/>
-              <a:ea typeface="Montserrat Bold" panose="00000800000000000000"/>
-              <a:cs typeface="Montserrat Bold" panose="00000800000000000000"/>
-              <a:sym typeface="Montserrat Bold" panose="00000800000000000000"/>
-            </a:endParaRPr>
-          </a:p>
-        </p:txBody>
-      </p:sp>
-      <p:sp>
-        <p:nvSpPr>
-          <p:cNvPr id="4" name="TextBox 4"/>
+          </a:p>
+        </p:txBody>
+      </p:sp>
+      <p:sp>
+        <p:nvSpPr>
+          <p:cNvPr id="3" name="TextBox 3"/>
           <p:cNvSpPr txBox="1"/>
           <p:nvPr/>
         </p:nvSpPr>
         <p:spPr>
           <a:xfrm>
-            <a:off x="4144299" y="3445874"/>
+            <a:off x="3866663" y="3533265"/>
             <a:ext cx="10554674" cy="4572635"/>
           </a:xfrm>
           <a:prstGeom prst="rect">
@@ -8942,21 +7467,28 @@
                 <a:solidFill>
                   <a:srgbClr val="000000"/>
                 </a:solidFill>
-                <a:latin typeface="Poppins" panose="00000500000000000000"/>
-                <a:ea typeface="Poppins" panose="00000500000000000000"/>
-                <a:cs typeface="Poppins" panose="00000500000000000000"/>
-                <a:sym typeface="Poppins" panose="00000500000000000000"/>
+                <a:latin typeface="Poppins"/>
+                <a:ea typeface="Poppins"/>
+                <a:cs typeface="Poppins"/>
+                <a:sym typeface="Poppins"/>
               </a:rPr>
               <a:t>Usabilidade: Interface simples e intuitiva.</a:t>
             </a:r>
+          </a:p>
+          <a:p>
+            <a:pPr algn="just">
+              <a:lnSpc>
+                <a:spcPts val="3640"/>
+              </a:lnSpc>
+            </a:pPr>
             <a:endParaRPr lang="en-US" sz="2600">
               <a:solidFill>
                 <a:srgbClr val="000000"/>
               </a:solidFill>
-              <a:latin typeface="Poppins" panose="00000500000000000000"/>
-              <a:ea typeface="Poppins" panose="00000500000000000000"/>
-              <a:cs typeface="Poppins" panose="00000500000000000000"/>
-              <a:sym typeface="Poppins" panose="00000500000000000000"/>
+              <a:latin typeface="Poppins"/>
+              <a:ea typeface="Poppins"/>
+              <a:cs typeface="Poppins"/>
+              <a:sym typeface="Poppins"/>
             </a:endParaRPr>
           </a:p>
           <a:p>
@@ -8965,33 +7497,33 @@
                 <a:spcPts val="3640"/>
               </a:lnSpc>
             </a:pPr>
-          </a:p>
-          <a:p>
-            <a:pPr algn="just">
-              <a:lnSpc>
-                <a:spcPts val="3640"/>
-              </a:lnSpc>
-            </a:pPr>
             <a:r>
               <a:rPr lang="en-US" sz="2600">
                 <a:solidFill>
                   <a:srgbClr val="000000"/>
                 </a:solidFill>
-                <a:latin typeface="Poppins" panose="00000500000000000000"/>
-                <a:ea typeface="Poppins" panose="00000500000000000000"/>
-                <a:cs typeface="Poppins" panose="00000500000000000000"/>
-                <a:sym typeface="Poppins" panose="00000500000000000000"/>
+                <a:latin typeface="Poppins"/>
+                <a:ea typeface="Poppins"/>
+                <a:cs typeface="Poppins"/>
+                <a:sym typeface="Poppins"/>
               </a:rPr>
               <a:t>Desempenho: Carregamento rápido (&lt; 3 segundos).</a:t>
             </a:r>
+          </a:p>
+          <a:p>
+            <a:pPr algn="just">
+              <a:lnSpc>
+                <a:spcPts val="3640"/>
+              </a:lnSpc>
+            </a:pPr>
             <a:endParaRPr lang="en-US" sz="2600">
               <a:solidFill>
                 <a:srgbClr val="000000"/>
               </a:solidFill>
-              <a:latin typeface="Poppins" panose="00000500000000000000"/>
-              <a:ea typeface="Poppins" panose="00000500000000000000"/>
-              <a:cs typeface="Poppins" panose="00000500000000000000"/>
-              <a:sym typeface="Poppins" panose="00000500000000000000"/>
+              <a:latin typeface="Poppins"/>
+              <a:ea typeface="Poppins"/>
+              <a:cs typeface="Poppins"/>
+              <a:sym typeface="Poppins"/>
             </a:endParaRPr>
           </a:p>
           <a:p>
@@ -9000,33 +7532,33 @@
                 <a:spcPts val="3640"/>
               </a:lnSpc>
             </a:pPr>
-          </a:p>
-          <a:p>
-            <a:pPr algn="just">
-              <a:lnSpc>
-                <a:spcPts val="3640"/>
-              </a:lnSpc>
-            </a:pPr>
             <a:r>
               <a:rPr lang="en-US" sz="2600">
                 <a:solidFill>
                   <a:srgbClr val="000000"/>
                 </a:solidFill>
-                <a:latin typeface="Poppins" panose="00000500000000000000"/>
-                <a:ea typeface="Poppins" panose="00000500000000000000"/>
-                <a:cs typeface="Poppins" panose="00000500000000000000"/>
-                <a:sym typeface="Poppins" panose="00000500000000000000"/>
+                <a:latin typeface="Poppins"/>
+                <a:ea typeface="Poppins"/>
+                <a:cs typeface="Poppins"/>
+                <a:sym typeface="Poppins"/>
               </a:rPr>
               <a:t>Compatibilidade: Funcionamento nos principais navegadores.</a:t>
             </a:r>
+          </a:p>
+          <a:p>
+            <a:pPr algn="just">
+              <a:lnSpc>
+                <a:spcPts val="3640"/>
+              </a:lnSpc>
+            </a:pPr>
             <a:endParaRPr lang="en-US" sz="2600">
               <a:solidFill>
                 <a:srgbClr val="000000"/>
               </a:solidFill>
-              <a:latin typeface="Poppins" panose="00000500000000000000"/>
-              <a:ea typeface="Poppins" panose="00000500000000000000"/>
-              <a:cs typeface="Poppins" panose="00000500000000000000"/>
-              <a:sym typeface="Poppins" panose="00000500000000000000"/>
+              <a:latin typeface="Poppins"/>
+              <a:ea typeface="Poppins"/>
+              <a:cs typeface="Poppins"/>
+              <a:sym typeface="Poppins"/>
             </a:endParaRPr>
           </a:p>
           <a:p>
@@ -9035,33 +7567,33 @@
                 <a:spcPts val="3640"/>
               </a:lnSpc>
             </a:pPr>
-          </a:p>
-          <a:p>
-            <a:pPr algn="just">
-              <a:lnSpc>
-                <a:spcPts val="3640"/>
-              </a:lnSpc>
-            </a:pPr>
             <a:r>
               <a:rPr lang="en-US" sz="2600">
                 <a:solidFill>
                   <a:srgbClr val="000000"/>
                 </a:solidFill>
-                <a:latin typeface="Poppins" panose="00000500000000000000"/>
-                <a:ea typeface="Poppins" panose="00000500000000000000"/>
-                <a:cs typeface="Poppins" panose="00000500000000000000"/>
-                <a:sym typeface="Poppins" panose="00000500000000000000"/>
+                <a:latin typeface="Poppins"/>
+                <a:ea typeface="Poppins"/>
+                <a:cs typeface="Poppins"/>
+                <a:sym typeface="Poppins"/>
               </a:rPr>
               <a:t>Responsividade: Adaptação a diferentes dispositivos.</a:t>
             </a:r>
+          </a:p>
+          <a:p>
+            <a:pPr algn="just">
+              <a:lnSpc>
+                <a:spcPts val="3640"/>
+              </a:lnSpc>
+            </a:pPr>
             <a:endParaRPr lang="en-US" sz="2600">
               <a:solidFill>
                 <a:srgbClr val="000000"/>
               </a:solidFill>
-              <a:latin typeface="Poppins" panose="00000500000000000000"/>
-              <a:ea typeface="Poppins" panose="00000500000000000000"/>
-              <a:cs typeface="Poppins" panose="00000500000000000000"/>
-              <a:sym typeface="Poppins" panose="00000500000000000000"/>
+              <a:latin typeface="Poppins"/>
+              <a:ea typeface="Poppins"/>
+              <a:cs typeface="Poppins"/>
+              <a:sym typeface="Poppins"/>
             </a:endParaRPr>
           </a:p>
           <a:p>
@@ -9070,41 +7602,34 @@
                 <a:spcPts val="3640"/>
               </a:lnSpc>
             </a:pPr>
-          </a:p>
-          <a:p>
-            <a:pPr algn="just">
-              <a:lnSpc>
-                <a:spcPts val="3640"/>
-              </a:lnSpc>
-            </a:pPr>
             <a:r>
               <a:rPr lang="en-US" sz="2600">
                 <a:solidFill>
                   <a:srgbClr val="000000"/>
                 </a:solidFill>
-                <a:latin typeface="Poppins" panose="00000500000000000000"/>
-                <a:ea typeface="Poppins" panose="00000500000000000000"/>
-                <a:cs typeface="Poppins" panose="00000500000000000000"/>
-                <a:sym typeface="Poppins" panose="00000500000000000000"/>
+                <a:latin typeface="Poppins"/>
+                <a:ea typeface="Poppins"/>
+                <a:cs typeface="Poppins"/>
+                <a:sym typeface="Poppins"/>
               </a:rPr>
               <a:t>Manutenção: Código limpo e comentado.</a:t>
             </a:r>
+          </a:p>
+          <a:p>
+            <a:pPr algn="just">
+              <a:lnSpc>
+                <a:spcPts val="3640"/>
+              </a:lnSpc>
+            </a:pPr>
             <a:endParaRPr lang="en-US" sz="2600">
               <a:solidFill>
                 <a:srgbClr val="000000"/>
               </a:solidFill>
-              <a:latin typeface="Poppins" panose="00000500000000000000"/>
-              <a:ea typeface="Poppins" panose="00000500000000000000"/>
-              <a:cs typeface="Poppins" panose="00000500000000000000"/>
-              <a:sym typeface="Poppins" panose="00000500000000000000"/>
+              <a:latin typeface="Poppins"/>
+              <a:ea typeface="Poppins"/>
+              <a:cs typeface="Poppins"/>
+              <a:sym typeface="Poppins"/>
             </a:endParaRPr>
-          </a:p>
-          <a:p>
-            <a:pPr algn="just">
-              <a:lnSpc>
-                <a:spcPts val="3640"/>
-              </a:lnSpc>
-            </a:pPr>
           </a:p>
         </p:txBody>
       </p:sp>
@@ -9394,10 +7919,7 @@
       </a:bgFillStyleLst>
     </a:fmtScheme>
   </a:themeElements>
-  <a:extLst>
-    <a:ext uri="{05A4C25C-085E-4340-85A3-A5531E510DB2}">
-      <thm15:themeFamily xmlns:thm15="http://schemas.microsoft.com/office/thememl/2012/main" name="Office Theme" id="{62F939B6-93AF-4DB8-9C6B-D6C7DFDC589F}" vid="{4A3C46E8-61CC-4603-A589-7422A47A8E4A}"/>
-    </a:ext>
-  </a:extLst>
+  <a:objectDefaults/>
+  <a:extraClrSchemeLst/>
 </a:theme>
 </file>